--- a/class1/Web前端框架介绍0.pptx
+++ b/class1/Web前端框架介绍0.pptx
@@ -152,7 +152,7 @@
   </p:defaultTextStyle>
   <p:extLst>
     <p:ext uri="{EFAFB233-063F-42B5-8137-9DF3F51BA10A}">
-      <p15:sldGuideLst xmlns="" xmlns:p15="http://schemas.microsoft.com/office/powerpoint/2012/main">
+      <p15:sldGuideLst xmlns:p15="http://schemas.microsoft.com/office/powerpoint/2012/main" xmlns="">
         <p15:guide id="1" pos="3840" userDrawn="1">
           <p15:clr>
             <a:srgbClr val="A4A3A4"/>
@@ -166,7 +166,7 @@
       </p15:sldGuideLst>
     </p:ext>
     <p:ext uri="{2D200454-40CA-4A62-9FC3-DE9A4176ACB9}">
-      <p15:notesGuideLst xmlns="" xmlns:p15="http://schemas.microsoft.com/office/powerpoint/2012/main"/>
+      <p15:notesGuideLst xmlns:p15="http://schemas.microsoft.com/office/powerpoint/2012/main" xmlns=""/>
     </p:ext>
   </p:extLst>
 </p:presentation>
@@ -1940,15 +1940,6 @@
               </a:rPr>
               <a:t>这个应用。</a:t>
             </a:r>
-            <a:endParaRPr lang="zh-CN" altLang="en-US" sz="1200" b="0" i="0" kern="1200" dirty="0" smtClean="0">
-              <a:solidFill>
-                <a:schemeClr val="tx1"/>
-              </a:solidFill>
-              <a:effectLst/>
-              <a:latin typeface="+mn-lt"/>
-              <a:ea typeface="微软雅黑" panose="020B0503020204020204" pitchFamily="34" charset="-122"/>
-              <a:cs typeface="+mn-cs"/>
-            </a:endParaRPr>
           </a:p>
         </p:txBody>
       </p:sp>
@@ -3859,19 +3850,7 @@
                 <a:ea typeface="微软雅黑" panose="020B0503020204020204" pitchFamily="34" charset="-122"/>
                 <a:cs typeface="+mn-cs"/>
               </a:rPr>
-              <a:t>都可以很简单的帮你实现，并且非常易于维护</a:t>
-            </a:r>
-            <a:r>
-              <a:rPr lang="zh-CN" altLang="en-US" sz="1200" b="0" i="0" kern="1200" dirty="0" smtClean="0">
-                <a:solidFill>
-                  <a:schemeClr val="tx1"/>
-                </a:solidFill>
-                <a:effectLst/>
-                <a:latin typeface="+mn-lt"/>
-                <a:ea typeface="微软雅黑" panose="020B0503020204020204" pitchFamily="34" charset="-122"/>
-                <a:cs typeface="+mn-cs"/>
-              </a:rPr>
-              <a:t>。最低能支持</a:t>
+              <a:t>都可以很简单的帮你实现，并且非常易于维护。最低能支持</a:t>
             </a:r>
             <a:r>
               <a:rPr lang="en-US" altLang="zh-CN" sz="1200" b="0" i="0" kern="1200" dirty="0" smtClean="0">
@@ -3885,15 +3864,6 @@
               </a:rPr>
               <a:t>ie6</a:t>
             </a:r>
-            <a:endParaRPr lang="en-US" altLang="zh-CN" sz="1200" b="0" i="0" kern="1200" dirty="0" smtClean="0">
-              <a:solidFill>
-                <a:schemeClr val="tx1"/>
-              </a:solidFill>
-              <a:effectLst/>
-              <a:latin typeface="+mn-lt"/>
-              <a:ea typeface="微软雅黑" panose="020B0503020204020204" pitchFamily="34" charset="-122"/>
-              <a:cs typeface="+mn-cs"/>
-            </a:endParaRPr>
           </a:p>
           <a:p>
             <a:r>
@@ -4697,7 +4667,19 @@
                 <a:ea typeface="微软雅黑" panose="020B0503020204020204" pitchFamily="34" charset="-122"/>
                 <a:cs typeface="+mn-cs"/>
               </a:rPr>
-              <a:t>的交互。在</a:t>
+              <a:t>的交互</a:t>
+            </a:r>
+            <a:r>
+              <a:rPr lang="zh-CN" altLang="en-US" sz="1200" b="0" i="0" kern="1200" dirty="0" smtClean="0">
+                <a:solidFill>
+                  <a:schemeClr val="tx1"/>
+                </a:solidFill>
+                <a:effectLst/>
+                <a:latin typeface="+mn-lt"/>
+                <a:ea typeface="微软雅黑" panose="020B0503020204020204" pitchFamily="34" charset="-122"/>
+                <a:cs typeface="+mn-cs"/>
+              </a:rPr>
+              <a:t>。在</a:t>
             </a:r>
             <a:r>
               <a:rPr lang="en-US" altLang="zh-CN" sz="1200" b="0" i="0" kern="1200" dirty="0" smtClean="0">
@@ -5631,15 +5613,6 @@
               </a:rPr>
               <a:t>语法，这一步很消耗时间，实际上线的时候，应该将它放到服务器完成。</a:t>
             </a:r>
-            <a:endParaRPr lang="zh-CN" altLang="en-US" sz="1200" b="0" i="0" kern="1200" dirty="0" smtClean="0">
-              <a:solidFill>
-                <a:schemeClr val="tx1"/>
-              </a:solidFill>
-              <a:effectLst/>
-              <a:latin typeface="+mn-lt"/>
-              <a:ea typeface="微软雅黑" panose="020B0503020204020204" pitchFamily="34" charset="-122"/>
-              <a:cs typeface="+mn-cs"/>
-            </a:endParaRPr>
           </a:p>
         </p:txBody>
       </p:sp>
@@ -7159,347 +7132,6 @@
           <a:bodyPr/>
           <a:lstStyle/>
           <a:p>
-            <a:pPr>
-              <a:lnSpc>
-                <a:spcPct val="170000"/>
-              </a:lnSpc>
-            </a:pPr>
-            <a:r>
-              <a:rPr lang="en-US" altLang="zh-CN" sz="1200" dirty="0" smtClean="0"/>
-              <a:t>React </a:t>
-            </a:r>
-            <a:r>
-              <a:rPr lang="zh-CN" altLang="en-US" sz="1200" dirty="0" smtClean="0"/>
-              <a:t>和 </a:t>
-            </a:r>
-            <a:r>
-              <a:rPr lang="en-US" altLang="zh-CN" sz="1200" dirty="0" smtClean="0"/>
-              <a:t>Angular 2 </a:t>
-            </a:r>
-            <a:r>
-              <a:rPr lang="zh-CN" altLang="en-US" sz="1200" dirty="0" smtClean="0"/>
-              <a:t>都有服务端渲染和原生渲染的功能。这两个东西在对此有需求的场景下，是很有吸引力的，但实际上对此有硬需求的场景占多少百分比则是个问题。比如服务端渲染的前提是前端渲染层得用 </a:t>
-            </a:r>
-            <a:r>
-              <a:rPr lang="en-US" altLang="zh-CN" sz="1200" dirty="0" smtClean="0"/>
-              <a:t>Node.js </a:t>
-            </a:r>
-            <a:r>
-              <a:rPr lang="zh-CN" altLang="en-US" sz="1200" dirty="0" smtClean="0"/>
-              <a:t>交给</a:t>
-            </a:r>
-            <a:r>
-              <a:rPr lang="en-US" altLang="zh-CN" sz="1200" dirty="0" smtClean="0"/>
-              <a:t>『</a:t>
-            </a:r>
-            <a:r>
-              <a:rPr lang="zh-CN" altLang="en-US" sz="1200" dirty="0" smtClean="0"/>
-              <a:t>全栈</a:t>
-            </a:r>
-            <a:r>
-              <a:rPr lang="en-US" altLang="zh-CN" sz="1200" dirty="0" smtClean="0"/>
-              <a:t>』</a:t>
-            </a:r>
-            <a:r>
-              <a:rPr lang="zh-CN" altLang="en-US" sz="1200" dirty="0" smtClean="0"/>
-              <a:t>去做，原生渲染的多端代码复用率会因应用实际需求而变化，制约它们发挥的条件还是不少的，但是这并不会影响 </a:t>
-            </a:r>
-            <a:r>
-              <a:rPr lang="en-US" altLang="zh-CN" sz="1200" dirty="0" err="1" smtClean="0"/>
-              <a:t>Vue</a:t>
-            </a:r>
-            <a:r>
-              <a:rPr lang="en-US" altLang="zh-CN" sz="1200" dirty="0" smtClean="0"/>
-              <a:t> </a:t>
-            </a:r>
-            <a:r>
-              <a:rPr lang="zh-CN" altLang="en-US" sz="1200" dirty="0" smtClean="0"/>
-              <a:t>在整个市场中占有一席之地</a:t>
-            </a:r>
-            <a:r>
-              <a:rPr lang="zh-CN" altLang="en-US" sz="1200" dirty="0" smtClean="0"/>
-              <a:t>。</a:t>
-            </a:r>
-            <a:endParaRPr lang="en-US" altLang="zh-CN" sz="1200" dirty="0" smtClean="0"/>
-          </a:p>
-          <a:p>
-            <a:pPr>
-              <a:lnSpc>
-                <a:spcPct val="170000"/>
-              </a:lnSpc>
-            </a:pPr>
-            <a:r>
-              <a:rPr lang="en-US" altLang="zh-CN" sz="1200" b="0" i="0" kern="1200" dirty="0" smtClean="0">
-                <a:solidFill>
-                  <a:schemeClr val="tx1"/>
-                </a:solidFill>
-                <a:effectLst/>
-                <a:latin typeface="+mn-lt"/>
-                <a:ea typeface="微软雅黑" panose="020B0503020204020204" pitchFamily="34" charset="-122"/>
-                <a:cs typeface="+mn-cs"/>
-              </a:rPr>
-              <a:t>Vue2.3</a:t>
-            </a:r>
-            <a:r>
-              <a:rPr lang="zh-CN" altLang="en-US" sz="1200" b="0" i="0" kern="1200" dirty="0" smtClean="0">
-                <a:solidFill>
-                  <a:schemeClr val="tx1"/>
-                </a:solidFill>
-                <a:effectLst/>
-                <a:latin typeface="+mn-lt"/>
-                <a:ea typeface="微软雅黑" panose="020B0503020204020204" pitchFamily="34" charset="-122"/>
-                <a:cs typeface="+mn-cs"/>
-              </a:rPr>
-              <a:t>发布后也有了服务端渲染，从头搭建一个服务端渲染的应用是相当复杂的。幸运的是，我们有一个优秀的社区项目 </a:t>
-            </a:r>
-            <a:r>
-              <a:rPr lang="en-US" altLang="zh-CN" sz="1200" b="1" i="0" u="none" strike="noStrike" kern="1200" dirty="0" smtClean="0">
-                <a:solidFill>
-                  <a:schemeClr val="tx1"/>
-                </a:solidFill>
-                <a:effectLst/>
-                <a:latin typeface="+mn-lt"/>
-                <a:ea typeface="微软雅黑" panose="020B0503020204020204" pitchFamily="34" charset="-122"/>
-                <a:cs typeface="+mn-cs"/>
-                <a:hlinkClick r:id="rId3"/>
-              </a:rPr>
-              <a:t>Nuxt.js</a:t>
-            </a:r>
-            <a:r>
-              <a:rPr lang="zh-CN" altLang="en-US" sz="1200" b="0" i="0" kern="1200" dirty="0" smtClean="0">
-                <a:solidFill>
-                  <a:schemeClr val="tx1"/>
-                </a:solidFill>
-                <a:effectLst/>
-                <a:latin typeface="+mn-lt"/>
-                <a:ea typeface="微软雅黑" panose="020B0503020204020204" pitchFamily="34" charset="-122"/>
-                <a:cs typeface="+mn-cs"/>
-              </a:rPr>
-              <a:t> 让这一切变得非常简单。</a:t>
-            </a:r>
-            <a:r>
-              <a:rPr lang="en-US" altLang="zh-CN" sz="1200" b="0" i="0" kern="1200" dirty="0" err="1" smtClean="0">
-                <a:solidFill>
-                  <a:schemeClr val="tx1"/>
-                </a:solidFill>
-                <a:effectLst/>
-                <a:latin typeface="+mn-lt"/>
-                <a:ea typeface="微软雅黑" panose="020B0503020204020204" pitchFamily="34" charset="-122"/>
-                <a:cs typeface="+mn-cs"/>
-              </a:rPr>
-              <a:t>Nuxt</a:t>
-            </a:r>
-            <a:r>
-              <a:rPr lang="en-US" altLang="zh-CN" sz="1200" b="0" i="0" kern="1200" dirty="0" smtClean="0">
-                <a:solidFill>
-                  <a:schemeClr val="tx1"/>
-                </a:solidFill>
-                <a:effectLst/>
-                <a:latin typeface="+mn-lt"/>
-                <a:ea typeface="微软雅黑" panose="020B0503020204020204" pitchFamily="34" charset="-122"/>
-                <a:cs typeface="+mn-cs"/>
-              </a:rPr>
-              <a:t> </a:t>
-            </a:r>
-            <a:r>
-              <a:rPr lang="zh-CN" altLang="en-US" sz="1200" b="0" i="0" kern="1200" dirty="0" smtClean="0">
-                <a:solidFill>
-                  <a:schemeClr val="tx1"/>
-                </a:solidFill>
-                <a:effectLst/>
-                <a:latin typeface="+mn-lt"/>
-                <a:ea typeface="微软雅黑" panose="020B0503020204020204" pitchFamily="34" charset="-122"/>
-                <a:cs typeface="+mn-cs"/>
-              </a:rPr>
-              <a:t>是一个基于 </a:t>
-            </a:r>
-            <a:r>
-              <a:rPr lang="en-US" altLang="zh-CN" sz="1200" b="0" i="0" kern="1200" dirty="0" err="1" smtClean="0">
-                <a:solidFill>
-                  <a:schemeClr val="tx1"/>
-                </a:solidFill>
-                <a:effectLst/>
-                <a:latin typeface="+mn-lt"/>
-                <a:ea typeface="微软雅黑" panose="020B0503020204020204" pitchFamily="34" charset="-122"/>
-                <a:cs typeface="+mn-cs"/>
-              </a:rPr>
-              <a:t>Vue</a:t>
-            </a:r>
-            <a:r>
-              <a:rPr lang="en-US" altLang="zh-CN" sz="1200" b="0" i="0" kern="1200" dirty="0" smtClean="0">
-                <a:solidFill>
-                  <a:schemeClr val="tx1"/>
-                </a:solidFill>
-                <a:effectLst/>
-                <a:latin typeface="+mn-lt"/>
-                <a:ea typeface="微软雅黑" panose="020B0503020204020204" pitchFamily="34" charset="-122"/>
-                <a:cs typeface="+mn-cs"/>
-              </a:rPr>
-              <a:t> </a:t>
-            </a:r>
-            <a:r>
-              <a:rPr lang="zh-CN" altLang="en-US" sz="1200" b="0" i="0" kern="1200" dirty="0" smtClean="0">
-                <a:solidFill>
-                  <a:schemeClr val="tx1"/>
-                </a:solidFill>
-                <a:effectLst/>
-                <a:latin typeface="+mn-lt"/>
-                <a:ea typeface="微软雅黑" panose="020B0503020204020204" pitchFamily="34" charset="-122"/>
-                <a:cs typeface="+mn-cs"/>
-              </a:rPr>
-              <a:t>生态的更高层的框架，为开发服务端渲染的 </a:t>
-            </a:r>
-            <a:r>
-              <a:rPr lang="en-US" altLang="zh-CN" sz="1200" b="0" i="0" kern="1200" dirty="0" err="1" smtClean="0">
-                <a:solidFill>
-                  <a:schemeClr val="tx1"/>
-                </a:solidFill>
-                <a:effectLst/>
-                <a:latin typeface="+mn-lt"/>
-                <a:ea typeface="微软雅黑" panose="020B0503020204020204" pitchFamily="34" charset="-122"/>
-                <a:cs typeface="+mn-cs"/>
-              </a:rPr>
-              <a:t>Vue</a:t>
-            </a:r>
-            <a:r>
-              <a:rPr lang="en-US" altLang="zh-CN" sz="1200" b="0" i="0" kern="1200" dirty="0" smtClean="0">
-                <a:solidFill>
-                  <a:schemeClr val="tx1"/>
-                </a:solidFill>
-                <a:effectLst/>
-                <a:latin typeface="+mn-lt"/>
-                <a:ea typeface="微软雅黑" panose="020B0503020204020204" pitchFamily="34" charset="-122"/>
-                <a:cs typeface="+mn-cs"/>
-              </a:rPr>
-              <a:t> </a:t>
-            </a:r>
-            <a:r>
-              <a:rPr lang="zh-CN" altLang="en-US" sz="1200" b="0" i="0" kern="1200" dirty="0" smtClean="0">
-                <a:solidFill>
-                  <a:schemeClr val="tx1"/>
-                </a:solidFill>
-                <a:effectLst/>
-                <a:latin typeface="+mn-lt"/>
-                <a:ea typeface="微软雅黑" panose="020B0503020204020204" pitchFamily="34" charset="-122"/>
-                <a:cs typeface="+mn-cs"/>
-              </a:rPr>
-              <a:t>应用了极其便利的开发体验。</a:t>
-            </a:r>
-            <a:endParaRPr lang="zh-CN" altLang="en-US" sz="1200" dirty="0" smtClean="0"/>
-          </a:p>
-          <a:p>
-            <a:pPr>
-              <a:lnSpc>
-                <a:spcPct val="170000"/>
-              </a:lnSpc>
-            </a:pPr>
-            <a:r>
-              <a:rPr lang="zh-CN" altLang="en-US" sz="1200" dirty="0" smtClean="0"/>
-              <a:t>性能方面，这里不深入谈了，这几个主流框架都应该可以轻松应付大部分常见场景的性能需求，区别在于可优化性和优化对于开发体验的影响。这一点上</a:t>
-            </a:r>
-            <a:r>
-              <a:rPr lang="en-US" altLang="zh-CN" sz="1200" dirty="0" err="1" smtClean="0"/>
-              <a:t>Vue</a:t>
-            </a:r>
-            <a:r>
-              <a:rPr lang="en-US" altLang="zh-CN" sz="1200" dirty="0" smtClean="0"/>
-              <a:t> </a:t>
-            </a:r>
-            <a:r>
-              <a:rPr lang="zh-CN" altLang="en-US" sz="1200" dirty="0" smtClean="0"/>
-              <a:t>可能是最简单的，加好 </a:t>
-            </a:r>
-            <a:r>
-              <a:rPr lang="en-US" altLang="zh-CN" sz="1200" dirty="0" smtClean="0"/>
-              <a:t>track-by </a:t>
-            </a:r>
-            <a:r>
-              <a:rPr lang="zh-CN" altLang="en-US" sz="1200" dirty="0" smtClean="0"/>
-              <a:t>就 </a:t>
-            </a:r>
-            <a:r>
-              <a:rPr lang="en-US" altLang="zh-CN" sz="1200" dirty="0" smtClean="0"/>
-              <a:t>ok </a:t>
-            </a:r>
-            <a:r>
-              <a:rPr lang="zh-CN" altLang="en-US" sz="1200" dirty="0" smtClean="0"/>
-              <a:t>了。</a:t>
-            </a:r>
-            <a:r>
-              <a:rPr lang="en-US" altLang="zh-CN" sz="1200" dirty="0" smtClean="0"/>
-              <a:t>React </a:t>
-            </a:r>
-            <a:r>
-              <a:rPr lang="zh-CN" altLang="en-US" sz="1200" dirty="0" smtClean="0"/>
-              <a:t>需要 </a:t>
-            </a:r>
-            <a:r>
-              <a:rPr lang="en-US" altLang="zh-CN" sz="1200" dirty="0" err="1" smtClean="0"/>
-              <a:t>shouldComponentUpdate</a:t>
-            </a:r>
-            <a:r>
-              <a:rPr lang="en-US" altLang="zh-CN" sz="1200" dirty="0" smtClean="0"/>
-              <a:t> </a:t>
-            </a:r>
-            <a:r>
-              <a:rPr lang="zh-CN" altLang="en-US" sz="1200" dirty="0" smtClean="0"/>
-              <a:t>或者全面 </a:t>
-            </a:r>
-            <a:r>
-              <a:rPr lang="en-US" altLang="zh-CN" sz="1200" dirty="0" smtClean="0"/>
-              <a:t>Immutable</a:t>
-            </a:r>
-            <a:r>
-              <a:rPr lang="zh-CN" altLang="en-US" sz="1200" dirty="0" smtClean="0"/>
-              <a:t>，</a:t>
-            </a:r>
-            <a:r>
-              <a:rPr lang="en-US" altLang="zh-CN" sz="1200" dirty="0" smtClean="0"/>
-              <a:t>Angular 2 </a:t>
-            </a:r>
-            <a:r>
-              <a:rPr lang="zh-CN" altLang="en-US" sz="1200" dirty="0" smtClean="0"/>
-              <a:t>需要手动指定 </a:t>
-            </a:r>
-            <a:r>
-              <a:rPr lang="en-US" altLang="zh-CN" sz="1200" dirty="0" smtClean="0"/>
-              <a:t>change detection strategy</a:t>
-            </a:r>
-            <a:r>
-              <a:rPr lang="zh-CN" altLang="en-US" sz="1200" dirty="0" smtClean="0"/>
-              <a:t>，都有一定程度的侵入性。但是从整体趋势上来说，浏览器和手机还会越变越快，框架本身的渲染性能在整个前端性能优化体系中，会渐渐淡化，更多的优化点还是在构建方式、缓存、图片加载、网络链路、</a:t>
-            </a:r>
-            <a:r>
-              <a:rPr lang="en-US" altLang="zh-CN" sz="1200" dirty="0" smtClean="0"/>
-              <a:t>HTTP/2 </a:t>
-            </a:r>
-            <a:r>
-              <a:rPr lang="zh-CN" altLang="en-US" sz="1200" dirty="0" smtClean="0"/>
-              <a:t>等方面。顺道说一句，</a:t>
-            </a:r>
-            <a:r>
-              <a:rPr lang="en-US" altLang="zh-CN" sz="1200" dirty="0" smtClean="0"/>
-              <a:t>Angular 2 </a:t>
-            </a:r>
-            <a:r>
-              <a:rPr lang="zh-CN" altLang="en-US" sz="1200" dirty="0" smtClean="0"/>
-              <a:t>压缩后的大小是 </a:t>
-            </a:r>
-            <a:r>
-              <a:rPr lang="en-US" altLang="zh-CN" sz="1200" dirty="0" smtClean="0"/>
-              <a:t>500 </a:t>
-            </a:r>
-            <a:r>
-              <a:rPr lang="zh-CN" altLang="en-US" sz="1200" dirty="0" smtClean="0"/>
-              <a:t>多 </a:t>
-            </a:r>
-            <a:r>
-              <a:rPr lang="en-US" altLang="zh-CN" sz="1200" dirty="0" smtClean="0"/>
-              <a:t>kb.</a:t>
-            </a:r>
-            <a:endParaRPr lang="zh-CN" altLang="en-US" dirty="0" smtClean="0"/>
-          </a:p>
-          <a:p>
             <a:endParaRPr lang="zh-CN" altLang="en-US" dirty="0"/>
           </a:p>
         </p:txBody>
@@ -7522,7 +7154,7 @@
             <a:fld id="{624A9BF4-B422-4A26-A5B5-57536F7ECFCE}" type="slidenum">
               <a:rPr lang="zh-CN" altLang="en-US" smtClean="0"/>
               <a:pPr/>
-              <a:t>24</a:t>
+              <a:t>22</a:t>
             </a:fld>
             <a:endParaRPr lang="zh-CN" altLang="en-US" dirty="0"/>
           </a:p>
@@ -7531,7 +7163,7 @@
     </p:spTree>
     <p:extLst>
       <p:ext uri="{BB962C8B-B14F-4D97-AF65-F5344CB8AC3E}">
-        <p14:creationId xmlns:p14="http://schemas.microsoft.com/office/powerpoint/2010/main" val="4065817718"/>
+        <p14:creationId xmlns:p14="http://schemas.microsoft.com/office/powerpoint/2010/main" val="622235725"/>
       </p:ext>
     </p:extLst>
   </p:cSld>
@@ -7585,26 +7217,50 @@
           <a:bodyPr/>
           <a:lstStyle/>
           <a:p>
-            <a:pPr marL="0" marR="0" indent="0" algn="l" defTabSz="914400" rtl="0" eaLnBrk="1" fontAlgn="auto" latinLnBrk="0" hangingPunct="1">
+            <a:pPr>
               <a:lnSpc>
-                <a:spcPct val="100000"/>
+                <a:spcPct val="170000"/>
               </a:lnSpc>
-              <a:spcBef>
-                <a:spcPts val="0"/>
-              </a:spcBef>
-              <a:spcAft>
-                <a:spcPts val="0"/>
-              </a:spcAft>
-              <a:buClrTx/>
-              <a:buSzTx/>
-              <a:buFontTx/>
-              <a:buNone/>
-              <a:tabLst/>
-              <a:defRPr/>
             </a:pPr>
             <a:r>
+              <a:rPr lang="en-US" altLang="zh-CN" sz="1200" dirty="0" smtClean="0"/>
+              <a:t>React </a:t>
+            </a:r>
+            <a:r>
               <a:rPr lang="zh-CN" altLang="en-US" sz="1200" dirty="0" smtClean="0"/>
-              <a:t>这方面，</a:t>
+              <a:t>和 </a:t>
+            </a:r>
+            <a:r>
+              <a:rPr lang="en-US" altLang="zh-CN" sz="1200" dirty="0" smtClean="0"/>
+              <a:t>Angular 2 </a:t>
+            </a:r>
+            <a:r>
+              <a:rPr lang="zh-CN" altLang="en-US" sz="1200" dirty="0" smtClean="0"/>
+              <a:t>都有服务端渲染和原生渲染的功能。这两个东西在对此有需求的场景下，是很有吸引力的，但实际上对此有硬需求的场景占多少百分比则是个问题。比如服务端渲染的前提是前端渲染层得用 </a:t>
+            </a:r>
+            <a:r>
+              <a:rPr lang="en-US" altLang="zh-CN" sz="1200" dirty="0" smtClean="0"/>
+              <a:t>Node.js </a:t>
+            </a:r>
+            <a:r>
+              <a:rPr lang="zh-CN" altLang="en-US" sz="1200" dirty="0" smtClean="0"/>
+              <a:t>交给</a:t>
+            </a:r>
+            <a:r>
+              <a:rPr lang="en-US" altLang="zh-CN" sz="1200" dirty="0" smtClean="0"/>
+              <a:t>『</a:t>
+            </a:r>
+            <a:r>
+              <a:rPr lang="zh-CN" altLang="en-US" sz="1200" dirty="0" smtClean="0"/>
+              <a:t>全栈</a:t>
+            </a:r>
+            <a:r>
+              <a:rPr lang="en-US" altLang="zh-CN" sz="1200" dirty="0" smtClean="0"/>
+              <a:t>』</a:t>
+            </a:r>
+            <a:r>
+              <a:rPr lang="zh-CN" altLang="en-US" sz="1200" dirty="0" smtClean="0"/>
+              <a:t>去做，原生渲染的多端代码复用率会因应用实际需求而变化，制约它们发挥的条件还是不少的，但是这并不会影响 </a:t>
             </a:r>
             <a:r>
               <a:rPr lang="en-US" altLang="zh-CN" sz="1200" dirty="0" err="1" smtClean="0"/>
@@ -7616,15 +7272,236 @@
             </a:r>
             <a:r>
               <a:rPr lang="zh-CN" altLang="en-US" sz="1200" dirty="0" smtClean="0"/>
-              <a:t>是最容易上手，最具亲和度的。工具链方面最近刚发布了 </a:t>
+              <a:t>在整个市场中占有一席之地。</a:t>
+            </a:r>
+            <a:endParaRPr lang="en-US" altLang="zh-CN" sz="1200" dirty="0" smtClean="0"/>
+          </a:p>
+          <a:p>
+            <a:pPr>
+              <a:lnSpc>
+                <a:spcPct val="170000"/>
+              </a:lnSpc>
+            </a:pPr>
+            <a:r>
+              <a:rPr lang="en-US" altLang="zh-CN" sz="1200" b="0" i="0" kern="1200" dirty="0" smtClean="0">
+                <a:solidFill>
+                  <a:schemeClr val="tx1"/>
+                </a:solidFill>
+                <a:effectLst/>
+                <a:latin typeface="+mn-lt"/>
+                <a:ea typeface="微软雅黑" panose="020B0503020204020204" pitchFamily="34" charset="-122"/>
+                <a:cs typeface="+mn-cs"/>
+              </a:rPr>
+              <a:t>Vue2.3</a:t>
+            </a:r>
+            <a:r>
+              <a:rPr lang="zh-CN" altLang="en-US" sz="1200" b="0" i="0" kern="1200" dirty="0" smtClean="0">
+                <a:solidFill>
+                  <a:schemeClr val="tx1"/>
+                </a:solidFill>
+                <a:effectLst/>
+                <a:latin typeface="+mn-lt"/>
+                <a:ea typeface="微软雅黑" panose="020B0503020204020204" pitchFamily="34" charset="-122"/>
+                <a:cs typeface="+mn-cs"/>
+              </a:rPr>
+              <a:t>发布后也有了服务端渲染，从头搭建一个服务端渲染的应用是相当复杂的。幸运的是，我们有一个优秀的社区项目 </a:t>
+            </a:r>
+            <a:r>
+              <a:rPr lang="en-US" altLang="zh-CN" sz="1200" b="1" i="0" u="none" strike="noStrike" kern="1200" dirty="0" smtClean="0">
+                <a:solidFill>
+                  <a:schemeClr val="tx1"/>
+                </a:solidFill>
+                <a:effectLst/>
+                <a:latin typeface="+mn-lt"/>
+                <a:ea typeface="微软雅黑" panose="020B0503020204020204" pitchFamily="34" charset="-122"/>
+                <a:cs typeface="+mn-cs"/>
+                <a:hlinkClick r:id="rId3"/>
+              </a:rPr>
+              <a:t>Nuxt.js</a:t>
+            </a:r>
+            <a:r>
+              <a:rPr lang="zh-CN" altLang="en-US" sz="1200" b="0" i="0" kern="1200" dirty="0" smtClean="0">
+                <a:solidFill>
+                  <a:schemeClr val="tx1"/>
+                </a:solidFill>
+                <a:effectLst/>
+                <a:latin typeface="+mn-lt"/>
+                <a:ea typeface="微软雅黑" panose="020B0503020204020204" pitchFamily="34" charset="-122"/>
+                <a:cs typeface="+mn-cs"/>
+              </a:rPr>
+              <a:t> 让这一切变得非常简单。</a:t>
+            </a:r>
+            <a:r>
+              <a:rPr lang="en-US" altLang="zh-CN" sz="1200" b="0" i="0" kern="1200" dirty="0" err="1" smtClean="0">
+                <a:solidFill>
+                  <a:schemeClr val="tx1"/>
+                </a:solidFill>
+                <a:effectLst/>
+                <a:latin typeface="+mn-lt"/>
+                <a:ea typeface="微软雅黑" panose="020B0503020204020204" pitchFamily="34" charset="-122"/>
+                <a:cs typeface="+mn-cs"/>
+              </a:rPr>
+              <a:t>Nuxt</a:t>
+            </a:r>
+            <a:r>
+              <a:rPr lang="en-US" altLang="zh-CN" sz="1200" b="0" i="0" kern="1200" dirty="0" smtClean="0">
+                <a:solidFill>
+                  <a:schemeClr val="tx1"/>
+                </a:solidFill>
+                <a:effectLst/>
+                <a:latin typeface="+mn-lt"/>
+                <a:ea typeface="微软雅黑" panose="020B0503020204020204" pitchFamily="34" charset="-122"/>
+                <a:cs typeface="+mn-cs"/>
+              </a:rPr>
+              <a:t> </a:t>
+            </a:r>
+            <a:r>
+              <a:rPr lang="zh-CN" altLang="en-US" sz="1200" b="0" i="0" kern="1200" dirty="0" smtClean="0">
+                <a:solidFill>
+                  <a:schemeClr val="tx1"/>
+                </a:solidFill>
+                <a:effectLst/>
+                <a:latin typeface="+mn-lt"/>
+                <a:ea typeface="微软雅黑" panose="020B0503020204020204" pitchFamily="34" charset="-122"/>
+                <a:cs typeface="+mn-cs"/>
+              </a:rPr>
+              <a:t>是一个基于 </a:t>
+            </a:r>
+            <a:r>
+              <a:rPr lang="en-US" altLang="zh-CN" sz="1200" b="0" i="0" kern="1200" dirty="0" err="1" smtClean="0">
+                <a:solidFill>
+                  <a:schemeClr val="tx1"/>
+                </a:solidFill>
+                <a:effectLst/>
+                <a:latin typeface="+mn-lt"/>
+                <a:ea typeface="微软雅黑" panose="020B0503020204020204" pitchFamily="34" charset="-122"/>
+                <a:cs typeface="+mn-cs"/>
+              </a:rPr>
+              <a:t>Vue</a:t>
+            </a:r>
+            <a:r>
+              <a:rPr lang="en-US" altLang="zh-CN" sz="1200" b="0" i="0" kern="1200" dirty="0" smtClean="0">
+                <a:solidFill>
+                  <a:schemeClr val="tx1"/>
+                </a:solidFill>
+                <a:effectLst/>
+                <a:latin typeface="+mn-lt"/>
+                <a:ea typeface="微软雅黑" panose="020B0503020204020204" pitchFamily="34" charset="-122"/>
+                <a:cs typeface="+mn-cs"/>
+              </a:rPr>
+              <a:t> </a:t>
+            </a:r>
+            <a:r>
+              <a:rPr lang="zh-CN" altLang="en-US" sz="1200" b="0" i="0" kern="1200" dirty="0" smtClean="0">
+                <a:solidFill>
+                  <a:schemeClr val="tx1"/>
+                </a:solidFill>
+                <a:effectLst/>
+                <a:latin typeface="+mn-lt"/>
+                <a:ea typeface="微软雅黑" panose="020B0503020204020204" pitchFamily="34" charset="-122"/>
+                <a:cs typeface="+mn-cs"/>
+              </a:rPr>
+              <a:t>生态的更高层的框架，为开发服务端渲染的 </a:t>
+            </a:r>
+            <a:r>
+              <a:rPr lang="en-US" altLang="zh-CN" sz="1200" b="0" i="0" kern="1200" dirty="0" err="1" smtClean="0">
+                <a:solidFill>
+                  <a:schemeClr val="tx1"/>
+                </a:solidFill>
+                <a:effectLst/>
+                <a:latin typeface="+mn-lt"/>
+                <a:ea typeface="微软雅黑" panose="020B0503020204020204" pitchFamily="34" charset="-122"/>
+                <a:cs typeface="+mn-cs"/>
+              </a:rPr>
+              <a:t>Vue</a:t>
+            </a:r>
+            <a:r>
+              <a:rPr lang="en-US" altLang="zh-CN" sz="1200" b="0" i="0" kern="1200" dirty="0" smtClean="0">
+                <a:solidFill>
+                  <a:schemeClr val="tx1"/>
+                </a:solidFill>
+                <a:effectLst/>
+                <a:latin typeface="+mn-lt"/>
+                <a:ea typeface="微软雅黑" panose="020B0503020204020204" pitchFamily="34" charset="-122"/>
+                <a:cs typeface="+mn-cs"/>
+              </a:rPr>
+              <a:t> </a:t>
+            </a:r>
+            <a:r>
+              <a:rPr lang="zh-CN" altLang="en-US" sz="1200" b="0" i="0" kern="1200" dirty="0" smtClean="0">
+                <a:solidFill>
+                  <a:schemeClr val="tx1"/>
+                </a:solidFill>
+                <a:effectLst/>
+                <a:latin typeface="+mn-lt"/>
+                <a:ea typeface="微软雅黑" panose="020B0503020204020204" pitchFamily="34" charset="-122"/>
+                <a:cs typeface="+mn-cs"/>
+              </a:rPr>
+              <a:t>应用了极其便利的开发体验。</a:t>
+            </a:r>
+            <a:endParaRPr lang="zh-CN" altLang="en-US" sz="1200" dirty="0" smtClean="0"/>
+          </a:p>
+          <a:p>
+            <a:pPr>
+              <a:lnSpc>
+                <a:spcPct val="170000"/>
+              </a:lnSpc>
+            </a:pPr>
+            <a:r>
+              <a:rPr lang="zh-CN" altLang="en-US" sz="1200" dirty="0" smtClean="0"/>
+              <a:t>性能方面，这里不深入谈了，这几个主流框架都应该可以轻松应付大部分常见场景的性能需求，区别在于可优化性和优化对于开发体验的影响。这一点上</a:t>
             </a:r>
             <a:r>
               <a:rPr lang="en-US" altLang="zh-CN" sz="1200" dirty="0" err="1" smtClean="0"/>
-              <a:t>vue</a:t>
+              <a:t>Vue</a:t>
             </a:r>
             <a:r>
               <a:rPr lang="en-US" altLang="zh-CN" sz="1200" dirty="0" smtClean="0"/>
-              <a:t>-cli</a:t>
+              <a:t> </a:t>
+            </a:r>
+            <a:r>
+              <a:rPr lang="zh-CN" altLang="en-US" sz="1200" dirty="0" smtClean="0"/>
+              <a:t>可能是最简单的，加好 </a:t>
+            </a:r>
+            <a:r>
+              <a:rPr lang="en-US" altLang="zh-CN" sz="1200" dirty="0" smtClean="0"/>
+              <a:t>track-by </a:t>
+            </a:r>
+            <a:r>
+              <a:rPr lang="zh-CN" altLang="en-US" sz="1200" dirty="0" smtClean="0"/>
+              <a:t>就 </a:t>
+            </a:r>
+            <a:r>
+              <a:rPr lang="en-US" altLang="zh-CN" sz="1200" dirty="0" smtClean="0"/>
+              <a:t>ok </a:t>
+            </a:r>
+            <a:r>
+              <a:rPr lang="zh-CN" altLang="en-US" sz="1200" dirty="0" smtClean="0"/>
+              <a:t>了。</a:t>
+            </a:r>
+            <a:r>
+              <a:rPr lang="en-US" altLang="zh-CN" sz="1200" dirty="0" smtClean="0"/>
+              <a:t>React </a:t>
+            </a:r>
+            <a:r>
+              <a:rPr lang="zh-CN" altLang="en-US" sz="1200" dirty="0" smtClean="0"/>
+              <a:t>需要 </a:t>
+            </a:r>
+            <a:r>
+              <a:rPr lang="en-US" altLang="zh-CN" sz="1200" dirty="0" err="1" smtClean="0"/>
+              <a:t>shouldComponentUpdate</a:t>
+            </a:r>
+            <a:r>
+              <a:rPr lang="en-US" altLang="zh-CN" sz="1200" dirty="0" smtClean="0"/>
+              <a:t> </a:t>
+            </a:r>
+            <a:r>
+              <a:rPr lang="zh-CN" altLang="en-US" sz="1200" dirty="0" smtClean="0"/>
+              <a:t>或者全面 </a:t>
+            </a:r>
+            <a:r>
+              <a:rPr lang="en-US" altLang="zh-CN" sz="1200" dirty="0" smtClean="0"/>
+              <a:t>Immutable</a:t>
             </a:r>
             <a:r>
               <a:rPr lang="zh-CN" altLang="en-US" sz="1200" dirty="0" smtClean="0"/>
@@ -7632,87 +7509,27 @@
             </a:r>
             <a:r>
               <a:rPr lang="en-US" altLang="zh-CN" sz="1200" dirty="0" smtClean="0"/>
-              <a:t>1 </a:t>
+              <a:t>Angular 2 </a:t>
             </a:r>
             <a:r>
               <a:rPr lang="zh-CN" altLang="en-US" sz="1200" dirty="0" smtClean="0"/>
-              <a:t>分钟搞定 </a:t>
-            </a:r>
-            <a:r>
-              <a:rPr lang="en-US" altLang="zh-CN" sz="1200" dirty="0" err="1" smtClean="0"/>
-              <a:t>webpack</a:t>
+              <a:t>需要手动指定 </a:t>
             </a:r>
             <a:r>
               <a:rPr lang="en-US" altLang="zh-CN" sz="1200" dirty="0" smtClean="0"/>
-              <a:t> </a:t>
+              <a:t>change detection strategy</a:t>
             </a:r>
             <a:r>
               <a:rPr lang="zh-CN" altLang="en-US" sz="1200" dirty="0" smtClean="0"/>
-              <a:t>配置。</a:t>
-            </a:r>
-            <a:r>
-              <a:rPr lang="en-US" altLang="zh-CN" sz="1200" dirty="0" err="1" smtClean="0"/>
-              <a:t>Vue</a:t>
+              <a:t>，都有一定程度的侵入性。但是从整体趋势上来说，浏览器和手机还会越变越快，框架本身的渲染性能在整个前端性能优化体系中，会渐渐淡化，更多的优化点还是在构建方式、缓存、图片加载、网络链路、</a:t>
             </a:r>
             <a:r>
               <a:rPr lang="en-US" altLang="zh-CN" sz="1200" dirty="0" smtClean="0"/>
-              <a:t> </a:t>
+              <a:t>HTTP/2 </a:t>
             </a:r>
             <a:r>
               <a:rPr lang="zh-CN" altLang="en-US" sz="1200" dirty="0" smtClean="0"/>
-              <a:t>组件格式只要你会 </a:t>
-            </a:r>
-            <a:r>
-              <a:rPr lang="en-US" altLang="zh-CN" sz="1200" dirty="0" smtClean="0"/>
-              <a:t>HTML/CSS/JS </a:t>
-            </a:r>
-            <a:r>
-              <a:rPr lang="zh-CN" altLang="en-US" sz="1200" dirty="0" smtClean="0"/>
-              <a:t>就能写，你要用 </a:t>
-            </a:r>
-            <a:r>
-              <a:rPr lang="en-US" altLang="zh-CN" sz="1200" dirty="0" err="1" smtClean="0"/>
-              <a:t>coffeescript</a:t>
-            </a:r>
-            <a:r>
-              <a:rPr lang="en-US" altLang="zh-CN" sz="1200" dirty="0" smtClean="0"/>
-              <a:t> </a:t>
-            </a:r>
-            <a:r>
-              <a:rPr lang="zh-CN" altLang="en-US" sz="1200" dirty="0" smtClean="0"/>
-              <a:t>或者 </a:t>
-            </a:r>
-            <a:r>
-              <a:rPr lang="en-US" altLang="zh-CN" sz="1200" dirty="0" smtClean="0"/>
-              <a:t>less/sass </a:t>
-            </a:r>
-            <a:r>
-              <a:rPr lang="zh-CN" altLang="en-US" sz="1200" dirty="0" smtClean="0"/>
-              <a:t>也没问题。</a:t>
-            </a:r>
-            <a:r>
-              <a:rPr lang="en-US" altLang="zh-CN" sz="1200" dirty="0" smtClean="0"/>
-              <a:t>React </a:t>
-            </a:r>
-            <a:r>
-              <a:rPr lang="zh-CN" altLang="en-US" sz="1200" dirty="0" smtClean="0"/>
-              <a:t>的 </a:t>
-            </a:r>
-            <a:r>
-              <a:rPr lang="en-US" altLang="zh-CN" sz="1200" dirty="0" smtClean="0"/>
-              <a:t>JSX </a:t>
-            </a:r>
-            <a:r>
-              <a:rPr lang="zh-CN" altLang="en-US" sz="1200" dirty="0" smtClean="0"/>
-              <a:t>是道坎，但跨过去之后会有一定的生产力提升。社区工具丰富，但实在太多，配置工具麻烦。</a:t>
-            </a:r>
-            <a:r>
-              <a:rPr lang="en-US" altLang="zh-CN" sz="1200" dirty="0" smtClean="0"/>
-              <a:t>CSS in JS </a:t>
-            </a:r>
-            <a:r>
-              <a:rPr lang="zh-CN" altLang="en-US" sz="1200" dirty="0" smtClean="0"/>
-              <a:t>也不是每个人的菜。</a:t>
+              <a:t>等方面。顺道说一句，</a:t>
             </a:r>
             <a:r>
               <a:rPr lang="en-US" altLang="zh-CN" sz="1200" dirty="0" smtClean="0"/>
@@ -7720,49 +7537,21 @@
             </a:r>
             <a:r>
               <a:rPr lang="zh-CN" altLang="en-US" sz="1200" dirty="0" smtClean="0"/>
-              <a:t>目前上手配置也非常麻烦，官方正在写一个 </a:t>
+              <a:t>压缩后的大小是 </a:t>
             </a:r>
             <a:r>
               <a:rPr lang="en-US" altLang="zh-CN" sz="1200" dirty="0" smtClean="0"/>
-              <a:t>cli</a:t>
+              <a:t>500 </a:t>
             </a:r>
             <a:r>
               <a:rPr lang="zh-CN" altLang="en-US" sz="1200" dirty="0" smtClean="0"/>
-              <a:t>，但体验如何要出来了才知道。它推荐的默认语言是 </a:t>
-            </a:r>
-            <a:r>
-              <a:rPr lang="en-US" altLang="zh-CN" sz="1200" dirty="0" err="1" smtClean="0"/>
-              <a:t>TypeScript</a:t>
-            </a:r>
-            <a:r>
-              <a:rPr lang="zh-CN" altLang="en-US" sz="1200" dirty="0" smtClean="0"/>
-              <a:t>，这个对于静态类型爱好者来说是个大优点，配合 </a:t>
-            </a:r>
-            <a:r>
-              <a:rPr lang="en-US" altLang="zh-CN" sz="1200" dirty="0" err="1" smtClean="0"/>
-              <a:t>WebStorm</a:t>
+              <a:t>多 </a:t>
             </a:r>
             <a:r>
               <a:rPr lang="en-US" altLang="zh-CN" sz="1200" dirty="0" smtClean="0"/>
-              <a:t>/</a:t>
-            </a:r>
-            <a:r>
-              <a:rPr lang="en-US" altLang="zh-CN" sz="1200" dirty="0" err="1" smtClean="0"/>
-              <a:t>VSCode</a:t>
-            </a:r>
-            <a:r>
-              <a:rPr lang="en-US" altLang="zh-CN" sz="1200" dirty="0" smtClean="0"/>
-              <a:t> </a:t>
-            </a:r>
-            <a:r>
-              <a:rPr lang="zh-CN" altLang="en-US" sz="1200" dirty="0" smtClean="0"/>
-              <a:t>体验会很不错，但也要因人而异吧</a:t>
-            </a:r>
-            <a:r>
-              <a:rPr lang="en-US" altLang="zh-CN" sz="1200" dirty="0" smtClean="0"/>
-              <a:t>.</a:t>
-            </a:r>
-            <a:endParaRPr lang="zh-CN" altLang="en-US" sz="1200" dirty="0" smtClean="0"/>
+              <a:t>kb.</a:t>
+            </a:r>
+            <a:endParaRPr lang="zh-CN" altLang="en-US" dirty="0" smtClean="0"/>
           </a:p>
           <a:p>
             <a:endParaRPr lang="zh-CN" altLang="en-US" dirty="0"/>
@@ -7787,7 +7576,7 @@
             <a:fld id="{624A9BF4-B422-4A26-A5B5-57536F7ECFCE}" type="slidenum">
               <a:rPr lang="zh-CN" altLang="en-US" smtClean="0"/>
               <a:pPr/>
-              <a:t>25</a:t>
+              <a:t>24</a:t>
             </a:fld>
             <a:endParaRPr lang="zh-CN" altLang="en-US" dirty="0"/>
           </a:p>
@@ -7796,7 +7585,7 @@
     </p:spTree>
     <p:extLst>
       <p:ext uri="{BB962C8B-B14F-4D97-AF65-F5344CB8AC3E}">
-        <p14:creationId xmlns:p14="http://schemas.microsoft.com/office/powerpoint/2010/main" val="2297186139"/>
+        <p14:creationId xmlns:p14="http://schemas.microsoft.com/office/powerpoint/2010/main" val="4065817718"/>
       </p:ext>
     </p:extLst>
   </p:cSld>
@@ -7955,19 +7744,7 @@
                 <a:ea typeface="微软雅黑" panose="020B0503020204020204" pitchFamily="34" charset="-122"/>
                 <a:cs typeface="+mn-cs"/>
               </a:rPr>
-              <a:t>的解耦，把复杂的耦合关系由经常变化的业务代码转移到不经常变化的框架内部消化。是面向一个领域来提供一套解决方案，提高开发效率，如果我们选择了使用某框架，就应该遵循该框架所规定的规则。模式还有</a:t>
-            </a:r>
-            <a:r>
-              <a:rPr lang="en-US" altLang="zh-CN" sz="1200" b="0" i="0" kern="1200" dirty="0" smtClean="0">
-                <a:solidFill>
-                  <a:schemeClr val="tx1"/>
-                </a:solidFill>
-                <a:effectLst/>
-                <a:latin typeface="+mn-lt"/>
-                <a:ea typeface="微软雅黑" panose="020B0503020204020204" pitchFamily="34" charset="-122"/>
-                <a:cs typeface="+mn-cs"/>
-              </a:rPr>
-              <a:t>MVVM,MVP</a:t>
+              <a:t>的解耦，把复杂的耦合关系由经常变化的业务代码转移到不经常变化的框架内部消化。是面向一个领域来提供一套解决方案，提高开发效率，如果我们选择了使用某框架，就应该遵循该框架所规定的</a:t>
             </a:r>
             <a:r>
               <a:rPr lang="zh-CN" altLang="en-US" sz="1200" b="0" i="0" kern="1200" dirty="0" smtClean="0">
@@ -7979,7 +7756,7 @@
                 <a:ea typeface="微软雅黑" panose="020B0503020204020204" pitchFamily="34" charset="-122"/>
                 <a:cs typeface="+mn-cs"/>
               </a:rPr>
-              <a:t>等等</a:t>
+              <a:t>规则。</a:t>
             </a:r>
             <a:endParaRPr lang="en-US" altLang="zh-CN" sz="1200" b="0" i="0" kern="1200" dirty="0" smtClean="0">
               <a:solidFill>
@@ -8122,7 +7899,19 @@
                 <a:ea typeface="微软雅黑" panose="020B0503020204020204" pitchFamily="34" charset="-122"/>
                 <a:cs typeface="+mn-cs"/>
               </a:rPr>
-              <a:t>操作是附加的。所以，以模型为中心最终达到的目的是带来一整套工作流程的变更，使得后台工程师可以编写前端的模型代码，把后台与前端打通，交互设计师处理</a:t>
+              <a:t>操作是附加的。所以，以模型为中心最终达到的目的是带来一整套工作流程的变更</a:t>
+            </a:r>
+            <a:r>
+              <a:rPr lang="zh-CN" altLang="en-US" sz="1200" b="0" i="0" kern="1200" dirty="0" smtClean="0">
+                <a:solidFill>
+                  <a:schemeClr val="tx1"/>
+                </a:solidFill>
+                <a:effectLst/>
+                <a:latin typeface="+mn-lt"/>
+                <a:ea typeface="微软雅黑" panose="020B0503020204020204" pitchFamily="34" charset="-122"/>
+                <a:cs typeface="+mn-cs"/>
+              </a:rPr>
+              <a:t>，</a:t>
             </a:r>
             <a:r>
               <a:rPr lang="en-US" altLang="zh-CN" sz="1200" b="0" i="0" kern="1200" dirty="0" smtClean="0">
@@ -8146,7 +7935,19 @@
                 <a:ea typeface="微软雅黑" panose="020B0503020204020204" pitchFamily="34" charset="-122"/>
                 <a:cs typeface="+mn-cs"/>
               </a:rPr>
-              <a:t>跟模型的互动关系，</a:t>
+              <a:t>设计师</a:t>
+            </a:r>
+            <a:r>
+              <a:rPr lang="zh-CN" altLang="en-US" sz="1200" b="0" i="0" kern="1200" dirty="0" smtClean="0">
+                <a:solidFill>
+                  <a:schemeClr val="tx1"/>
+                </a:solidFill>
+                <a:effectLst/>
+                <a:latin typeface="+mn-lt"/>
+                <a:ea typeface="微软雅黑" panose="020B0503020204020204" pitchFamily="34" charset="-122"/>
+                <a:cs typeface="+mn-cs"/>
+              </a:rPr>
+              <a:t>可以专注、无障碍的处理</a:t>
             </a:r>
             <a:r>
               <a:rPr lang="en-US" altLang="zh-CN" sz="1200" b="0" i="0" kern="1200" dirty="0" smtClean="0">
@@ -8158,7 +7959,7 @@
                 <a:ea typeface="微软雅黑" panose="020B0503020204020204" pitchFamily="34" charset="-122"/>
                 <a:cs typeface="+mn-cs"/>
               </a:rPr>
-              <a:t>UI</a:t>
+              <a:t>HTML</a:t>
             </a:r>
             <a:r>
               <a:rPr lang="zh-CN" altLang="en-US" sz="1200" b="0" i="0" kern="1200" dirty="0" smtClean="0">
@@ -8170,19 +7971,7 @@
                 <a:ea typeface="微软雅黑" panose="020B0503020204020204" pitchFamily="34" charset="-122"/>
                 <a:cs typeface="+mn-cs"/>
               </a:rPr>
-              <a:t>设计师可以专注、无障碍的处理</a:t>
-            </a:r>
-            <a:r>
-              <a:rPr lang="en-US" altLang="zh-CN" sz="1200" b="0" i="0" kern="1200" dirty="0" smtClean="0">
-                <a:solidFill>
-                  <a:schemeClr val="tx1"/>
-                </a:solidFill>
-                <a:effectLst/>
-                <a:latin typeface="+mn-lt"/>
-                <a:ea typeface="微软雅黑" panose="020B0503020204020204" pitchFamily="34" charset="-122"/>
-                <a:cs typeface="+mn-cs"/>
-              </a:rPr>
-              <a:t>HTML</a:t>
+              <a:t>源码。</a:t>
             </a:r>
             <a:r>
               <a:rPr lang="zh-CN" altLang="en-US" sz="1200" b="0" i="0" kern="1200" dirty="0" smtClean="0">
@@ -8194,7 +7983,7 @@
                 <a:ea typeface="微软雅黑" panose="020B0503020204020204" pitchFamily="34" charset="-122"/>
                 <a:cs typeface="+mn-cs"/>
               </a:rPr>
-              <a:t>源码，把它们以界面模板的形式提交给交互工程师。这一整套协作机制能大大提高开发效率。使用</a:t>
+              <a:t>这一整套协作机制能大大提高开发效率。使用</a:t>
             </a:r>
             <a:r>
               <a:rPr lang="en-US" altLang="zh-CN" sz="1200" b="0" i="0" kern="1200" dirty="0" smtClean="0">
@@ -8305,48 +8094,170 @@
           <a:bodyPr/>
           <a:lstStyle/>
           <a:p>
-            <a:pPr>
+            <a:pPr marL="0" marR="0" indent="0" algn="l" defTabSz="914400" rtl="0" eaLnBrk="1" fontAlgn="auto" latinLnBrk="0" hangingPunct="1">
               <a:lnSpc>
-                <a:spcPct val="160000"/>
+                <a:spcPct val="100000"/>
               </a:lnSpc>
+              <a:spcBef>
+                <a:spcPts val="0"/>
+              </a:spcBef>
+              <a:spcAft>
+                <a:spcPts val="0"/>
+              </a:spcAft>
+              <a:buClrTx/>
+              <a:buSzTx/>
+              <a:buFontTx/>
+              <a:buNone/>
+              <a:tabLst/>
+              <a:defRPr/>
             </a:pPr>
+            <a:r>
+              <a:rPr lang="zh-CN" altLang="en-US" sz="1200" dirty="0" smtClean="0"/>
+              <a:t>这方面，</a:t>
+            </a:r>
+            <a:r>
+              <a:rPr lang="en-US" altLang="zh-CN" sz="1200" dirty="0" err="1" smtClean="0"/>
+              <a:t>Vue</a:t>
+            </a:r>
+            <a:r>
+              <a:rPr lang="en-US" altLang="zh-CN" sz="1200" dirty="0" smtClean="0"/>
+              <a:t> </a:t>
+            </a:r>
+            <a:r>
+              <a:rPr lang="zh-CN" altLang="en-US" sz="1200" dirty="0" smtClean="0"/>
+              <a:t>是最容易上手，最具亲和度的。工具链方面最近刚发布了 </a:t>
+            </a:r>
+            <a:r>
+              <a:rPr lang="en-US" altLang="zh-CN" sz="1200" dirty="0" err="1" smtClean="0"/>
+              <a:t>vue</a:t>
+            </a:r>
+            <a:r>
+              <a:rPr lang="en-US" altLang="zh-CN" sz="1200" dirty="0" smtClean="0"/>
+              <a:t>-cli</a:t>
+            </a:r>
+            <a:r>
+              <a:rPr lang="zh-CN" altLang="en-US" sz="1200" dirty="0" smtClean="0"/>
+              <a:t>，</a:t>
+            </a:r>
+            <a:r>
+              <a:rPr lang="en-US" altLang="zh-CN" sz="1200" dirty="0" smtClean="0"/>
+              <a:t>1 </a:t>
+            </a:r>
+            <a:r>
+              <a:rPr lang="zh-CN" altLang="en-US" sz="1200" dirty="0" smtClean="0"/>
+              <a:t>分钟搞定 </a:t>
+            </a:r>
+            <a:r>
+              <a:rPr lang="en-US" altLang="zh-CN" sz="1200" dirty="0" err="1" smtClean="0"/>
+              <a:t>webpack</a:t>
+            </a:r>
+            <a:r>
+              <a:rPr lang="en-US" altLang="zh-CN" sz="1200" dirty="0" smtClean="0"/>
+              <a:t> </a:t>
+            </a:r>
+            <a:r>
+              <a:rPr lang="zh-CN" altLang="en-US" sz="1200" dirty="0" smtClean="0"/>
+              <a:t>配置。</a:t>
+            </a:r>
+            <a:r>
+              <a:rPr lang="en-US" altLang="zh-CN" sz="1200" dirty="0" err="1" smtClean="0"/>
+              <a:t>Vue</a:t>
+            </a:r>
+            <a:r>
+              <a:rPr lang="en-US" altLang="zh-CN" sz="1200" dirty="0" smtClean="0"/>
+              <a:t> </a:t>
+            </a:r>
+            <a:r>
+              <a:rPr lang="zh-CN" altLang="en-US" sz="1200" dirty="0" smtClean="0"/>
+              <a:t>组件格式只要你会 </a:t>
+            </a:r>
+            <a:r>
+              <a:rPr lang="en-US" altLang="zh-CN" sz="1200" dirty="0" smtClean="0"/>
+              <a:t>HTML/CSS/JS </a:t>
+            </a:r>
+            <a:r>
+              <a:rPr lang="zh-CN" altLang="en-US" sz="1200" dirty="0" smtClean="0"/>
+              <a:t>就能写，你要用 </a:t>
+            </a:r>
+            <a:r>
+              <a:rPr lang="en-US" altLang="zh-CN" sz="1200" dirty="0" err="1" smtClean="0"/>
+              <a:t>coffeescript</a:t>
+            </a:r>
+            <a:r>
+              <a:rPr lang="en-US" altLang="zh-CN" sz="1200" dirty="0" smtClean="0"/>
+              <a:t> </a:t>
+            </a:r>
+            <a:r>
+              <a:rPr lang="zh-CN" altLang="en-US" sz="1200" dirty="0" smtClean="0"/>
+              <a:t>或者 </a:t>
+            </a:r>
+            <a:r>
+              <a:rPr lang="en-US" altLang="zh-CN" sz="1200" dirty="0" smtClean="0"/>
+              <a:t>less/sass </a:t>
+            </a:r>
+            <a:r>
+              <a:rPr lang="zh-CN" altLang="en-US" sz="1200" dirty="0" smtClean="0"/>
+              <a:t>也没问题。</a:t>
+            </a:r>
             <a:r>
               <a:rPr lang="en-US" altLang="zh-CN" sz="1200" dirty="0" smtClean="0"/>
               <a:t>React </a:t>
             </a:r>
             <a:r>
               <a:rPr lang="zh-CN" altLang="en-US" sz="1200" dirty="0" smtClean="0"/>
-              <a:t>是目前最成熟也最活跃的，但有一个问题就是过于频繁的方案迭代，直到去年下半年才</a:t>
-            </a:r>
-          </a:p>
-          <a:p>
-            <a:pPr>
-              <a:lnSpc>
-                <a:spcPct val="160000"/>
-              </a:lnSpc>
-            </a:pPr>
+              <a:t>的 </a:t>
+            </a:r>
+            <a:r>
+              <a:rPr lang="en-US" altLang="zh-CN" sz="1200" dirty="0" smtClean="0"/>
+              <a:t>JSX </a:t>
+            </a:r>
             <a:r>
               <a:rPr lang="zh-CN" altLang="en-US" sz="1200" dirty="0" smtClean="0"/>
-              <a:t>慢慢地开始合流到了 </a:t>
+              <a:t>是道坎，但跨过去之后会有一定的生产力提升。社区工具丰富，但实在太多，配置工具麻烦。</a:t>
             </a:r>
             <a:r>
               <a:rPr lang="en-US" altLang="zh-CN" sz="1200" dirty="0" smtClean="0"/>
-              <a:t>React + react-router + redux </a:t>
+              <a:t>CSS in JS </a:t>
             </a:r>
             <a:r>
               <a:rPr lang="zh-CN" altLang="en-US" sz="1200" dirty="0" smtClean="0"/>
-              <a:t>的主流方案。</a:t>
-            </a:r>
-          </a:p>
-          <a:p>
-            <a:pPr>
-              <a:lnSpc>
-                <a:spcPct val="160000"/>
-              </a:lnSpc>
-            </a:pPr>
+              <a:t>也不是每个人的菜。</a:t>
+            </a:r>
+            <a:r>
+              <a:rPr lang="en-US" altLang="zh-CN" sz="1200" dirty="0" smtClean="0"/>
+              <a:t>Angular 2 </a:t>
+            </a:r>
+            <a:r>
+              <a:rPr lang="zh-CN" altLang="en-US" sz="1200" dirty="0" smtClean="0"/>
+              <a:t>目前上手配置也非常麻烦，官方正在写一个 </a:t>
+            </a:r>
+            <a:r>
+              <a:rPr lang="en-US" altLang="zh-CN" sz="1200" dirty="0" smtClean="0"/>
+              <a:t>cli</a:t>
+            </a:r>
+            <a:r>
+              <a:rPr lang="zh-CN" altLang="en-US" sz="1200" dirty="0" smtClean="0"/>
+              <a:t>，但体验如何要出来了才知道。它推荐的默认语言是 </a:t>
+            </a:r>
             <a:r>
               <a:rPr lang="en-US" altLang="zh-CN" sz="1200" dirty="0" err="1" smtClean="0"/>
-              <a:t>Vue</a:t>
+              <a:t>TypeScript</a:t>
+            </a:r>
+            <a:r>
+              <a:rPr lang="zh-CN" altLang="en-US" sz="1200" dirty="0" smtClean="0"/>
+              <a:t>，这个对于静态类型爱好者来说是个大优点，配合 </a:t>
+            </a:r>
+            <a:r>
+              <a:rPr lang="en-US" altLang="zh-CN" sz="1200" dirty="0" err="1" smtClean="0"/>
+              <a:t>WebStorm</a:t>
+            </a:r>
+            <a:r>
+              <a:rPr lang="en-US" altLang="zh-CN" sz="1200" dirty="0" smtClean="0"/>
+              <a:t>/</a:t>
+            </a:r>
+            <a:r>
+              <a:rPr lang="en-US" altLang="zh-CN" sz="1200" dirty="0" err="1" smtClean="0"/>
+              <a:t>VSCode</a:t>
             </a:r>
             <a:r>
               <a:rPr lang="en-US" altLang="zh-CN" sz="1200" dirty="0" smtClean="0"/>
@@ -8354,238 +8265,11 @@
             </a:r>
             <a:r>
               <a:rPr lang="zh-CN" altLang="en-US" sz="1200" dirty="0" smtClean="0"/>
-              <a:t>的社区固然比不上 </a:t>
+              <a:t>体验会很不错，但也要因人而异吧</a:t>
             </a:r>
             <a:r>
               <a:rPr lang="en-US" altLang="zh-CN" sz="1200" dirty="0" smtClean="0"/>
-              <a:t>React</a:t>
-            </a:r>
-            <a:r>
-              <a:rPr lang="zh-CN" altLang="en-US" sz="1200" dirty="0" smtClean="0"/>
-              <a:t>，但也不算太小。</a:t>
-            </a:r>
-            <a:r>
-              <a:rPr lang="en-US" altLang="zh-CN" sz="1200" dirty="0" err="1" smtClean="0"/>
-              <a:t>Gitter</a:t>
-            </a:r>
-            <a:r>
-              <a:rPr lang="en-US" altLang="zh-CN" sz="1200" dirty="0" smtClean="0"/>
-              <a:t> </a:t>
-            </a:r>
-            <a:r>
-              <a:rPr lang="zh-CN" altLang="en-US" sz="1200" dirty="0" smtClean="0"/>
-              <a:t>聊天室里有 </a:t>
-            </a:r>
-            <a:r>
-              <a:rPr lang="en-US" altLang="zh-CN" sz="1200" dirty="0" smtClean="0"/>
-              <a:t>1300 </a:t>
-            </a:r>
-            <a:r>
-              <a:rPr lang="zh-CN" altLang="en-US" sz="1200" dirty="0" smtClean="0"/>
-              <a:t>来号人，国内听说也有几百人的 </a:t>
-            </a:r>
-            <a:r>
-              <a:rPr lang="en-US" altLang="zh-CN" sz="1200" dirty="0" smtClean="0"/>
-              <a:t>QQ </a:t>
-            </a:r>
-            <a:r>
-              <a:rPr lang="zh-CN" altLang="en-US" sz="1200" dirty="0" smtClean="0"/>
-              <a:t>群，论坛上也还算有些活跃度。社区组件也在稳步发展：</a:t>
-            </a:r>
-          </a:p>
-          <a:p>
-            <a:pPr>
-              <a:lnSpc>
-                <a:spcPct val="160000"/>
-              </a:lnSpc>
-            </a:pPr>
-            <a:r>
-              <a:rPr lang="en-US" altLang="zh-CN" sz="1200" dirty="0" err="1" smtClean="0"/>
-              <a:t>vuejs</a:t>
-            </a:r>
-            <a:r>
-              <a:rPr lang="en-US" altLang="zh-CN" sz="1200" dirty="0" smtClean="0"/>
-              <a:t>/awesome-</a:t>
-            </a:r>
-            <a:r>
-              <a:rPr lang="en-US" altLang="zh-CN" sz="1200" dirty="0" err="1" smtClean="0"/>
-              <a:t>vue</a:t>
-            </a:r>
-            <a:r>
-              <a:rPr lang="en-US" altLang="zh-CN" sz="1200" dirty="0" smtClean="0"/>
-              <a:t> · GitHub </a:t>
-            </a:r>
-            <a:r>
-              <a:rPr lang="zh-CN" altLang="en-US" sz="1200" dirty="0" smtClean="0"/>
-              <a:t>当然比起 </a:t>
-            </a:r>
-            <a:r>
-              <a:rPr lang="en-US" altLang="zh-CN" sz="1200" dirty="0" smtClean="0"/>
-              <a:t>React </a:t>
-            </a:r>
-            <a:r>
-              <a:rPr lang="zh-CN" altLang="en-US" sz="1200" dirty="0" smtClean="0"/>
-              <a:t>来说还是小巫见大巫，希望 </a:t>
-            </a:r>
-            <a:r>
-              <a:rPr lang="en-US" altLang="zh-CN" sz="1200" dirty="0" smtClean="0"/>
-              <a:t>2016 </a:t>
-            </a:r>
-            <a:r>
-              <a:rPr lang="zh-CN" altLang="en-US" sz="1200" dirty="0" smtClean="0"/>
-              <a:t>能更进一步。比起 </a:t>
-            </a:r>
-            <a:r>
-              <a:rPr lang="en-US" altLang="zh-CN" sz="1200" dirty="0" smtClean="0"/>
-              <a:t>React </a:t>
-            </a:r>
-            <a:r>
-              <a:rPr lang="zh-CN" altLang="en-US" sz="1200" dirty="0" smtClean="0"/>
-              <a:t>来说，</a:t>
-            </a:r>
-          </a:p>
-          <a:p>
-            <a:pPr>
-              <a:lnSpc>
-                <a:spcPct val="160000"/>
-              </a:lnSpc>
-            </a:pPr>
-            <a:r>
-              <a:rPr lang="en-US" altLang="zh-CN" sz="1200" dirty="0" err="1" smtClean="0"/>
-              <a:t>Vue</a:t>
-            </a:r>
-            <a:r>
-              <a:rPr lang="en-US" altLang="zh-CN" sz="1200" dirty="0" smtClean="0"/>
-              <a:t> </a:t>
-            </a:r>
-            <a:r>
-              <a:rPr lang="zh-CN" altLang="en-US" sz="1200" dirty="0" smtClean="0"/>
-              <a:t>的一个好处就是提供了官方推荐的 </a:t>
-            </a:r>
-            <a:r>
-              <a:rPr lang="en-US" altLang="zh-CN" sz="1200" dirty="0" err="1" smtClean="0"/>
-              <a:t>Vue</a:t>
-            </a:r>
-            <a:r>
-              <a:rPr lang="en-US" altLang="zh-CN" sz="1200" dirty="0" smtClean="0"/>
-              <a:t> + </a:t>
-            </a:r>
-            <a:r>
-              <a:rPr lang="en-US" altLang="zh-CN" sz="1200" dirty="0" err="1" smtClean="0"/>
-              <a:t>vue</a:t>
-            </a:r>
-            <a:r>
-              <a:rPr lang="en-US" altLang="zh-CN" sz="1200" dirty="0" smtClean="0"/>
-              <a:t>-router + </a:t>
-            </a:r>
-            <a:r>
-              <a:rPr lang="en-US" altLang="zh-CN" sz="1200" dirty="0" err="1" smtClean="0"/>
-              <a:t>vuex</a:t>
-            </a:r>
-            <a:r>
-              <a:rPr lang="en-US" altLang="zh-CN" sz="1200" dirty="0" smtClean="0"/>
-              <a:t> + </a:t>
-            </a:r>
-            <a:r>
-              <a:rPr lang="en-US" altLang="zh-CN" sz="1200" dirty="0" err="1" smtClean="0"/>
-              <a:t>webpack</a:t>
-            </a:r>
-            <a:r>
-              <a:rPr lang="en-US" altLang="zh-CN" sz="1200" dirty="0" smtClean="0"/>
-              <a:t> + </a:t>
-            </a:r>
-            <a:r>
-              <a:rPr lang="en-US" altLang="zh-CN" sz="1200" dirty="0" err="1" smtClean="0"/>
-              <a:t>vue</a:t>
-            </a:r>
-            <a:r>
-              <a:rPr lang="en-US" altLang="zh-CN" sz="1200" dirty="0" smtClean="0"/>
-              <a:t>-loader </a:t>
-            </a:r>
-            <a:r>
-              <a:rPr lang="zh-CN" altLang="en-US" sz="1200" dirty="0" smtClean="0"/>
-              <a:t>的全套方案，</a:t>
-            </a:r>
-          </a:p>
-          <a:p>
-            <a:pPr>
-              <a:lnSpc>
-                <a:spcPct val="160000"/>
-              </a:lnSpc>
-            </a:pPr>
-            <a:r>
-              <a:rPr lang="zh-CN" altLang="en-US" sz="1200" dirty="0" smtClean="0"/>
-              <a:t>如果你不想三个月换一套，就跟着官方推荐走；如果自己有想法，那就自己整也没问题。</a:t>
-            </a:r>
-            <a:r>
-              <a:rPr lang="en-US" altLang="zh-CN" sz="1200" dirty="0" smtClean="0"/>
-              <a:t>Angular 2 </a:t>
-            </a:r>
-            <a:r>
-              <a:rPr lang="zh-CN" altLang="en-US" sz="1200" dirty="0" smtClean="0"/>
-              <a:t>的社区，</a:t>
-            </a:r>
-          </a:p>
-          <a:p>
-            <a:pPr>
-              <a:lnSpc>
-                <a:spcPct val="160000"/>
-              </a:lnSpc>
-            </a:pPr>
-            <a:r>
-              <a:rPr lang="zh-CN" altLang="en-US" sz="1200" dirty="0" smtClean="0"/>
-              <a:t>目前来说基本没有，到现在连文档都没写完呢，也没法有什么生态。更伤的是 </a:t>
-            </a:r>
-            <a:r>
-              <a:rPr lang="en-US" altLang="zh-CN" sz="1200" dirty="0" smtClean="0"/>
-              <a:t>ng2 </a:t>
-            </a:r>
-            <a:r>
-              <a:rPr lang="zh-CN" altLang="en-US" sz="1200" dirty="0" smtClean="0"/>
-              <a:t>和 </a:t>
-            </a:r>
-            <a:r>
-              <a:rPr lang="en-US" altLang="zh-CN" sz="1200" dirty="0" smtClean="0"/>
-              <a:t>ng1 </a:t>
-            </a:r>
-            <a:r>
-              <a:rPr lang="zh-CN" altLang="en-US" sz="1200" dirty="0" smtClean="0"/>
-              <a:t>的生态是完全割裂的。</a:t>
-            </a:r>
-          </a:p>
-          <a:p>
-            <a:pPr>
-              <a:lnSpc>
-                <a:spcPct val="160000"/>
-              </a:lnSpc>
-            </a:pPr>
-            <a:r>
-              <a:rPr lang="en-US" altLang="zh-CN" sz="1200" dirty="0" smtClean="0"/>
-              <a:t>2016 </a:t>
-            </a:r>
-            <a:r>
-              <a:rPr lang="zh-CN" altLang="en-US" sz="1200" dirty="0" smtClean="0"/>
-              <a:t>年能怎么发展，要看 </a:t>
-            </a:r>
-            <a:r>
-              <a:rPr lang="en-US" altLang="zh-CN" sz="1200" dirty="0" smtClean="0"/>
-              <a:t>Google </a:t>
-            </a:r>
-            <a:r>
-              <a:rPr lang="zh-CN" altLang="en-US" sz="1200" dirty="0" smtClean="0"/>
-              <a:t>的社区运营做得如何，但不管怎么说 </a:t>
-            </a:r>
-            <a:r>
-              <a:rPr lang="en-US" altLang="zh-CN" sz="1200" dirty="0" smtClean="0"/>
-              <a:t>Google </a:t>
-            </a:r>
-            <a:r>
-              <a:rPr lang="zh-CN" altLang="en-US" sz="1200" dirty="0" smtClean="0"/>
-              <a:t>的影响力在那边，群众基数还是很大的</a:t>
-            </a:r>
-            <a:r>
-              <a:rPr lang="en-US" altLang="zh-CN" sz="1200" dirty="0" smtClean="0"/>
-              <a:t>...</a:t>
+              <a:t>.</a:t>
             </a:r>
             <a:endParaRPr lang="zh-CN" altLang="en-US" sz="1200" dirty="0" smtClean="0"/>
           </a:p>
@@ -8612,7 +8296,7 @@
             <a:fld id="{624A9BF4-B422-4A26-A5B5-57536F7ECFCE}" type="slidenum">
               <a:rPr lang="zh-CN" altLang="en-US" smtClean="0"/>
               <a:pPr/>
-              <a:t>26</a:t>
+              <a:t>25</a:t>
             </a:fld>
             <a:endParaRPr lang="zh-CN" altLang="en-US" dirty="0"/>
           </a:p>
@@ -8621,7 +8305,7 @@
     </p:spTree>
     <p:extLst>
       <p:ext uri="{BB962C8B-B14F-4D97-AF65-F5344CB8AC3E}">
-        <p14:creationId xmlns:p14="http://schemas.microsoft.com/office/powerpoint/2010/main" val="3178158009"/>
+        <p14:creationId xmlns:p14="http://schemas.microsoft.com/office/powerpoint/2010/main" val="2297186139"/>
       </p:ext>
     </p:extLst>
   </p:cSld>
@@ -8675,201 +8359,289 @@
           <a:bodyPr/>
           <a:lstStyle/>
           <a:p>
-            <a:r>
-              <a:rPr lang="en-US" altLang="zh-CN" dirty="0" err="1" smtClean="0"/>
+            <a:pPr>
+              <a:lnSpc>
+                <a:spcPct val="160000"/>
+              </a:lnSpc>
+            </a:pPr>
+            <a:r>
+              <a:rPr lang="en-US" altLang="zh-CN" sz="1200" dirty="0" smtClean="0"/>
+              <a:t>React </a:t>
+            </a:r>
+            <a:r>
+              <a:rPr lang="zh-CN" altLang="en-US" sz="1200" dirty="0" smtClean="0"/>
+              <a:t>是目前最成熟也最活跃的，但有一个问题就是过于频繁的方案迭代，直到去年下半年才</a:t>
+            </a:r>
+          </a:p>
+          <a:p>
+            <a:pPr>
+              <a:lnSpc>
+                <a:spcPct val="160000"/>
+              </a:lnSpc>
+            </a:pPr>
+            <a:r>
+              <a:rPr lang="zh-CN" altLang="en-US" sz="1200" dirty="0" smtClean="0"/>
+              <a:t>慢慢地开始合流到了 </a:t>
+            </a:r>
+            <a:r>
+              <a:rPr lang="en-US" altLang="zh-CN" sz="1200" dirty="0" smtClean="0"/>
+              <a:t>React + react-router + redux </a:t>
+            </a:r>
+            <a:r>
+              <a:rPr lang="zh-CN" altLang="en-US" sz="1200" dirty="0" smtClean="0"/>
+              <a:t>的主流方案。</a:t>
+            </a:r>
+          </a:p>
+          <a:p>
+            <a:pPr>
+              <a:lnSpc>
+                <a:spcPct val="160000"/>
+              </a:lnSpc>
+            </a:pPr>
+            <a:r>
+              <a:rPr lang="en-US" altLang="zh-CN" sz="1200" dirty="0" err="1" smtClean="0"/>
               <a:t>Vue</a:t>
             </a:r>
             <a:r>
-              <a:rPr lang="en-US" altLang="zh-CN" dirty="0" smtClean="0"/>
+              <a:rPr lang="en-US" altLang="zh-CN" sz="1200" dirty="0" smtClean="0"/>
               <a:t> </a:t>
             </a:r>
             <a:r>
-              <a:rPr lang="zh-CN" altLang="en-US" dirty="0" smtClean="0"/>
-              <a:t>是第一个，也可能依然是唯一一个提供支持混合预处理器的、作为 </a:t>
-            </a:r>
-            <a:r>
-              <a:rPr lang="en-US" altLang="zh-CN" dirty="0" smtClean="0"/>
-              <a:t>ES </a:t>
-            </a:r>
-            <a:r>
-              <a:rPr lang="zh-CN" altLang="en-US" dirty="0" smtClean="0"/>
-              <a:t>模块编译的单文件组件的框架。</a:t>
-            </a:r>
-            <a:endParaRPr lang="en-US" altLang="zh-CN" dirty="0" smtClean="0"/>
-          </a:p>
-          <a:p>
-            <a:r>
-              <a:rPr lang="en-US" altLang="zh-CN" dirty="0" err="1" smtClean="0"/>
+              <a:rPr lang="zh-CN" altLang="en-US" sz="1200" dirty="0" smtClean="0"/>
+              <a:t>的社区固然比不上 </a:t>
+            </a:r>
+            <a:r>
+              <a:rPr lang="en-US" altLang="zh-CN" sz="1200" dirty="0" smtClean="0"/>
+              <a:t>React</a:t>
+            </a:r>
+            <a:r>
+              <a:rPr lang="zh-CN" altLang="en-US" sz="1200" dirty="0" smtClean="0"/>
+              <a:t>，但也不算太小。</a:t>
+            </a:r>
+            <a:r>
+              <a:rPr lang="en-US" altLang="zh-CN" sz="1200" dirty="0" err="1" smtClean="0"/>
+              <a:t>Gitter</a:t>
+            </a:r>
+            <a:r>
+              <a:rPr lang="en-US" altLang="zh-CN" sz="1200" dirty="0" smtClean="0"/>
+              <a:t> </a:t>
+            </a:r>
+            <a:r>
+              <a:rPr lang="zh-CN" altLang="en-US" sz="1200" dirty="0" smtClean="0"/>
+              <a:t>聊天室里有 </a:t>
+            </a:r>
+            <a:r>
+              <a:rPr lang="en-US" altLang="zh-CN" sz="1200" dirty="0" smtClean="0"/>
+              <a:t>1300 </a:t>
+            </a:r>
+            <a:r>
+              <a:rPr lang="zh-CN" altLang="en-US" sz="1200" dirty="0" smtClean="0"/>
+              <a:t>来号人，国内听说也有几百人的 </a:t>
+            </a:r>
+            <a:r>
+              <a:rPr lang="en-US" altLang="zh-CN" sz="1200" dirty="0" smtClean="0"/>
+              <a:t>QQ </a:t>
+            </a:r>
+            <a:r>
+              <a:rPr lang="zh-CN" altLang="en-US" sz="1200" dirty="0" smtClean="0"/>
+              <a:t>群，论坛上也还算有些活跃度。社区组件也在稳步发展：</a:t>
+            </a:r>
+          </a:p>
+          <a:p>
+            <a:pPr>
+              <a:lnSpc>
+                <a:spcPct val="160000"/>
+              </a:lnSpc>
+            </a:pPr>
+            <a:r>
+              <a:rPr lang="en-US" altLang="zh-CN" sz="1200" dirty="0" err="1" smtClean="0"/>
+              <a:t>vuejs</a:t>
+            </a:r>
+            <a:r>
+              <a:rPr lang="en-US" altLang="zh-CN" sz="1200" dirty="0" smtClean="0"/>
+              <a:t>/awesome-</a:t>
+            </a:r>
+            <a:r>
+              <a:rPr lang="en-US" altLang="zh-CN" sz="1200" dirty="0" err="1" smtClean="0"/>
+              <a:t>vue</a:t>
+            </a:r>
+            <a:r>
+              <a:rPr lang="en-US" altLang="zh-CN" sz="1200" dirty="0" smtClean="0"/>
+              <a:t> · GitHub </a:t>
+            </a:r>
+            <a:r>
+              <a:rPr lang="zh-CN" altLang="en-US" sz="1200" dirty="0" smtClean="0"/>
+              <a:t>当然比起 </a:t>
+            </a:r>
+            <a:r>
+              <a:rPr lang="en-US" altLang="zh-CN" sz="1200" dirty="0" smtClean="0"/>
+              <a:t>React </a:t>
+            </a:r>
+            <a:r>
+              <a:rPr lang="zh-CN" altLang="en-US" sz="1200" dirty="0" smtClean="0"/>
+              <a:t>来说还是小巫见大巫，希望 </a:t>
+            </a:r>
+            <a:r>
+              <a:rPr lang="en-US" altLang="zh-CN" sz="1200" dirty="0" smtClean="0"/>
+              <a:t>2016 </a:t>
+            </a:r>
+            <a:r>
+              <a:rPr lang="zh-CN" altLang="en-US" sz="1200" dirty="0" smtClean="0"/>
+              <a:t>能更进一步。比起 </a:t>
+            </a:r>
+            <a:r>
+              <a:rPr lang="en-US" altLang="zh-CN" sz="1200" dirty="0" smtClean="0"/>
+              <a:t>React </a:t>
+            </a:r>
+            <a:r>
+              <a:rPr lang="zh-CN" altLang="en-US" sz="1200" dirty="0" smtClean="0"/>
+              <a:t>来说，</a:t>
+            </a:r>
+          </a:p>
+          <a:p>
+            <a:pPr>
+              <a:lnSpc>
+                <a:spcPct val="160000"/>
+              </a:lnSpc>
+            </a:pPr>
+            <a:r>
+              <a:rPr lang="en-US" altLang="zh-CN" sz="1200" dirty="0" err="1" smtClean="0"/>
               <a:t>Vue</a:t>
             </a:r>
             <a:r>
-              <a:rPr lang="en-US" altLang="zh-CN" dirty="0" smtClean="0"/>
+              <a:rPr lang="en-US" altLang="zh-CN" sz="1200" dirty="0" smtClean="0"/>
               <a:t> </a:t>
             </a:r>
             <a:r>
-              <a:rPr lang="zh-CN" altLang="en-US" dirty="0" smtClean="0"/>
-              <a:t>通过 </a:t>
-            </a:r>
-            <a:r>
-              <a:rPr lang="en-US" altLang="zh-CN" dirty="0" err="1" smtClean="0"/>
-              <a:t>Object.defineProperty</a:t>
-            </a:r>
-            <a:r>
-              <a:rPr lang="en-US" altLang="zh-CN" dirty="0" smtClean="0"/>
-              <a:t> </a:t>
-            </a:r>
-            <a:r>
-              <a:rPr lang="zh-CN" altLang="en-US" dirty="0" smtClean="0"/>
-              <a:t>改写实现的 </a:t>
-            </a:r>
-            <a:r>
-              <a:rPr lang="en-US" altLang="zh-CN" dirty="0" smtClean="0"/>
-              <a:t>POJO </a:t>
-            </a:r>
-            <a:r>
-              <a:rPr lang="zh-CN" altLang="en-US" dirty="0" smtClean="0"/>
-              <a:t>响应式机制，市面上类似的只有 </a:t>
-            </a:r>
-            <a:r>
-              <a:rPr lang="en-US" altLang="zh-CN" dirty="0" smtClean="0"/>
-              <a:t>Avalon.</a:t>
-            </a:r>
-          </a:p>
-          <a:p>
-            <a:r>
-              <a:rPr lang="en-US" altLang="zh-CN" dirty="0" smtClean="0"/>
-              <a:t>React </a:t>
-            </a:r>
-            <a:r>
-              <a:rPr lang="zh-CN" altLang="en-US" dirty="0" smtClean="0"/>
-              <a:t>社区很火的状态管理方案 </a:t>
-            </a:r>
-            <a:r>
-              <a:rPr lang="en-US" altLang="zh-CN" dirty="0" err="1" smtClean="0"/>
-              <a:t>Mobx</a:t>
-            </a:r>
-            <a:r>
-              <a:rPr lang="zh-CN" altLang="en-US" dirty="0" smtClean="0"/>
-              <a:t>，</a:t>
-            </a:r>
-            <a:endParaRPr lang="en-US" altLang="zh-CN" dirty="0" smtClean="0"/>
-          </a:p>
-          <a:p>
-            <a:r>
-              <a:rPr lang="zh-CN" altLang="en-US" dirty="0" smtClean="0"/>
-              <a:t>其响应式系统原理上跟 </a:t>
-            </a:r>
-            <a:r>
-              <a:rPr lang="en-US" altLang="zh-CN" dirty="0" err="1" smtClean="0"/>
+              <a:rPr lang="zh-CN" altLang="en-US" sz="1200" dirty="0" smtClean="0"/>
+              <a:t>的一个好处就是提供了官方推荐的 </a:t>
+            </a:r>
+            <a:r>
+              <a:rPr lang="en-US" altLang="zh-CN" sz="1200" dirty="0" err="1" smtClean="0"/>
               <a:t>Vue</a:t>
             </a:r>
             <a:r>
-              <a:rPr lang="en-US" altLang="zh-CN" dirty="0" smtClean="0"/>
-              <a:t> </a:t>
-            </a:r>
-            <a:r>
-              <a:rPr lang="zh-CN" altLang="en-US" dirty="0" smtClean="0"/>
-              <a:t>如出一辙。它的 </a:t>
-            </a:r>
-            <a:r>
-              <a:rPr lang="en-US" altLang="zh-CN" dirty="0" smtClean="0"/>
-              <a:t>README</a:t>
-            </a:r>
-            <a:r>
-              <a:rPr lang="zh-CN" altLang="en-US" dirty="0" smtClean="0"/>
-              <a:t>里面写了：</a:t>
-            </a:r>
-          </a:p>
-          <a:p>
-            <a:r>
-              <a:rPr lang="en-US" altLang="zh-CN" dirty="0" smtClean="0"/>
-              <a:t>It is inspired by MVVM frameworks like in </a:t>
-            </a:r>
-            <a:r>
-              <a:rPr lang="en-US" altLang="zh-CN" dirty="0" err="1" smtClean="0"/>
-              <a:t>MeteorJS</a:t>
-            </a:r>
-            <a:r>
-              <a:rPr lang="en-US" altLang="zh-CN" dirty="0" smtClean="0"/>
-              <a:t> tracker, knockout and </a:t>
-            </a:r>
-            <a:r>
-              <a:rPr lang="en-US" altLang="zh-CN" b="1" dirty="0" smtClean="0"/>
-              <a:t>Vue.js</a:t>
-            </a:r>
-            <a:r>
-              <a:rPr lang="en-US" altLang="zh-CN" dirty="0" smtClean="0"/>
-              <a:t>.</a:t>
-            </a:r>
-          </a:p>
-          <a:p>
-            <a:r>
-              <a:rPr lang="en-US" altLang="zh-CN" dirty="0" err="1" smtClean="0"/>
-              <a:t>Vue</a:t>
-            </a:r>
-            <a:r>
-              <a:rPr lang="en-US" altLang="zh-CN" dirty="0" smtClean="0"/>
-              <a:t> </a:t>
-            </a:r>
-            <a:r>
-              <a:rPr lang="zh-CN" altLang="en-US" dirty="0" smtClean="0"/>
-              <a:t>提出的渐进式框架的理念，也即是</a:t>
-            </a:r>
-            <a:r>
-              <a:rPr lang="en-US" altLang="zh-CN" dirty="0" smtClean="0"/>
-              <a:t>『</a:t>
-            </a:r>
-            <a:r>
-              <a:rPr lang="zh-CN" altLang="en-US" dirty="0" smtClean="0"/>
-              <a:t>既是框架，又不是框架</a:t>
-            </a:r>
-            <a:r>
-              <a:rPr lang="en-US" altLang="zh-CN" dirty="0" smtClean="0"/>
-              <a:t>』</a:t>
-            </a:r>
-            <a:r>
-              <a:rPr lang="zh-CN" altLang="en-US" dirty="0" smtClean="0"/>
-              <a:t>，取决于你想怎么用。</a:t>
-            </a:r>
-            <a:endParaRPr lang="en-US" altLang="zh-CN" dirty="0" smtClean="0"/>
-          </a:p>
-          <a:p>
-            <a:endParaRPr lang="en-US" altLang="zh-CN" dirty="0" smtClean="0"/>
-          </a:p>
-          <a:p>
-            <a:r>
-              <a:rPr lang="zh-CN" altLang="en-US" dirty="0" smtClean="0"/>
-              <a:t>最后，</a:t>
-            </a:r>
-            <a:r>
-              <a:rPr lang="en-US" altLang="zh-CN" dirty="0" err="1" smtClean="0"/>
-              <a:t>Vue</a:t>
-            </a:r>
-            <a:r>
-              <a:rPr lang="en-US" altLang="zh-CN" dirty="0" smtClean="0"/>
-              <a:t> </a:t>
-            </a:r>
-            <a:r>
-              <a:rPr lang="zh-CN" altLang="en-US" dirty="0" smtClean="0"/>
-              <a:t>有一个其他框架真的都没有的理念，那就是</a:t>
-            </a:r>
-            <a:r>
-              <a:rPr lang="en-US" altLang="zh-CN" dirty="0" smtClean="0"/>
-              <a:t>『</a:t>
-            </a:r>
-            <a:r>
-              <a:rPr lang="zh-CN" altLang="en-US" dirty="0" smtClean="0"/>
-              <a:t>把高大上的思想变得平易近人</a:t>
-            </a:r>
-            <a:r>
-              <a:rPr lang="en-US" altLang="zh-CN" dirty="0" smtClean="0"/>
-              <a:t>』</a:t>
-            </a:r>
-            <a:r>
-              <a:rPr lang="zh-CN" altLang="en-US" dirty="0" smtClean="0"/>
-              <a:t>。</a:t>
-            </a:r>
-            <a:endParaRPr lang="en-US" altLang="zh-CN" dirty="0" smtClean="0"/>
+              <a:rPr lang="en-US" altLang="zh-CN" sz="1200" dirty="0" smtClean="0"/>
+              <a:t> + </a:t>
+            </a:r>
+            <a:r>
+              <a:rPr lang="en-US" altLang="zh-CN" sz="1200" dirty="0" err="1" smtClean="0"/>
+              <a:t>vue</a:t>
+            </a:r>
+            <a:r>
+              <a:rPr lang="en-US" altLang="zh-CN" sz="1200" dirty="0" smtClean="0"/>
+              <a:t>-router + </a:t>
+            </a:r>
+            <a:r>
+              <a:rPr lang="en-US" altLang="zh-CN" sz="1200" dirty="0" err="1" smtClean="0"/>
+              <a:t>vuex</a:t>
+            </a:r>
+            <a:r>
+              <a:rPr lang="en-US" altLang="zh-CN" sz="1200" dirty="0" smtClean="0"/>
+              <a:t> + </a:t>
+            </a:r>
+            <a:r>
+              <a:rPr lang="en-US" altLang="zh-CN" sz="1200" dirty="0" err="1" smtClean="0"/>
+              <a:t>webpack</a:t>
+            </a:r>
+            <a:r>
+              <a:rPr lang="en-US" altLang="zh-CN" sz="1200" dirty="0" smtClean="0"/>
+              <a:t> + </a:t>
+            </a:r>
+            <a:r>
+              <a:rPr lang="en-US" altLang="zh-CN" sz="1200" dirty="0" err="1" smtClean="0"/>
+              <a:t>vue</a:t>
+            </a:r>
+            <a:r>
+              <a:rPr lang="en-US" altLang="zh-CN" sz="1200" dirty="0" smtClean="0"/>
+              <a:t>-loader </a:t>
+            </a:r>
+            <a:r>
+              <a:rPr lang="zh-CN" altLang="en-US" sz="1200" dirty="0" smtClean="0"/>
+              <a:t>的全套方案，</a:t>
+            </a:r>
+          </a:p>
+          <a:p>
+            <a:pPr>
+              <a:lnSpc>
+                <a:spcPct val="160000"/>
+              </a:lnSpc>
+            </a:pPr>
+            <a:r>
+              <a:rPr lang="zh-CN" altLang="en-US" sz="1200" dirty="0" smtClean="0"/>
+              <a:t>如果你不想三个月换一套，就跟着官方推荐走；如果自己有想法，那就自己整也没问题。</a:t>
+            </a:r>
+            <a:r>
+              <a:rPr lang="en-US" altLang="zh-CN" sz="1200" dirty="0" smtClean="0"/>
+              <a:t>Angular 2 </a:t>
+            </a:r>
+            <a:r>
+              <a:rPr lang="zh-CN" altLang="en-US" sz="1200" dirty="0" smtClean="0"/>
+              <a:t>的社区，</a:t>
+            </a:r>
+          </a:p>
+          <a:p>
+            <a:pPr>
+              <a:lnSpc>
+                <a:spcPct val="160000"/>
+              </a:lnSpc>
+            </a:pPr>
+            <a:r>
+              <a:rPr lang="zh-CN" altLang="en-US" sz="1200" dirty="0" smtClean="0"/>
+              <a:t>目前来说基本没有，到现在连文档都没写完呢，也没法有什么生态。更伤的是 </a:t>
+            </a:r>
+            <a:r>
+              <a:rPr lang="en-US" altLang="zh-CN" sz="1200" dirty="0" smtClean="0"/>
+              <a:t>ng2 </a:t>
+            </a:r>
+            <a:r>
+              <a:rPr lang="zh-CN" altLang="en-US" sz="1200" dirty="0" smtClean="0"/>
+              <a:t>和 </a:t>
+            </a:r>
+            <a:r>
+              <a:rPr lang="en-US" altLang="zh-CN" sz="1200" dirty="0" smtClean="0"/>
+              <a:t>ng1 </a:t>
+            </a:r>
+            <a:r>
+              <a:rPr lang="zh-CN" altLang="en-US" sz="1200" dirty="0" smtClean="0"/>
+              <a:t>的生态是完全割裂的。</a:t>
+            </a:r>
+          </a:p>
+          <a:p>
+            <a:pPr>
+              <a:lnSpc>
+                <a:spcPct val="160000"/>
+              </a:lnSpc>
+            </a:pPr>
+            <a:r>
+              <a:rPr lang="en-US" altLang="zh-CN" sz="1200" dirty="0" smtClean="0"/>
+              <a:t>2016 </a:t>
+            </a:r>
+            <a:r>
+              <a:rPr lang="zh-CN" altLang="en-US" sz="1200" dirty="0" smtClean="0"/>
+              <a:t>年能怎么发展，要看 </a:t>
+            </a:r>
+            <a:r>
+              <a:rPr lang="en-US" altLang="zh-CN" sz="1200" dirty="0" smtClean="0"/>
+              <a:t>Google </a:t>
+            </a:r>
+            <a:r>
+              <a:rPr lang="zh-CN" altLang="en-US" sz="1200" dirty="0" smtClean="0"/>
+              <a:t>的社区运营做得如何，但不管怎么说 </a:t>
+            </a:r>
+            <a:r>
+              <a:rPr lang="en-US" altLang="zh-CN" sz="1200" dirty="0" smtClean="0"/>
+              <a:t>Google </a:t>
+            </a:r>
+            <a:r>
+              <a:rPr lang="zh-CN" altLang="en-US" sz="1200" dirty="0" smtClean="0"/>
+              <a:t>的影响力在那边，群众基数还是很大的</a:t>
+            </a:r>
+            <a:r>
+              <a:rPr lang="en-US" altLang="zh-CN" sz="1200" dirty="0" smtClean="0"/>
+              <a:t>...</a:t>
+            </a:r>
+            <a:endParaRPr lang="zh-CN" altLang="en-US" sz="1200" dirty="0" smtClean="0"/>
           </a:p>
           <a:p>
             <a:endParaRPr lang="zh-CN" altLang="en-US" dirty="0"/>
@@ -8894,7 +8666,7 @@
             <a:fld id="{624A9BF4-B422-4A26-A5B5-57536F7ECFCE}" type="slidenum">
               <a:rPr lang="zh-CN" altLang="en-US" smtClean="0"/>
               <a:pPr/>
-              <a:t>27</a:t>
+              <a:t>26</a:t>
             </a:fld>
             <a:endParaRPr lang="zh-CN" altLang="en-US" dirty="0"/>
           </a:p>
@@ -8903,7 +8675,7 @@
     </p:spTree>
     <p:extLst>
       <p:ext uri="{BB962C8B-B14F-4D97-AF65-F5344CB8AC3E}">
-        <p14:creationId xmlns:p14="http://schemas.microsoft.com/office/powerpoint/2010/main" val="3966573210"/>
+        <p14:creationId xmlns:p14="http://schemas.microsoft.com/office/powerpoint/2010/main" val="3178158009"/>
       </p:ext>
     </p:extLst>
   </p:cSld>
@@ -8958,47 +8730,202 @@
           <a:lstStyle/>
           <a:p>
             <a:r>
+              <a:rPr lang="en-US" altLang="zh-CN" dirty="0" err="1" smtClean="0"/>
+              <a:t>Vue</a:t>
+            </a:r>
+            <a:r>
+              <a:rPr lang="en-US" altLang="zh-CN" dirty="0" smtClean="0"/>
+              <a:t> </a:t>
+            </a:r>
+            <a:r>
               <a:rPr lang="zh-CN" altLang="en-US" dirty="0" smtClean="0"/>
-              <a:t>尝试 </a:t>
+              <a:t>是第一个，也可能依然是唯一一个提供支持混合预处理器的、作为 </a:t>
             </a:r>
             <a:r>
               <a:rPr lang="en-US" altLang="zh-CN" dirty="0" smtClean="0"/>
-              <a:t>Vue.js </a:t>
+              <a:t>ES </a:t>
             </a:r>
             <a:r>
               <a:rPr lang="zh-CN" altLang="en-US" dirty="0" smtClean="0"/>
-              <a:t>最简单的方法是使用 </a:t>
+              <a:t>模块编译的单文件组件的框架。</a:t>
             </a:r>
             <a:endParaRPr lang="en-US" altLang="zh-CN" dirty="0" smtClean="0"/>
           </a:p>
           <a:p>
             <a:r>
+              <a:rPr lang="en-US" altLang="zh-CN" dirty="0" err="1" smtClean="0"/>
+              <a:t>Vue</a:t>
+            </a:r>
+            <a:r>
+              <a:rPr lang="en-US" altLang="zh-CN" dirty="0" smtClean="0"/>
+              <a:t> </a:t>
+            </a:r>
+            <a:r>
               <a:rPr lang="zh-CN" altLang="en-US" dirty="0" smtClean="0"/>
-              <a:t>你可以在浏览器新标签页中打开它，跟着例子学习一些基础用法。</a:t>
+              <a:t>通过 </a:t>
+            </a:r>
+            <a:r>
+              <a:rPr lang="en-US" altLang="zh-CN" dirty="0" err="1" smtClean="0"/>
+              <a:t>Object.defineProperty</a:t>
+            </a:r>
+            <a:r>
+              <a:rPr lang="en-US" altLang="zh-CN" dirty="0" smtClean="0"/>
+              <a:t> </a:t>
+            </a:r>
+            <a:r>
+              <a:rPr lang="zh-CN" altLang="en-US" dirty="0" smtClean="0"/>
+              <a:t>改写实现的 </a:t>
+            </a:r>
+            <a:r>
+              <a:rPr lang="en-US" altLang="zh-CN" dirty="0" smtClean="0"/>
+              <a:t>POJO </a:t>
+            </a:r>
+            <a:r>
+              <a:rPr lang="zh-CN" altLang="en-US" dirty="0" smtClean="0"/>
+              <a:t>响应式机制，市面上类似的只有 </a:t>
+            </a:r>
+            <a:r>
+              <a:rPr lang="en-US" altLang="zh-CN" dirty="0" smtClean="0"/>
+              <a:t>Avalon.</a:t>
+            </a:r>
+          </a:p>
+          <a:p>
+            <a:r>
+              <a:rPr lang="en-US" altLang="zh-CN" dirty="0" smtClean="0"/>
+              <a:t>React </a:t>
+            </a:r>
+            <a:r>
+              <a:rPr lang="zh-CN" altLang="en-US" dirty="0" smtClean="0"/>
+              <a:t>社区很火的状态管理方案 </a:t>
+            </a:r>
+            <a:r>
+              <a:rPr lang="en-US" altLang="zh-CN" dirty="0" err="1" smtClean="0"/>
+              <a:t>Mobx</a:t>
+            </a:r>
+            <a:r>
+              <a:rPr lang="zh-CN" altLang="en-US" dirty="0" smtClean="0"/>
+              <a:t>，</a:t>
             </a:r>
             <a:endParaRPr lang="en-US" altLang="zh-CN" dirty="0" smtClean="0"/>
           </a:p>
           <a:p>
             <a:r>
               <a:rPr lang="zh-CN" altLang="en-US" dirty="0" smtClean="0"/>
-              <a:t>或者你也可以</a:t>
-            </a:r>
-            <a:r>
-              <a:rPr lang="zh-CN" altLang="en-US" b="1" dirty="0" smtClean="0"/>
-              <a:t>创建一个 </a:t>
+              <a:t>其响应式系统原理上跟 </a:t>
+            </a:r>
+            <a:r>
+              <a:rPr lang="en-US" altLang="zh-CN" dirty="0" err="1" smtClean="0"/>
+              <a:t>Vue</a:t>
+            </a:r>
+            <a:r>
+              <a:rPr lang="en-US" altLang="zh-CN" dirty="0" smtClean="0"/>
+              <a:t> </a:t>
+            </a:r>
+            <a:r>
+              <a:rPr lang="zh-CN" altLang="en-US" dirty="0" smtClean="0"/>
+              <a:t>如出一辙。它的 </a:t>
+            </a:r>
+            <a:r>
+              <a:rPr lang="en-US" altLang="zh-CN" dirty="0" smtClean="0"/>
+              <a:t>README</a:t>
+            </a:r>
+            <a:r>
+              <a:rPr lang="zh-CN" altLang="en-US" dirty="0" smtClean="0"/>
+              <a:t>里面写了：</a:t>
+            </a:r>
+          </a:p>
+          <a:p>
+            <a:r>
+              <a:rPr lang="en-US" altLang="zh-CN" dirty="0" smtClean="0"/>
+              <a:t>It is inspired by MVVM frameworks like in </a:t>
+            </a:r>
+            <a:r>
+              <a:rPr lang="en-US" altLang="zh-CN" dirty="0" err="1" smtClean="0"/>
+              <a:t>MeteorJS</a:t>
+            </a:r>
+            <a:r>
+              <a:rPr lang="en-US" altLang="zh-CN" dirty="0" smtClean="0"/>
+              <a:t> tracker, knockout and </a:t>
             </a:r>
             <a:r>
               <a:rPr lang="en-US" altLang="zh-CN" b="1" dirty="0" smtClean="0"/>
-              <a:t>.html </a:t>
-            </a:r>
-            <a:r>
-              <a:rPr lang="zh-CN" altLang="en-US" b="1" dirty="0" smtClean="0"/>
-              <a:t>文件，然后通过如下方式引入 </a:t>
-            </a:r>
-            <a:r>
-              <a:rPr lang="en-US" altLang="zh-CN" b="1" dirty="0" err="1" smtClean="0"/>
+              <a:t>Vue.js</a:t>
+            </a:r>
+            <a:r>
+              <a:rPr lang="en-US" altLang="zh-CN" dirty="0" smtClean="0"/>
+              <a:t>.</a:t>
+            </a:r>
+          </a:p>
+          <a:p>
+            <a:r>
+              <a:rPr lang="en-US" altLang="zh-CN" dirty="0" err="1" smtClean="0"/>
               <a:t>Vue</a:t>
             </a:r>
+            <a:r>
+              <a:rPr lang="en-US" altLang="zh-CN" dirty="0" smtClean="0"/>
+              <a:t> </a:t>
+            </a:r>
+            <a:r>
+              <a:rPr lang="zh-CN" altLang="en-US" dirty="0" smtClean="0"/>
+              <a:t>提出的渐进式框架的理念，也即是</a:t>
+            </a:r>
+            <a:r>
+              <a:rPr lang="en-US" altLang="zh-CN" dirty="0" smtClean="0"/>
+              <a:t>『</a:t>
+            </a:r>
+            <a:r>
+              <a:rPr lang="zh-CN" altLang="en-US" dirty="0" smtClean="0"/>
+              <a:t>既是框架，又不是框架</a:t>
+            </a:r>
+            <a:r>
+              <a:rPr lang="en-US" altLang="zh-CN" dirty="0" smtClean="0"/>
+              <a:t>』</a:t>
+            </a:r>
+            <a:r>
+              <a:rPr lang="zh-CN" altLang="en-US" dirty="0" smtClean="0"/>
+              <a:t>，取决于你想怎么用。</a:t>
+            </a:r>
+            <a:endParaRPr lang="en-US" altLang="zh-CN" dirty="0" smtClean="0"/>
+          </a:p>
+          <a:p>
+            <a:endParaRPr lang="en-US" altLang="zh-CN" dirty="0" smtClean="0"/>
+          </a:p>
+          <a:p>
+            <a:r>
+              <a:rPr lang="zh-CN" altLang="en-US" dirty="0" smtClean="0"/>
+              <a:t>最后，</a:t>
+            </a:r>
+            <a:r>
+              <a:rPr lang="en-US" altLang="zh-CN" dirty="0" err="1" smtClean="0"/>
+              <a:t>Vue</a:t>
+            </a:r>
+            <a:r>
+              <a:rPr lang="en-US" altLang="zh-CN" dirty="0" smtClean="0"/>
+              <a:t> </a:t>
+            </a:r>
+            <a:r>
+              <a:rPr lang="zh-CN" altLang="en-US" dirty="0" smtClean="0"/>
+              <a:t>有一个其他框架真的都没有的理念，那就是</a:t>
+            </a:r>
+            <a:r>
+              <a:rPr lang="en-US" altLang="zh-CN" dirty="0" smtClean="0"/>
+              <a:t>『</a:t>
+            </a:r>
+            <a:r>
+              <a:rPr lang="zh-CN" altLang="en-US" dirty="0" smtClean="0"/>
+              <a:t>把高大上的思想变得平易近人</a:t>
+            </a:r>
+            <a:r>
+              <a:rPr lang="en-US" altLang="zh-CN" dirty="0" smtClean="0"/>
+              <a:t>』</a:t>
+            </a:r>
+            <a:r>
+              <a:rPr lang="zh-CN" altLang="en-US" dirty="0" smtClean="0"/>
+              <a:t>。</a:t>
+            </a:r>
+            <a:endParaRPr lang="en-US" altLang="zh-CN" dirty="0" smtClean="0"/>
+          </a:p>
+          <a:p>
             <a:endParaRPr lang="zh-CN" altLang="en-US" dirty="0"/>
           </a:p>
         </p:txBody>
@@ -9021,7 +8948,7 @@
             <a:fld id="{624A9BF4-B422-4A26-A5B5-57536F7ECFCE}" type="slidenum">
               <a:rPr lang="zh-CN" altLang="en-US" smtClean="0"/>
               <a:pPr/>
-              <a:t>28</a:t>
+              <a:t>27</a:t>
             </a:fld>
             <a:endParaRPr lang="zh-CN" altLang="en-US" dirty="0"/>
           </a:p>
@@ -9030,7 +8957,7 @@
     </p:spTree>
     <p:extLst>
       <p:ext uri="{BB962C8B-B14F-4D97-AF65-F5344CB8AC3E}">
-        <p14:creationId xmlns:p14="http://schemas.microsoft.com/office/powerpoint/2010/main" val="2952918452"/>
+        <p14:creationId xmlns:p14="http://schemas.microsoft.com/office/powerpoint/2010/main" val="3966573210"/>
       </p:ext>
     </p:extLst>
   </p:cSld>
@@ -9086,25 +9013,46 @@
           <a:p>
             <a:r>
               <a:rPr lang="zh-CN" altLang="en-US" dirty="0" smtClean="0"/>
-              <a:t>该工具提供开箱即用的构建工具配置，</a:t>
+              <a:t>尝试 </a:t>
+            </a:r>
+            <a:r>
+              <a:rPr lang="en-US" altLang="zh-CN" dirty="0" smtClean="0"/>
+              <a:t>Vue.js </a:t>
+            </a:r>
+            <a:r>
+              <a:rPr lang="zh-CN" altLang="en-US" dirty="0" smtClean="0"/>
+              <a:t>最简单的方法是使用 </a:t>
             </a:r>
             <a:endParaRPr lang="en-US" altLang="zh-CN" dirty="0" smtClean="0"/>
           </a:p>
           <a:p>
             <a:r>
               <a:rPr lang="zh-CN" altLang="en-US" dirty="0" smtClean="0"/>
-              <a:t>带来现代化的前端开发流程。只需几分钟即可创建并启动一个带热重载、保存时静态检查以及可用于</a:t>
+              <a:t>你可以在浏览器新标签页中打开它，跟着例子学习一些基础用法。</a:t>
             </a:r>
             <a:endParaRPr lang="en-US" altLang="zh-CN" dirty="0" smtClean="0"/>
           </a:p>
           <a:p>
             <a:r>
               <a:rPr lang="zh-CN" altLang="en-US" dirty="0" smtClean="0"/>
-              <a:t>生产环境的构建配置的项目：</a:t>
-            </a:r>
-            <a:endParaRPr lang="en-US" altLang="zh-CN" dirty="0" smtClean="0"/>
-          </a:p>
-          <a:p>
+              <a:t>或者你也可以</a:t>
+            </a:r>
+            <a:r>
+              <a:rPr lang="zh-CN" altLang="en-US" b="1" dirty="0" smtClean="0"/>
+              <a:t>创建一个 </a:t>
+            </a:r>
+            <a:r>
+              <a:rPr lang="en-US" altLang="zh-CN" b="1" dirty="0" smtClean="0"/>
+              <a:t>.html </a:t>
+            </a:r>
+            <a:r>
+              <a:rPr lang="zh-CN" altLang="en-US" b="1" dirty="0" smtClean="0"/>
+              <a:t>文件，然后通过如下方式引入 </a:t>
+            </a:r>
+            <a:r>
+              <a:rPr lang="en-US" altLang="zh-CN" b="1" dirty="0" err="1" smtClean="0"/>
+              <a:t>Vue</a:t>
+            </a:r>
             <a:endParaRPr lang="zh-CN" altLang="en-US" dirty="0"/>
           </a:p>
         </p:txBody>
@@ -9127,7 +9075,7 @@
             <a:fld id="{624A9BF4-B422-4A26-A5B5-57536F7ECFCE}" type="slidenum">
               <a:rPr lang="zh-CN" altLang="en-US" smtClean="0"/>
               <a:pPr/>
-              <a:t>29</a:t>
+              <a:t>28</a:t>
             </a:fld>
             <a:endParaRPr lang="zh-CN" altLang="en-US" dirty="0"/>
           </a:p>
@@ -9136,7 +9084,7 @@
     </p:spTree>
     <p:extLst>
       <p:ext uri="{BB962C8B-B14F-4D97-AF65-F5344CB8AC3E}">
-        <p14:creationId xmlns:p14="http://schemas.microsoft.com/office/powerpoint/2010/main" val="3922858108"/>
+        <p14:creationId xmlns:p14="http://schemas.microsoft.com/office/powerpoint/2010/main" val="2952918452"/>
       </p:ext>
     </p:extLst>
   </p:cSld>
@@ -9190,39 +9138,25 @@
           <a:bodyPr/>
           <a:lstStyle/>
           <a:p>
-            <a:pPr marL="0" marR="0" indent="0" algn="l" defTabSz="914400" rtl="0" eaLnBrk="1" fontAlgn="auto" latinLnBrk="0" hangingPunct="1">
-              <a:lnSpc>
-                <a:spcPct val="100000"/>
-              </a:lnSpc>
-              <a:spcBef>
-                <a:spcPts val="0"/>
-              </a:spcBef>
-              <a:spcAft>
-                <a:spcPts val="0"/>
-              </a:spcAft>
-              <a:buClrTx/>
-              <a:buSzTx/>
-              <a:buFontTx/>
-              <a:buNone/>
-              <a:tabLst/>
-              <a:defRPr/>
-            </a:pPr>
-            <a:r>
-              <a:rPr lang="en-US" altLang="zh-CN" dirty="0" smtClean="0"/>
-              <a:t>Vue.js </a:t>
-            </a:r>
             <a:r>
               <a:rPr lang="zh-CN" altLang="en-US" dirty="0" smtClean="0"/>
-              <a:t>的核心是一个允许采用简洁的模板语法来声明式的将数据渲染进 </a:t>
-            </a:r>
-            <a:r>
-              <a:rPr lang="en-US" altLang="zh-CN" dirty="0" smtClean="0"/>
-              <a:t>DOM</a:t>
-            </a:r>
+              <a:t>该工具提供开箱即用的构建工具配置，</a:t>
+            </a:r>
+            <a:endParaRPr lang="en-US" altLang="zh-CN" dirty="0" smtClean="0"/>
+          </a:p>
+          <a:p>
             <a:r>
               <a:rPr lang="zh-CN" altLang="en-US" dirty="0" smtClean="0"/>
-              <a:t>：</a:t>
-            </a:r>
+              <a:t>带来现代化的前端开发流程。只需几分钟即可创建并启动一个带热重载、保存时静态检查以及可用于</a:t>
+            </a:r>
+            <a:endParaRPr lang="en-US" altLang="zh-CN" dirty="0" smtClean="0"/>
+          </a:p>
+          <a:p>
+            <a:r>
+              <a:rPr lang="zh-CN" altLang="en-US" dirty="0" smtClean="0"/>
+              <a:t>生产环境的构建配置的项目：</a:t>
+            </a:r>
+            <a:endParaRPr lang="en-US" altLang="zh-CN" dirty="0" smtClean="0"/>
           </a:p>
           <a:p>
             <a:endParaRPr lang="zh-CN" altLang="en-US" dirty="0"/>
@@ -9247,7 +9181,7 @@
             <a:fld id="{624A9BF4-B422-4A26-A5B5-57536F7ECFCE}" type="slidenum">
               <a:rPr lang="zh-CN" altLang="en-US" smtClean="0"/>
               <a:pPr/>
-              <a:t>30</a:t>
+              <a:t>29</a:t>
             </a:fld>
             <a:endParaRPr lang="zh-CN" altLang="en-US" dirty="0"/>
           </a:p>
@@ -9256,7 +9190,7 @@
     </p:spTree>
     <p:extLst>
       <p:ext uri="{BB962C8B-B14F-4D97-AF65-F5344CB8AC3E}">
-        <p14:creationId xmlns:p14="http://schemas.microsoft.com/office/powerpoint/2010/main" val="2051472282"/>
+        <p14:creationId xmlns:p14="http://schemas.microsoft.com/office/powerpoint/2010/main" val="3922858108"/>
       </p:ext>
     </p:extLst>
   </p:cSld>
@@ -9328,132 +9262,171 @@
               <a:defRPr/>
             </a:pPr>
             <a:r>
+              <a:rPr lang="en-US" altLang="zh-CN" dirty="0" smtClean="0"/>
+              <a:t>Vue.js </a:t>
+            </a:r>
+            <a:r>
               <a:rPr lang="zh-CN" altLang="en-US" dirty="0" smtClean="0"/>
-              <a:t>除了文本插值，我们还可以采用这样的方式绑定 </a:t>
+              <a:t>的核心是一个允许采用简洁的模板语法来声明式的将数据渲染进 </a:t>
             </a:r>
             <a:r>
               <a:rPr lang="en-US" altLang="zh-CN" dirty="0" smtClean="0"/>
+              <a:t>DOM</a:t>
+            </a:r>
+            <a:r>
+              <a:rPr lang="zh-CN" altLang="en-US" dirty="0" smtClean="0"/>
+              <a:t>：</a:t>
+            </a:r>
+          </a:p>
+          <a:p>
+            <a:r>
+              <a:rPr lang="zh-CN" altLang="en-US" sz="1200" b="0" i="0" kern="1200" dirty="0" smtClean="0">
+                <a:solidFill>
+                  <a:schemeClr val="tx1"/>
+                </a:solidFill>
+                <a:effectLst/>
+                <a:latin typeface="+mn-lt"/>
+                <a:ea typeface="微软雅黑" panose="020B0503020204020204" pitchFamily="34" charset="-122"/>
+                <a:cs typeface="+mn-cs"/>
+              </a:rPr>
+              <a:t>我们已经生成了我们的第一个 </a:t>
+            </a:r>
+            <a:r>
+              <a:rPr lang="en-US" altLang="zh-CN" sz="1200" b="0" i="0" kern="1200" dirty="0" err="1" smtClean="0">
+                <a:solidFill>
+                  <a:schemeClr val="tx1"/>
+                </a:solidFill>
+                <a:effectLst/>
+                <a:latin typeface="+mn-lt"/>
+                <a:ea typeface="微软雅黑" panose="020B0503020204020204" pitchFamily="34" charset="-122"/>
+                <a:cs typeface="+mn-cs"/>
+              </a:rPr>
+              <a:t>Vue</a:t>
+            </a:r>
+            <a:r>
+              <a:rPr lang="en-US" altLang="zh-CN" sz="1200" b="0" i="0" kern="1200" dirty="0" smtClean="0">
+                <a:solidFill>
+                  <a:schemeClr val="tx1"/>
+                </a:solidFill>
+                <a:effectLst/>
+                <a:latin typeface="+mn-lt"/>
+                <a:ea typeface="微软雅黑" panose="020B0503020204020204" pitchFamily="34" charset="-122"/>
+                <a:cs typeface="+mn-cs"/>
+              </a:rPr>
+              <a:t> </a:t>
+            </a:r>
+            <a:r>
+              <a:rPr lang="zh-CN" altLang="en-US" sz="1200" b="0" i="0" kern="1200" dirty="0" smtClean="0">
+                <a:solidFill>
+                  <a:schemeClr val="tx1"/>
+                </a:solidFill>
+                <a:effectLst/>
+                <a:latin typeface="+mn-lt"/>
+                <a:ea typeface="微软雅黑" panose="020B0503020204020204" pitchFamily="34" charset="-122"/>
+                <a:cs typeface="+mn-cs"/>
+              </a:rPr>
+              <a:t>应用！看起来这跟单单渲染一个字符串模板非常类似，但是 </a:t>
+            </a:r>
+            <a:r>
+              <a:rPr lang="en-US" altLang="zh-CN" sz="1200" b="0" i="0" kern="1200" dirty="0" err="1" smtClean="0">
+                <a:solidFill>
+                  <a:schemeClr val="tx1"/>
+                </a:solidFill>
+                <a:effectLst/>
+                <a:latin typeface="+mn-lt"/>
+                <a:ea typeface="微软雅黑" panose="020B0503020204020204" pitchFamily="34" charset="-122"/>
+                <a:cs typeface="+mn-cs"/>
+              </a:rPr>
+              <a:t>Vue</a:t>
+            </a:r>
+            <a:r>
+              <a:rPr lang="en-US" altLang="zh-CN" sz="1200" b="0" i="0" kern="1200" dirty="0" smtClean="0">
+                <a:solidFill>
+                  <a:schemeClr val="tx1"/>
+                </a:solidFill>
+                <a:effectLst/>
+                <a:latin typeface="+mn-lt"/>
+                <a:ea typeface="微软雅黑" panose="020B0503020204020204" pitchFamily="34" charset="-122"/>
+                <a:cs typeface="+mn-cs"/>
+              </a:rPr>
+              <a:t> </a:t>
+            </a:r>
+            <a:r>
+              <a:rPr lang="zh-CN" altLang="en-US" sz="1200" b="0" i="0" kern="1200" dirty="0" smtClean="0">
+                <a:solidFill>
+                  <a:schemeClr val="tx1"/>
+                </a:solidFill>
+                <a:effectLst/>
+                <a:latin typeface="+mn-lt"/>
+                <a:ea typeface="微软雅黑" panose="020B0503020204020204" pitchFamily="34" charset="-122"/>
+                <a:cs typeface="+mn-cs"/>
+              </a:rPr>
+              <a:t>在背后做了大量工作。现在数据和 </a:t>
+            </a:r>
+            <a:r>
+              <a:rPr lang="en-US" altLang="zh-CN" sz="1200" b="0" i="0" kern="1200" dirty="0" smtClean="0">
+                <a:solidFill>
+                  <a:schemeClr val="tx1"/>
+                </a:solidFill>
+                <a:effectLst/>
+                <a:latin typeface="+mn-lt"/>
+                <a:ea typeface="微软雅黑" panose="020B0503020204020204" pitchFamily="34" charset="-122"/>
+                <a:cs typeface="+mn-cs"/>
+              </a:rPr>
               <a:t>DOM </a:t>
             </a:r>
             <a:r>
-              <a:rPr lang="zh-CN" altLang="en-US" dirty="0" smtClean="0"/>
-              <a:t>元素属性：</a:t>
-            </a:r>
-            <a:endParaRPr lang="en-US" altLang="zh-CN" dirty="0" smtClean="0"/>
-          </a:p>
-          <a:p>
-            <a:pPr marL="0" marR="0" indent="0" algn="l" defTabSz="914400" rtl="0" eaLnBrk="1" fontAlgn="auto" latinLnBrk="0" hangingPunct="1">
-              <a:lnSpc>
-                <a:spcPct val="100000"/>
-              </a:lnSpc>
-              <a:spcBef>
-                <a:spcPts val="0"/>
-              </a:spcBef>
-              <a:spcAft>
-                <a:spcPts val="0"/>
-              </a:spcAft>
-              <a:buClrTx/>
-              <a:buSzTx/>
-              <a:buFontTx/>
-              <a:buNone/>
-              <a:tabLst/>
-              <a:defRPr/>
-            </a:pPr>
-            <a:endParaRPr lang="zh-CN" altLang="en-US" dirty="0" smtClean="0"/>
-          </a:p>
-          <a:p>
-            <a:r>
-              <a:rPr lang="zh-CN" altLang="en-US" dirty="0" smtClean="0"/>
-              <a:t>这里我们遇到点新东西。你看到的 </a:t>
-            </a:r>
-            <a:r>
-              <a:rPr lang="en-US" altLang="zh-CN" dirty="0" smtClean="0"/>
-              <a:t>v-bind</a:t>
-            </a:r>
-            <a:r>
-              <a:rPr lang="zh-CN" altLang="en-US" dirty="0" smtClean="0"/>
-              <a:t> 属性被称为</a:t>
-            </a:r>
-            <a:r>
-              <a:rPr lang="zh-CN" altLang="en-US" b="1" dirty="0" smtClean="0"/>
-              <a:t>指令</a:t>
-            </a:r>
-            <a:r>
-              <a:rPr lang="zh-CN" altLang="en-US" dirty="0" smtClean="0"/>
-              <a:t>。指令带有前缀 </a:t>
-            </a:r>
-            <a:r>
-              <a:rPr lang="en-US" altLang="zh-CN" dirty="0" smtClean="0"/>
-              <a:t>v-</a:t>
-            </a:r>
-            <a:r>
-              <a:rPr lang="zh-CN" altLang="en-US" dirty="0" smtClean="0"/>
-              <a:t>，以表示它们是 </a:t>
+              <a:rPr lang="zh-CN" altLang="en-US" sz="1200" b="0" i="0" kern="1200" dirty="0" smtClean="0">
+                <a:solidFill>
+                  <a:schemeClr val="tx1"/>
+                </a:solidFill>
+                <a:effectLst/>
+                <a:latin typeface="+mn-lt"/>
+                <a:ea typeface="微软雅黑" panose="020B0503020204020204" pitchFamily="34" charset="-122"/>
+                <a:cs typeface="+mn-cs"/>
+              </a:rPr>
+              <a:t>已经被绑定在一起，所有的元素都是</a:t>
+            </a:r>
+            <a:r>
+              <a:rPr lang="zh-CN" altLang="en-US" sz="1200" b="1" i="0" kern="1200" dirty="0" smtClean="0">
+                <a:solidFill>
+                  <a:schemeClr val="tx1"/>
+                </a:solidFill>
+                <a:effectLst/>
+                <a:latin typeface="+mn-lt"/>
+                <a:ea typeface="微软雅黑" panose="020B0503020204020204" pitchFamily="34" charset="-122"/>
+                <a:cs typeface="+mn-cs"/>
+              </a:rPr>
+              <a:t>响应式的</a:t>
+            </a:r>
+            <a:r>
+              <a:rPr lang="zh-CN" altLang="en-US" sz="1200" b="0" i="0" kern="1200" dirty="0" smtClean="0">
+                <a:solidFill>
+                  <a:schemeClr val="tx1"/>
+                </a:solidFill>
+                <a:effectLst/>
+                <a:latin typeface="+mn-lt"/>
+                <a:ea typeface="微软雅黑" panose="020B0503020204020204" pitchFamily="34" charset="-122"/>
+                <a:cs typeface="+mn-cs"/>
+              </a:rPr>
+              <a:t>。我们如何知道？打开你的浏览器的控制台（就在这个页面打开），并修改 </a:t>
             </a:r>
             <a:r>
               <a:rPr lang="en-US" altLang="zh-CN" dirty="0" err="1" smtClean="0"/>
-              <a:t>Vue</a:t>
-            </a:r>
-            <a:r>
-              <a:rPr lang="en-US" altLang="zh-CN" dirty="0" smtClean="0"/>
-              <a:t> </a:t>
-            </a:r>
-            <a:r>
-              <a:rPr lang="zh-CN" altLang="en-US" dirty="0" smtClean="0"/>
-              <a:t>提供的特殊</a:t>
-            </a:r>
-            <a:endParaRPr lang="en-US" altLang="zh-CN" dirty="0" smtClean="0"/>
-          </a:p>
-          <a:p>
-            <a:r>
-              <a:rPr lang="zh-CN" altLang="en-US" dirty="0" smtClean="0"/>
-              <a:t>属性。可能你已经猜到了，它们会在渲染的 </a:t>
-            </a:r>
-            <a:r>
-              <a:rPr lang="en-US" altLang="zh-CN" dirty="0" smtClean="0"/>
-              <a:t>DOM </a:t>
-            </a:r>
-            <a:r>
-              <a:rPr lang="zh-CN" altLang="en-US" dirty="0" smtClean="0"/>
-              <a:t>上应用特殊的响应式行为。简言之，这里该指令的作用是：</a:t>
-            </a:r>
-            <a:endParaRPr lang="en-US" altLang="zh-CN" dirty="0" smtClean="0"/>
-          </a:p>
-          <a:p>
-            <a:r>
-              <a:rPr lang="zh-CN" altLang="en-US" dirty="0" smtClean="0"/>
-              <a:t>“将这个元素节点的 </a:t>
-            </a:r>
-            <a:r>
-              <a:rPr lang="en-US" altLang="zh-CN" dirty="0" smtClean="0"/>
-              <a:t>title</a:t>
-            </a:r>
-            <a:r>
-              <a:rPr lang="zh-CN" altLang="en-US" dirty="0" smtClean="0"/>
-              <a:t> 属性和 </a:t>
-            </a:r>
-            <a:r>
-              <a:rPr lang="en-US" altLang="zh-CN" dirty="0" err="1" smtClean="0"/>
-              <a:t>Vue</a:t>
-            </a:r>
-            <a:r>
-              <a:rPr lang="en-US" altLang="zh-CN" dirty="0" smtClean="0"/>
-              <a:t> </a:t>
-            </a:r>
-            <a:r>
-              <a:rPr lang="zh-CN" altLang="en-US" dirty="0" smtClean="0"/>
-              <a:t>实例的 </a:t>
-            </a:r>
-            <a:r>
-              <a:rPr lang="en-US" altLang="zh-CN" dirty="0" smtClean="0"/>
-              <a:t>message</a:t>
-            </a:r>
-            <a:r>
-              <a:rPr lang="zh-CN" altLang="en-US" dirty="0" smtClean="0"/>
-              <a:t> 属性保持一致”。</a:t>
-            </a:r>
-          </a:p>
-          <a:p>
+              <a:t>app.message</a:t>
+            </a:r>
+            <a:r>
+              <a:rPr lang="zh-CN" altLang="en-US" sz="1200" b="0" i="0" kern="1200" dirty="0" smtClean="0">
+                <a:solidFill>
+                  <a:schemeClr val="tx1"/>
+                </a:solidFill>
+                <a:effectLst/>
+                <a:latin typeface="+mn-lt"/>
+                <a:ea typeface="微软雅黑" panose="020B0503020204020204" pitchFamily="34" charset="-122"/>
+                <a:cs typeface="+mn-cs"/>
+              </a:rPr>
+              <a:t>，你将看到上例相应地更新。</a:t>
+            </a:r>
             <a:endParaRPr lang="zh-CN" altLang="en-US" dirty="0"/>
           </a:p>
         </p:txBody>
@@ -9476,7 +9449,7 @@
             <a:fld id="{624A9BF4-B422-4A26-A5B5-57536F7ECFCE}" type="slidenum">
               <a:rPr lang="zh-CN" altLang="en-US" smtClean="0"/>
               <a:pPr/>
-              <a:t>31</a:t>
+              <a:t>30</a:t>
             </a:fld>
             <a:endParaRPr lang="zh-CN" altLang="en-US" dirty="0"/>
           </a:p>
@@ -9485,7 +9458,7 @@
     </p:spTree>
     <p:extLst>
       <p:ext uri="{BB962C8B-B14F-4D97-AF65-F5344CB8AC3E}">
-        <p14:creationId xmlns:p14="http://schemas.microsoft.com/office/powerpoint/2010/main" val="878455041"/>
+        <p14:creationId xmlns:p14="http://schemas.microsoft.com/office/powerpoint/2010/main" val="2051472282"/>
       </p:ext>
     </p:extLst>
   </p:cSld>
@@ -9558,8 +9531,132 @@
             </a:pPr>
             <a:r>
               <a:rPr lang="zh-CN" altLang="en-US" dirty="0" smtClean="0"/>
-              <a:t>控制切换一个元素的显示也相当简单：</a:t>
-            </a:r>
+              <a:t>除了文本插值，我们还可以采用这样的方式绑定 </a:t>
+            </a:r>
+            <a:r>
+              <a:rPr lang="en-US" altLang="zh-CN" dirty="0" smtClean="0"/>
+              <a:t>DOM </a:t>
+            </a:r>
+            <a:r>
+              <a:rPr lang="zh-CN" altLang="en-US" dirty="0" smtClean="0"/>
+              <a:t>元素属性：</a:t>
+            </a:r>
+            <a:endParaRPr lang="en-US" altLang="zh-CN" dirty="0" smtClean="0"/>
+          </a:p>
+          <a:p>
+            <a:pPr marL="0" marR="0" indent="0" algn="l" defTabSz="914400" rtl="0" eaLnBrk="1" fontAlgn="auto" latinLnBrk="0" hangingPunct="1">
+              <a:lnSpc>
+                <a:spcPct val="100000"/>
+              </a:lnSpc>
+              <a:spcBef>
+                <a:spcPts val="0"/>
+              </a:spcBef>
+              <a:spcAft>
+                <a:spcPts val="0"/>
+              </a:spcAft>
+              <a:buClrTx/>
+              <a:buSzTx/>
+              <a:buFontTx/>
+              <a:buNone/>
+              <a:tabLst/>
+              <a:defRPr/>
+            </a:pPr>
+            <a:endParaRPr lang="zh-CN" altLang="en-US" dirty="0" smtClean="0"/>
+          </a:p>
+          <a:p>
+            <a:r>
+              <a:rPr lang="zh-CN" altLang="en-US" dirty="0" smtClean="0"/>
+              <a:t>这里我们遇到点新东西。你看到的 </a:t>
+            </a:r>
+            <a:r>
+              <a:rPr lang="en-US" altLang="zh-CN" dirty="0" smtClean="0"/>
+              <a:t>v-bind</a:t>
+            </a:r>
+            <a:r>
+              <a:rPr lang="zh-CN" altLang="en-US" dirty="0" smtClean="0"/>
+              <a:t> 属性被称为</a:t>
+            </a:r>
+            <a:r>
+              <a:rPr lang="zh-CN" altLang="en-US" b="1" dirty="0" smtClean="0"/>
+              <a:t>指令</a:t>
+            </a:r>
+            <a:r>
+              <a:rPr lang="zh-CN" altLang="en-US" dirty="0" smtClean="0"/>
+              <a:t>。指令带有前缀 </a:t>
+            </a:r>
+            <a:r>
+              <a:rPr lang="en-US" altLang="zh-CN" dirty="0" smtClean="0"/>
+              <a:t>v-</a:t>
+            </a:r>
+            <a:r>
+              <a:rPr lang="zh-CN" altLang="en-US" dirty="0" smtClean="0"/>
+              <a:t>，以表示它们是 </a:t>
+            </a:r>
+            <a:r>
+              <a:rPr lang="en-US" altLang="zh-CN" dirty="0" err="1" smtClean="0"/>
+              <a:t>Vue</a:t>
+            </a:r>
+            <a:r>
+              <a:rPr lang="en-US" altLang="zh-CN" dirty="0" smtClean="0"/>
+              <a:t> </a:t>
+            </a:r>
+            <a:r>
+              <a:rPr lang="zh-CN" altLang="en-US" dirty="0" smtClean="0"/>
+              <a:t>提供的特殊</a:t>
+            </a:r>
+            <a:endParaRPr lang="en-US" altLang="zh-CN" dirty="0" smtClean="0"/>
+          </a:p>
+          <a:p>
+            <a:r>
+              <a:rPr lang="zh-CN" altLang="en-US" dirty="0" smtClean="0"/>
+              <a:t>属性。可能你已经猜到了，它们会在渲染的 </a:t>
+            </a:r>
+            <a:r>
+              <a:rPr lang="en-US" altLang="zh-CN" dirty="0" smtClean="0"/>
+              <a:t>DOM </a:t>
+            </a:r>
+            <a:r>
+              <a:rPr lang="zh-CN" altLang="en-US" dirty="0" smtClean="0"/>
+              <a:t>上应用特殊的响应式行为。简言之，这里该指令的作用是：</a:t>
+            </a:r>
+            <a:endParaRPr lang="en-US" altLang="zh-CN" dirty="0" smtClean="0"/>
+          </a:p>
+          <a:p>
+            <a:r>
+              <a:rPr lang="zh-CN" altLang="en-US" dirty="0" smtClean="0"/>
+              <a:t>“将这个元素节点的 </a:t>
+            </a:r>
+            <a:r>
+              <a:rPr lang="en-US" altLang="zh-CN" dirty="0" smtClean="0"/>
+              <a:t>title</a:t>
+            </a:r>
+            <a:r>
+              <a:rPr lang="zh-CN" altLang="en-US" dirty="0" smtClean="0"/>
+              <a:t> 属性和 </a:t>
+            </a:r>
+            <a:r>
+              <a:rPr lang="en-US" altLang="zh-CN" dirty="0" err="1" smtClean="0"/>
+              <a:t>Vue</a:t>
+            </a:r>
+            <a:r>
+              <a:rPr lang="en-US" altLang="zh-CN" dirty="0" smtClean="0"/>
+              <a:t> </a:t>
+            </a:r>
+            <a:r>
+              <a:rPr lang="zh-CN" altLang="en-US" dirty="0" smtClean="0"/>
+              <a:t>实例的 </a:t>
+            </a:r>
+            <a:r>
+              <a:rPr lang="en-US" altLang="zh-CN" dirty="0" smtClean="0"/>
+              <a:t>message</a:t>
+            </a:r>
+            <a:r>
+              <a:rPr lang="zh-CN" altLang="en-US" dirty="0" smtClean="0"/>
+              <a:t> 属性保持一致”。</a:t>
+            </a:r>
+          </a:p>
+          <a:p>
+            <a:endParaRPr lang="zh-CN" altLang="en-US" dirty="0"/>
           </a:p>
         </p:txBody>
       </p:sp>
@@ -9581,7 +9678,7 @@
             <a:fld id="{624A9BF4-B422-4A26-A5B5-57536F7ECFCE}" type="slidenum">
               <a:rPr lang="zh-CN" altLang="en-US" smtClean="0"/>
               <a:pPr/>
-              <a:t>32</a:t>
+              <a:t>31</a:t>
             </a:fld>
             <a:endParaRPr lang="zh-CN" altLang="en-US" dirty="0"/>
           </a:p>
@@ -9590,7 +9687,7 @@
     </p:spTree>
     <p:extLst>
       <p:ext uri="{BB962C8B-B14F-4D97-AF65-F5344CB8AC3E}">
-        <p14:creationId xmlns:p14="http://schemas.microsoft.com/office/powerpoint/2010/main" val="3797240346"/>
+        <p14:creationId xmlns:p14="http://schemas.microsoft.com/office/powerpoint/2010/main" val="878455041"/>
       </p:ext>
     </p:extLst>
   </p:cSld>
@@ -9663,19 +9760,8 @@
             </a:pPr>
             <a:r>
               <a:rPr lang="zh-CN" altLang="en-US" dirty="0" smtClean="0"/>
-              <a:t>还有其它很多指令，每个都有特殊的功能。例如，</a:t>
-            </a:r>
-            <a:r>
-              <a:rPr lang="en-US" altLang="zh-CN" dirty="0" smtClean="0"/>
-              <a:t>v-for</a:t>
-            </a:r>
-            <a:r>
-              <a:rPr lang="zh-CN" altLang="en-US" dirty="0" smtClean="0"/>
-              <a:t> 指令可以绑定数组的数据来渲染一个项目列表：</a:t>
-            </a:r>
-          </a:p>
-          <a:p>
-            <a:endParaRPr lang="zh-CN" altLang="en-US" dirty="0"/>
+              <a:t>控制切换一个元素的显示也相当简单：</a:t>
+            </a:r>
           </a:p>
         </p:txBody>
       </p:sp>
@@ -9697,7 +9783,7 @@
             <a:fld id="{624A9BF4-B422-4A26-A5B5-57536F7ECFCE}" type="slidenum">
               <a:rPr lang="zh-CN" altLang="en-US" smtClean="0"/>
               <a:pPr/>
-              <a:t>33</a:t>
+              <a:t>32</a:t>
             </a:fld>
             <a:endParaRPr lang="zh-CN" altLang="en-US" dirty="0"/>
           </a:p>
@@ -9706,7 +9792,7 @@
     </p:spTree>
     <p:extLst>
       <p:ext uri="{BB962C8B-B14F-4D97-AF65-F5344CB8AC3E}">
-        <p14:creationId xmlns:p14="http://schemas.microsoft.com/office/powerpoint/2010/main" val="2849690259"/>
+        <p14:creationId xmlns:p14="http://schemas.microsoft.com/office/powerpoint/2010/main" val="3797240346"/>
       </p:ext>
     </p:extLst>
   </p:cSld>
@@ -9760,142 +9846,34 @@
           <a:bodyPr/>
           <a:lstStyle/>
           <a:p>
-            <a:r>
-              <a:rPr lang="zh-CN" altLang="en-US" sz="1200" b="0" i="0" kern="1200" dirty="0" smtClean="0">
-                <a:solidFill>
-                  <a:schemeClr val="tx1"/>
-                </a:solidFill>
-                <a:effectLst/>
-                <a:latin typeface="+mn-lt"/>
-                <a:ea typeface="微软雅黑" panose="020B0503020204020204" pitchFamily="34" charset="-122"/>
-                <a:cs typeface="+mn-cs"/>
-              </a:rPr>
-              <a:t>我们可以用 </a:t>
+            <a:pPr marL="0" marR="0" indent="0" algn="l" defTabSz="914400" rtl="0" eaLnBrk="1" fontAlgn="auto" latinLnBrk="0" hangingPunct="1">
+              <a:lnSpc>
+                <a:spcPct val="100000"/>
+              </a:lnSpc>
+              <a:spcBef>
+                <a:spcPts val="0"/>
+              </a:spcBef>
+              <a:spcAft>
+                <a:spcPts val="0"/>
+              </a:spcAft>
+              <a:buClrTx/>
+              <a:buSzTx/>
+              <a:buFontTx/>
+              <a:buNone/>
+              <a:tabLst/>
+              <a:defRPr/>
+            </a:pPr>
+            <a:r>
+              <a:rPr lang="zh-CN" altLang="en-US" dirty="0" smtClean="0"/>
+              <a:t>还有其它很多指令，每个都有特殊的功能。例如，</a:t>
             </a:r>
             <a:r>
               <a:rPr lang="en-US" altLang="zh-CN" dirty="0" smtClean="0"/>
-              <a:t>v-on</a:t>
-            </a:r>
-            <a:r>
-              <a:rPr lang="zh-CN" altLang="en-US" sz="1200" b="0" i="0" kern="1200" dirty="0" smtClean="0">
-                <a:solidFill>
-                  <a:schemeClr val="tx1"/>
-                </a:solidFill>
-                <a:effectLst/>
-                <a:latin typeface="+mn-lt"/>
-                <a:ea typeface="微软雅黑" panose="020B0503020204020204" pitchFamily="34" charset="-122"/>
-                <a:cs typeface="+mn-cs"/>
-              </a:rPr>
-              <a:t> 指令绑定一个事件监听器，通过它调用我们 </a:t>
-            </a:r>
-            <a:r>
-              <a:rPr lang="en-US" altLang="zh-CN" sz="1200" b="0" i="0" kern="1200" dirty="0" err="1" smtClean="0">
-                <a:solidFill>
-                  <a:schemeClr val="tx1"/>
-                </a:solidFill>
-                <a:effectLst/>
-                <a:latin typeface="+mn-lt"/>
-                <a:ea typeface="微软雅黑" panose="020B0503020204020204" pitchFamily="34" charset="-122"/>
-                <a:cs typeface="+mn-cs"/>
-              </a:rPr>
-              <a:t>Vue</a:t>
-            </a:r>
-            <a:r>
-              <a:rPr lang="en-US" altLang="zh-CN" sz="1200" b="0" i="0" kern="1200" dirty="0" smtClean="0">
-                <a:solidFill>
-                  <a:schemeClr val="tx1"/>
-                </a:solidFill>
-                <a:effectLst/>
-                <a:latin typeface="+mn-lt"/>
-                <a:ea typeface="微软雅黑" panose="020B0503020204020204" pitchFamily="34" charset="-122"/>
-                <a:cs typeface="+mn-cs"/>
-              </a:rPr>
-              <a:t> </a:t>
-            </a:r>
-            <a:r>
-              <a:rPr lang="zh-CN" altLang="en-US" sz="1200" b="0" i="0" kern="1200" dirty="0" smtClean="0">
-                <a:solidFill>
-                  <a:schemeClr val="tx1"/>
-                </a:solidFill>
-                <a:effectLst/>
-                <a:latin typeface="+mn-lt"/>
-                <a:ea typeface="微软雅黑" panose="020B0503020204020204" pitchFamily="34" charset="-122"/>
-                <a:cs typeface="+mn-cs"/>
-              </a:rPr>
-              <a:t>实例中定义的方法：</a:t>
-            </a:r>
-            <a:endParaRPr lang="en-US" altLang="zh-CN" dirty="0" smtClean="0"/>
-          </a:p>
-          <a:p>
+              <a:t>v-for</a:t>
+            </a:r>
             <a:r>
               <a:rPr lang="zh-CN" altLang="en-US" dirty="0" smtClean="0"/>
-              <a:t>注意在 </a:t>
-            </a:r>
-            <a:r>
-              <a:rPr lang="en-US" altLang="zh-CN" dirty="0" err="1" smtClean="0"/>
-              <a:t>reverseMessage</a:t>
-            </a:r>
-            <a:r>
-              <a:rPr lang="zh-CN" altLang="en-US" dirty="0" smtClean="0"/>
-              <a:t> 方法中，我们更新了应用的状态，但没有触碰 </a:t>
-            </a:r>
-            <a:r>
-              <a:rPr lang="en-US" altLang="zh-CN" dirty="0" smtClean="0"/>
-              <a:t>DOM——</a:t>
-            </a:r>
-            <a:r>
-              <a:rPr lang="zh-CN" altLang="en-US" dirty="0" smtClean="0"/>
-              <a:t>所有的 </a:t>
-            </a:r>
-            <a:r>
-              <a:rPr lang="en-US" altLang="zh-CN" dirty="0" smtClean="0"/>
-              <a:t>DOM </a:t>
-            </a:r>
-            <a:r>
-              <a:rPr lang="zh-CN" altLang="en-US" dirty="0" smtClean="0"/>
-              <a:t>操作都由 </a:t>
-            </a:r>
-            <a:r>
-              <a:rPr lang="en-US" altLang="zh-CN" dirty="0" err="1" smtClean="0"/>
-              <a:t>Vue</a:t>
-            </a:r>
-            <a:r>
-              <a:rPr lang="en-US" altLang="zh-CN" dirty="0" smtClean="0"/>
-              <a:t> </a:t>
-            </a:r>
-            <a:r>
-              <a:rPr lang="zh-CN" altLang="en-US" dirty="0" smtClean="0"/>
-              <a:t>来处理，</a:t>
-            </a:r>
-            <a:endParaRPr lang="en-US" altLang="zh-CN" dirty="0" smtClean="0"/>
-          </a:p>
-          <a:p>
-            <a:r>
-              <a:rPr lang="zh-CN" altLang="en-US" dirty="0" smtClean="0"/>
-              <a:t>你编写的代码不需要关注底层逻辑。</a:t>
-            </a:r>
-            <a:endParaRPr lang="en-US" altLang="zh-CN" dirty="0" smtClean="0"/>
-          </a:p>
-          <a:p>
-            <a:r>
-              <a:rPr lang="en-US" altLang="zh-CN" dirty="0" err="1" smtClean="0"/>
-              <a:t>Vue</a:t>
-            </a:r>
-            <a:r>
-              <a:rPr lang="en-US" altLang="zh-CN" dirty="0" smtClean="0"/>
-              <a:t> </a:t>
-            </a:r>
-            <a:r>
-              <a:rPr lang="zh-CN" altLang="en-US" dirty="0" smtClean="0"/>
-              <a:t>还提供了 </a:t>
-            </a:r>
-            <a:r>
-              <a:rPr lang="en-US" altLang="zh-CN" dirty="0" smtClean="0"/>
-              <a:t>v-model</a:t>
-            </a:r>
-            <a:r>
-              <a:rPr lang="zh-CN" altLang="en-US" dirty="0" smtClean="0"/>
-              <a:t> 指令，它能轻松实现表单输入和应用状态之间的双向绑定。</a:t>
+              <a:t> 指令可以绑定数组的数据来渲染一个项目列表：</a:t>
             </a:r>
           </a:p>
           <a:p>
@@ -9921,7 +9899,7 @@
             <a:fld id="{624A9BF4-B422-4A26-A5B5-57536F7ECFCE}" type="slidenum">
               <a:rPr lang="zh-CN" altLang="en-US" smtClean="0"/>
               <a:pPr/>
-              <a:t>34</a:t>
+              <a:t>33</a:t>
             </a:fld>
             <a:endParaRPr lang="zh-CN" altLang="en-US" dirty="0"/>
           </a:p>
@@ -9930,7 +9908,7 @@
     </p:spTree>
     <p:extLst>
       <p:ext uri="{BB962C8B-B14F-4D97-AF65-F5344CB8AC3E}">
-        <p14:creationId xmlns:p14="http://schemas.microsoft.com/office/powerpoint/2010/main" val="3332842064"/>
+        <p14:creationId xmlns:p14="http://schemas.microsoft.com/office/powerpoint/2010/main" val="2849690259"/>
       </p:ext>
     </p:extLst>
   </p:cSld>
@@ -9984,23 +9962,123 @@
           <a:bodyPr/>
           <a:lstStyle/>
           <a:p>
-            <a:pPr marL="0" marR="0" indent="0" algn="l" defTabSz="914400" rtl="0" eaLnBrk="1" fontAlgn="auto" latinLnBrk="0" hangingPunct="1">
-              <a:lnSpc>
-                <a:spcPct val="100000"/>
-              </a:lnSpc>
-              <a:spcBef>
-                <a:spcPts val="0"/>
-              </a:spcBef>
-              <a:spcAft>
-                <a:spcPts val="0"/>
-              </a:spcAft>
-              <a:buClrTx/>
-              <a:buSzTx/>
-              <a:buFontTx/>
-              <a:buNone/>
-              <a:tabLst/>
-              <a:defRPr/>
-            </a:pPr>
+            <a:r>
+              <a:rPr lang="zh-CN" altLang="en-US" sz="1200" b="0" i="0" kern="1200" dirty="0" smtClean="0">
+                <a:solidFill>
+                  <a:schemeClr val="tx1"/>
+                </a:solidFill>
+                <a:effectLst/>
+                <a:latin typeface="+mn-lt"/>
+                <a:ea typeface="微软雅黑" panose="020B0503020204020204" pitchFamily="34" charset="-122"/>
+                <a:cs typeface="+mn-cs"/>
+              </a:rPr>
+              <a:t>我们可以用 </a:t>
+            </a:r>
+            <a:r>
+              <a:rPr lang="en-US" altLang="zh-CN" dirty="0" smtClean="0"/>
+              <a:t>v-on</a:t>
+            </a:r>
+            <a:r>
+              <a:rPr lang="zh-CN" altLang="en-US" sz="1200" b="0" i="0" kern="1200" dirty="0" smtClean="0">
+                <a:solidFill>
+                  <a:schemeClr val="tx1"/>
+                </a:solidFill>
+                <a:effectLst/>
+                <a:latin typeface="+mn-lt"/>
+                <a:ea typeface="微软雅黑" panose="020B0503020204020204" pitchFamily="34" charset="-122"/>
+                <a:cs typeface="+mn-cs"/>
+              </a:rPr>
+              <a:t> 指令绑定一个事件监听器，通过它调用我们 </a:t>
+            </a:r>
+            <a:r>
+              <a:rPr lang="en-US" altLang="zh-CN" sz="1200" b="0" i="0" kern="1200" dirty="0" err="1" smtClean="0">
+                <a:solidFill>
+                  <a:schemeClr val="tx1"/>
+                </a:solidFill>
+                <a:effectLst/>
+                <a:latin typeface="+mn-lt"/>
+                <a:ea typeface="微软雅黑" panose="020B0503020204020204" pitchFamily="34" charset="-122"/>
+                <a:cs typeface="+mn-cs"/>
+              </a:rPr>
+              <a:t>Vue</a:t>
+            </a:r>
+            <a:r>
+              <a:rPr lang="en-US" altLang="zh-CN" sz="1200" b="0" i="0" kern="1200" dirty="0" smtClean="0">
+                <a:solidFill>
+                  <a:schemeClr val="tx1"/>
+                </a:solidFill>
+                <a:effectLst/>
+                <a:latin typeface="+mn-lt"/>
+                <a:ea typeface="微软雅黑" panose="020B0503020204020204" pitchFamily="34" charset="-122"/>
+                <a:cs typeface="+mn-cs"/>
+              </a:rPr>
+              <a:t> </a:t>
+            </a:r>
+            <a:r>
+              <a:rPr lang="zh-CN" altLang="en-US" sz="1200" b="0" i="0" kern="1200" dirty="0" smtClean="0">
+                <a:solidFill>
+                  <a:schemeClr val="tx1"/>
+                </a:solidFill>
+                <a:effectLst/>
+                <a:latin typeface="+mn-lt"/>
+                <a:ea typeface="微软雅黑" panose="020B0503020204020204" pitchFamily="34" charset="-122"/>
+                <a:cs typeface="+mn-cs"/>
+              </a:rPr>
+              <a:t>实例中定义的方法：</a:t>
+            </a:r>
+            <a:endParaRPr lang="en-US" altLang="zh-CN" dirty="0" smtClean="0"/>
+          </a:p>
+          <a:p>
+            <a:r>
+              <a:rPr lang="zh-CN" altLang="en-US" dirty="0" smtClean="0"/>
+              <a:t>注意在 </a:t>
+            </a:r>
+            <a:r>
+              <a:rPr lang="en-US" altLang="zh-CN" dirty="0" err="1" smtClean="0"/>
+              <a:t>reverseMessage</a:t>
+            </a:r>
+            <a:r>
+              <a:rPr lang="zh-CN" altLang="en-US" dirty="0" smtClean="0"/>
+              <a:t> 方法中，我们更新了应用的状态，但没有触碰 </a:t>
+            </a:r>
+            <a:r>
+              <a:rPr lang="en-US" altLang="zh-CN" dirty="0" smtClean="0"/>
+              <a:t>DOM——</a:t>
+            </a:r>
+            <a:r>
+              <a:rPr lang="zh-CN" altLang="en-US" dirty="0" smtClean="0"/>
+              <a:t>所有的 </a:t>
+            </a:r>
+            <a:r>
+              <a:rPr lang="en-US" altLang="zh-CN" dirty="0" smtClean="0"/>
+              <a:t>DOM </a:t>
+            </a:r>
+            <a:r>
+              <a:rPr lang="zh-CN" altLang="en-US" dirty="0" smtClean="0"/>
+              <a:t>操作都由 </a:t>
+            </a:r>
+            <a:r>
+              <a:rPr lang="en-US" altLang="zh-CN" dirty="0" err="1" smtClean="0"/>
+              <a:t>Vue</a:t>
+            </a:r>
+            <a:r>
+              <a:rPr lang="en-US" altLang="zh-CN" dirty="0" smtClean="0"/>
+              <a:t> </a:t>
+            </a:r>
+            <a:r>
+              <a:rPr lang="zh-CN" altLang="en-US" dirty="0" smtClean="0"/>
+              <a:t>来处理，</a:t>
+            </a:r>
+            <a:endParaRPr lang="en-US" altLang="zh-CN" dirty="0" smtClean="0"/>
+          </a:p>
+          <a:p>
+            <a:r>
+              <a:rPr lang="zh-CN" altLang="en-US" dirty="0" smtClean="0"/>
+              <a:t>你编写的代码不需要关注底层逻辑。</a:t>
+            </a:r>
+            <a:endParaRPr lang="en-US" altLang="zh-CN" dirty="0" smtClean="0"/>
+          </a:p>
+          <a:p>
             <a:r>
               <a:rPr lang="en-US" altLang="zh-CN" dirty="0" err="1" smtClean="0"/>
               <a:t>Vue</a:t>
@@ -10045,7 +10123,7 @@
             <a:fld id="{624A9BF4-B422-4A26-A5B5-57536F7ECFCE}" type="slidenum">
               <a:rPr lang="zh-CN" altLang="en-US" smtClean="0"/>
               <a:pPr/>
-              <a:t>35</a:t>
+              <a:t>34</a:t>
             </a:fld>
             <a:endParaRPr lang="zh-CN" altLang="en-US" dirty="0"/>
           </a:p>
@@ -10054,7 +10132,7 @@
     </p:spTree>
     <p:extLst>
       <p:ext uri="{BB962C8B-B14F-4D97-AF65-F5344CB8AC3E}">
-        <p14:creationId xmlns:p14="http://schemas.microsoft.com/office/powerpoint/2010/main" val="2954901748"/>
+        <p14:creationId xmlns:p14="http://schemas.microsoft.com/office/powerpoint/2010/main" val="3332842064"/>
       </p:ext>
     </p:extLst>
   </p:cSld>
@@ -10107,6 +10185,326 @@
         <p:txBody>
           <a:bodyPr/>
           <a:lstStyle/>
+          <a:p>
+            <a:r>
+              <a:rPr lang="zh-CN" altLang="en-US" sz="1200" b="0" i="0" kern="1200" dirty="0" smtClean="0">
+                <a:solidFill>
+                  <a:schemeClr val="tx1"/>
+                </a:solidFill>
+                <a:effectLst/>
+                <a:latin typeface="+mn-lt"/>
+                <a:ea typeface="微软雅黑" panose="020B0503020204020204" pitchFamily="34" charset="-122"/>
+                <a:cs typeface="+mn-cs"/>
+              </a:rPr>
+              <a:t>数据请求和数据操作在</a:t>
+            </a:r>
+            <a:r>
+              <a:rPr lang="en-US" altLang="zh-CN" sz="1200" b="0" i="0" kern="1200" dirty="0" smtClean="0">
+                <a:solidFill>
+                  <a:schemeClr val="tx1"/>
+                </a:solidFill>
+                <a:effectLst/>
+                <a:latin typeface="+mn-lt"/>
+                <a:ea typeface="微软雅黑" panose="020B0503020204020204" pitchFamily="34" charset="-122"/>
+                <a:cs typeface="+mn-cs"/>
+              </a:rPr>
+              <a:t>model</a:t>
+            </a:r>
+            <a:r>
+              <a:rPr lang="zh-CN" altLang="en-US" sz="1200" b="0" i="0" kern="1200" dirty="0" smtClean="0">
+                <a:solidFill>
+                  <a:schemeClr val="tx1"/>
+                </a:solidFill>
+                <a:effectLst/>
+                <a:latin typeface="+mn-lt"/>
+                <a:ea typeface="微软雅黑" panose="020B0503020204020204" pitchFamily="34" charset="-122"/>
+                <a:cs typeface="+mn-cs"/>
+              </a:rPr>
+              <a:t>中，对视图的操作和改变放在</a:t>
+            </a:r>
+            <a:r>
+              <a:rPr lang="en-US" altLang="zh-CN" sz="1200" b="0" i="0" kern="1200" dirty="0" smtClean="0">
+                <a:solidFill>
+                  <a:schemeClr val="tx1"/>
+                </a:solidFill>
+                <a:effectLst/>
+                <a:latin typeface="+mn-lt"/>
+                <a:ea typeface="微软雅黑" panose="020B0503020204020204" pitchFamily="34" charset="-122"/>
+                <a:cs typeface="+mn-cs"/>
+              </a:rPr>
+              <a:t>view</a:t>
+            </a:r>
+            <a:r>
+              <a:rPr lang="zh-CN" altLang="en-US" sz="1200" b="0" i="0" kern="1200" dirty="0" smtClean="0">
+                <a:solidFill>
+                  <a:schemeClr val="tx1"/>
+                </a:solidFill>
+                <a:effectLst/>
+                <a:latin typeface="+mn-lt"/>
+                <a:ea typeface="微软雅黑" panose="020B0503020204020204" pitchFamily="34" charset="-122"/>
+                <a:cs typeface="+mn-cs"/>
+              </a:rPr>
+              <a:t>中，事件绑定在</a:t>
+            </a:r>
+            <a:r>
+              <a:rPr lang="en-US" altLang="zh-CN" sz="1200" b="0" i="0" kern="1200" dirty="0" smtClean="0">
+                <a:solidFill>
+                  <a:schemeClr val="tx1"/>
+                </a:solidFill>
+                <a:effectLst/>
+                <a:latin typeface="+mn-lt"/>
+                <a:ea typeface="微软雅黑" panose="020B0503020204020204" pitchFamily="34" charset="-122"/>
+                <a:cs typeface="+mn-cs"/>
+              </a:rPr>
+              <a:t>controller</a:t>
+            </a:r>
+            <a:r>
+              <a:rPr lang="zh-CN" altLang="en-US" sz="1200" b="0" i="0" kern="1200" dirty="0" smtClean="0">
+                <a:solidFill>
+                  <a:schemeClr val="tx1"/>
+                </a:solidFill>
+                <a:effectLst/>
+                <a:latin typeface="+mn-lt"/>
+                <a:ea typeface="微软雅黑" panose="020B0503020204020204" pitchFamily="34" charset="-122"/>
+                <a:cs typeface="+mn-cs"/>
+              </a:rPr>
+              <a:t>中，这样做的好处是</a:t>
+            </a:r>
+            <a:endParaRPr lang="en-US" altLang="zh-CN" sz="1200" b="0" i="0" kern="1200" dirty="0" smtClean="0">
+              <a:solidFill>
+                <a:schemeClr val="tx1"/>
+              </a:solidFill>
+              <a:effectLst/>
+              <a:latin typeface="+mn-lt"/>
+              <a:ea typeface="微软雅黑" panose="020B0503020204020204" pitchFamily="34" charset="-122"/>
+              <a:cs typeface="+mn-cs"/>
+            </a:endParaRPr>
+          </a:p>
+          <a:p>
+            <a:r>
+              <a:rPr lang="en-US" altLang="zh-CN" sz="1200" b="0" i="0" kern="1200" dirty="0" smtClean="0">
+                <a:solidFill>
+                  <a:schemeClr val="tx1"/>
+                </a:solidFill>
+                <a:effectLst/>
+                <a:latin typeface="+mn-lt"/>
+                <a:ea typeface="微软雅黑" panose="020B0503020204020204" pitchFamily="34" charset="-122"/>
+                <a:cs typeface="+mn-cs"/>
+              </a:rPr>
+              <a:t>1.</a:t>
+            </a:r>
+            <a:r>
+              <a:rPr lang="zh-CN" altLang="en-US" sz="1200" b="0" i="0" kern="1200" dirty="0" smtClean="0">
+                <a:solidFill>
+                  <a:schemeClr val="tx1"/>
+                </a:solidFill>
+                <a:effectLst/>
+                <a:latin typeface="+mn-lt"/>
+                <a:ea typeface="微软雅黑" panose="020B0503020204020204" pitchFamily="34" charset="-122"/>
+                <a:cs typeface="+mn-cs"/>
+              </a:rPr>
+              <a:t>可以由不同的人一起推动</a:t>
+            </a:r>
+            <a:r>
+              <a:rPr lang="en-US" altLang="zh-CN" sz="1200" b="0" i="0" kern="1200" dirty="0" smtClean="0">
+                <a:solidFill>
+                  <a:schemeClr val="tx1"/>
+                </a:solidFill>
+                <a:effectLst/>
+                <a:latin typeface="+mn-lt"/>
+                <a:ea typeface="微软雅黑" panose="020B0503020204020204" pitchFamily="34" charset="-122"/>
+                <a:cs typeface="+mn-cs"/>
+              </a:rPr>
+              <a:t>view</a:t>
+            </a:r>
+            <a:r>
+              <a:rPr lang="zh-CN" altLang="en-US" sz="1200" b="0" i="0" kern="1200" dirty="0" smtClean="0">
+                <a:solidFill>
+                  <a:schemeClr val="tx1"/>
+                </a:solidFill>
+                <a:effectLst/>
+                <a:latin typeface="+mn-lt"/>
+                <a:ea typeface="微软雅黑" panose="020B0503020204020204" pitchFamily="34" charset="-122"/>
+                <a:cs typeface="+mn-cs"/>
+              </a:rPr>
+              <a:t>和</a:t>
+            </a:r>
+            <a:r>
+              <a:rPr lang="en-US" altLang="zh-CN" sz="1200" b="0" i="0" kern="1200" dirty="0" smtClean="0">
+                <a:solidFill>
+                  <a:schemeClr val="tx1"/>
+                </a:solidFill>
+                <a:effectLst/>
+                <a:latin typeface="+mn-lt"/>
+                <a:ea typeface="微软雅黑" panose="020B0503020204020204" pitchFamily="34" charset="-122"/>
+                <a:cs typeface="+mn-cs"/>
+              </a:rPr>
+              <a:t>controller</a:t>
+            </a:r>
+            <a:r>
+              <a:rPr lang="zh-CN" altLang="en-US" sz="1200" b="0" i="0" kern="1200" dirty="0" smtClean="0">
+                <a:solidFill>
+                  <a:schemeClr val="tx1"/>
+                </a:solidFill>
+                <a:effectLst/>
+                <a:latin typeface="+mn-lt"/>
+                <a:ea typeface="微软雅黑" panose="020B0503020204020204" pitchFamily="34" charset="-122"/>
+                <a:cs typeface="+mn-cs"/>
+              </a:rPr>
+              <a:t>的开发，而不用关心对方是怎么实现的，只要实现自己内部的功能并抛出事件或者方法，只要约定好数据格式就好，就像前台和后台交互约定数据格式一样。</a:t>
+            </a:r>
+            <a:endParaRPr lang="en-US" altLang="zh-CN" sz="1200" b="0" i="0" kern="1200" dirty="0" smtClean="0">
+              <a:solidFill>
+                <a:schemeClr val="tx1"/>
+              </a:solidFill>
+              <a:effectLst/>
+              <a:latin typeface="+mn-lt"/>
+              <a:ea typeface="微软雅黑" panose="020B0503020204020204" pitchFamily="34" charset="-122"/>
+              <a:cs typeface="+mn-cs"/>
+            </a:endParaRPr>
+          </a:p>
+          <a:p>
+            <a:r>
+              <a:rPr lang="en-US" altLang="zh-CN" sz="1200" b="0" i="0" kern="1200" dirty="0" smtClean="0">
+                <a:solidFill>
+                  <a:schemeClr val="tx1"/>
+                </a:solidFill>
+                <a:effectLst/>
+                <a:latin typeface="+mn-lt"/>
+                <a:ea typeface="微软雅黑" panose="020B0503020204020204" pitchFamily="34" charset="-122"/>
+                <a:cs typeface="+mn-cs"/>
+              </a:rPr>
+              <a:t>2.</a:t>
+            </a:r>
+            <a:r>
+              <a:rPr lang="zh-CN" altLang="en-US" sz="1200" b="0" i="0" kern="1200" dirty="0" smtClean="0">
+                <a:solidFill>
+                  <a:schemeClr val="tx1"/>
+                </a:solidFill>
+                <a:effectLst/>
+                <a:latin typeface="+mn-lt"/>
+                <a:ea typeface="微软雅黑" panose="020B0503020204020204" pitchFamily="34" charset="-122"/>
+                <a:cs typeface="+mn-cs"/>
+              </a:rPr>
+              <a:t>可以灵活应变多变的业务需求，因为事件绑定和事件回调函数都是在</a:t>
+            </a:r>
+            <a:r>
+              <a:rPr lang="en-US" altLang="zh-CN" sz="1200" b="0" i="0" kern="1200" dirty="0" smtClean="0">
+                <a:solidFill>
+                  <a:schemeClr val="tx1"/>
+                </a:solidFill>
+                <a:effectLst/>
+                <a:latin typeface="+mn-lt"/>
+                <a:ea typeface="微软雅黑" panose="020B0503020204020204" pitchFamily="34" charset="-122"/>
+                <a:cs typeface="+mn-cs"/>
+              </a:rPr>
+              <a:t>controller</a:t>
+            </a:r>
+            <a:r>
+              <a:rPr lang="zh-CN" altLang="en-US" sz="1200" b="0" i="0" kern="1200" dirty="0" smtClean="0">
+                <a:solidFill>
+                  <a:schemeClr val="tx1"/>
+                </a:solidFill>
+                <a:effectLst/>
+                <a:latin typeface="+mn-lt"/>
+                <a:ea typeface="微软雅黑" panose="020B0503020204020204" pitchFamily="34" charset="-122"/>
+                <a:cs typeface="+mn-cs"/>
+              </a:rPr>
+              <a:t>里面，它做的就是决定什么事件被抛出时，应该调用哪个操作方法。</a:t>
+            </a:r>
+            <a:endParaRPr lang="en-US" altLang="zh-CN" sz="1200" b="0" i="0" kern="1200" dirty="0" smtClean="0">
+              <a:solidFill>
+                <a:schemeClr val="tx1"/>
+              </a:solidFill>
+              <a:effectLst/>
+              <a:latin typeface="+mn-lt"/>
+              <a:ea typeface="微软雅黑" panose="020B0503020204020204" pitchFamily="34" charset="-122"/>
+              <a:cs typeface="+mn-cs"/>
+            </a:endParaRPr>
+          </a:p>
+          <a:p>
+            <a:r>
+              <a:rPr lang="en-US" altLang="zh-CN" sz="1200" b="0" i="0" kern="1200" dirty="0" smtClean="0">
+                <a:solidFill>
+                  <a:schemeClr val="tx1"/>
+                </a:solidFill>
+                <a:effectLst/>
+                <a:latin typeface="+mn-lt"/>
+                <a:ea typeface="微软雅黑" panose="020B0503020204020204" pitchFamily="34" charset="-122"/>
+                <a:cs typeface="+mn-cs"/>
+              </a:rPr>
+              <a:t>3.</a:t>
+            </a:r>
+            <a:r>
+              <a:rPr lang="zh-CN" altLang="en-US" sz="1200" b="0" i="0" kern="1200" dirty="0" smtClean="0">
+                <a:solidFill>
+                  <a:schemeClr val="tx1"/>
+                </a:solidFill>
+                <a:effectLst/>
+                <a:latin typeface="+mn-lt"/>
+                <a:ea typeface="微软雅黑" panose="020B0503020204020204" pitchFamily="34" charset="-122"/>
+                <a:cs typeface="+mn-cs"/>
+              </a:rPr>
+              <a:t>可以方便地卸载，装载以及修改各个特性，装载，就是在</a:t>
+            </a:r>
+            <a:r>
+              <a:rPr lang="en-US" altLang="zh-CN" sz="1200" b="0" i="0" kern="1200" dirty="0" smtClean="0">
+                <a:solidFill>
+                  <a:schemeClr val="tx1"/>
+                </a:solidFill>
+                <a:effectLst/>
+                <a:latin typeface="+mn-lt"/>
+                <a:ea typeface="微软雅黑" panose="020B0503020204020204" pitchFamily="34" charset="-122"/>
+                <a:cs typeface="+mn-cs"/>
+              </a:rPr>
+              <a:t>model/view</a:t>
+            </a:r>
+            <a:r>
+              <a:rPr lang="zh-CN" altLang="en-US" sz="1200" b="0" i="0" kern="1200" dirty="0" smtClean="0">
+                <a:solidFill>
+                  <a:schemeClr val="tx1"/>
+                </a:solidFill>
+                <a:effectLst/>
+                <a:latin typeface="+mn-lt"/>
+                <a:ea typeface="微软雅黑" panose="020B0503020204020204" pitchFamily="34" charset="-122"/>
+                <a:cs typeface="+mn-cs"/>
+              </a:rPr>
+              <a:t>中提供实现该特性的方法，在</a:t>
+            </a:r>
+            <a:r>
+              <a:rPr lang="en-US" altLang="zh-CN" sz="1200" b="0" i="0" kern="1200" dirty="0" smtClean="0">
+                <a:solidFill>
+                  <a:schemeClr val="tx1"/>
+                </a:solidFill>
+                <a:effectLst/>
+                <a:latin typeface="+mn-lt"/>
+                <a:ea typeface="微软雅黑" panose="020B0503020204020204" pitchFamily="34" charset="-122"/>
+                <a:cs typeface="+mn-cs"/>
+              </a:rPr>
+              <a:t>controller</a:t>
+            </a:r>
+            <a:r>
+              <a:rPr lang="zh-CN" altLang="en-US" sz="1200" b="0" i="0" kern="1200" dirty="0" smtClean="0">
+                <a:solidFill>
+                  <a:schemeClr val="tx1"/>
+                </a:solidFill>
+                <a:effectLst/>
+                <a:latin typeface="+mn-lt"/>
+                <a:ea typeface="微软雅黑" panose="020B0503020204020204" pitchFamily="34" charset="-122"/>
+                <a:cs typeface="+mn-cs"/>
+              </a:rPr>
+              <a:t>中把该方法和调用时机连接起来即可，卸载就是把事件解除绑定。修改就是可以决定事件被抛出时调用哪种方法。</a:t>
+            </a:r>
+            <a:endParaRPr lang="en-US" altLang="zh-CN" sz="1200" b="0" i="0" kern="1200" dirty="0" smtClean="0">
+              <a:solidFill>
+                <a:schemeClr val="tx1"/>
+              </a:solidFill>
+              <a:effectLst/>
+              <a:latin typeface="+mn-lt"/>
+              <a:ea typeface="微软雅黑" panose="020B0503020204020204" pitchFamily="34" charset="-122"/>
+              <a:cs typeface="+mn-cs"/>
+            </a:endParaRPr>
+          </a:p>
           <a:p>
             <a:r>
               <a:rPr lang="en-US" altLang="zh-CN" sz="1200" b="0" i="0" kern="1200" dirty="0" smtClean="0">
@@ -10630,75 +11028,6 @@
           <a:bodyPr/>
           <a:lstStyle/>
           <a:p>
-            <a:r>
-              <a:rPr lang="zh-CN" altLang="en-US" dirty="0" smtClean="0"/>
-              <a:t>组件系统是 </a:t>
-            </a:r>
-            <a:r>
-              <a:rPr lang="en-US" altLang="zh-CN" dirty="0" err="1" smtClean="0"/>
-              <a:t>Vue</a:t>
-            </a:r>
-            <a:r>
-              <a:rPr lang="en-US" altLang="zh-CN" dirty="0" smtClean="0"/>
-              <a:t> </a:t>
-            </a:r>
-            <a:r>
-              <a:rPr lang="zh-CN" altLang="en-US" dirty="0" smtClean="0"/>
-              <a:t>的另一个重要概念，因为它是一种抽象，允许我们使用小型、自包含和通常可复用的组件</a:t>
-            </a:r>
-            <a:endParaRPr lang="en-US" altLang="zh-CN" dirty="0" smtClean="0"/>
-          </a:p>
-          <a:p>
-            <a:r>
-              <a:rPr lang="zh-CN" altLang="en-US" dirty="0" smtClean="0"/>
-              <a:t>构建大型应用。仔细想想，几乎任意类型的应用界面都可以抽象为一个组件树：</a:t>
-            </a:r>
-            <a:endParaRPr lang="en-US" altLang="zh-CN" dirty="0" smtClean="0"/>
-          </a:p>
-          <a:p>
-            <a:r>
-              <a:rPr lang="zh-CN" altLang="en-US" dirty="0" smtClean="0"/>
-              <a:t>在 </a:t>
-            </a:r>
-            <a:r>
-              <a:rPr lang="en-US" altLang="zh-CN" dirty="0" err="1" smtClean="0"/>
-              <a:t>Vue</a:t>
-            </a:r>
-            <a:r>
-              <a:rPr lang="en-US" altLang="zh-CN" dirty="0" smtClean="0"/>
-              <a:t> </a:t>
-            </a:r>
-            <a:r>
-              <a:rPr lang="zh-CN" altLang="en-US" dirty="0" smtClean="0"/>
-              <a:t>里，一个组件本质上是一个拥有预定义选项的一个 </a:t>
-            </a:r>
-            <a:r>
-              <a:rPr lang="en-US" altLang="zh-CN" dirty="0" err="1" smtClean="0"/>
-              <a:t>Vue</a:t>
-            </a:r>
-            <a:r>
-              <a:rPr lang="en-US" altLang="zh-CN" dirty="0" smtClean="0"/>
-              <a:t> </a:t>
-            </a:r>
-            <a:r>
-              <a:rPr lang="zh-CN" altLang="en-US" dirty="0" smtClean="0"/>
-              <a:t>实例，在 </a:t>
-            </a:r>
-            <a:r>
-              <a:rPr lang="en-US" altLang="zh-CN" dirty="0" err="1" smtClean="0"/>
-              <a:t>Vue</a:t>
-            </a:r>
-            <a:r>
-              <a:rPr lang="en-US" altLang="zh-CN" dirty="0" smtClean="0"/>
-              <a:t> </a:t>
-            </a:r>
-            <a:r>
-              <a:rPr lang="zh-CN" altLang="en-US" dirty="0" smtClean="0"/>
-              <a:t>中注册组件很简单：</a:t>
-            </a:r>
-            <a:endParaRPr lang="en-US" altLang="zh-CN" dirty="0" smtClean="0"/>
-          </a:p>
-          <a:p>
             <a:pPr marL="0" marR="0" indent="0" algn="l" defTabSz="914400" rtl="0" eaLnBrk="1" fontAlgn="auto" latinLnBrk="0" hangingPunct="1">
               <a:lnSpc>
                 <a:spcPct val="100000"/>
@@ -10717,12 +11046,25 @@
               <a:defRPr/>
             </a:pPr>
             <a:r>
+              <a:rPr lang="en-US" altLang="zh-CN" dirty="0" err="1" smtClean="0"/>
+              <a:t>Vue</a:t>
+            </a:r>
+            <a:r>
+              <a:rPr lang="en-US" altLang="zh-CN" dirty="0" smtClean="0"/>
+              <a:t> </a:t>
+            </a:r>
+            <a:r>
               <a:rPr lang="zh-CN" altLang="en-US" dirty="0" smtClean="0"/>
-              <a:t>现在你可以用它构建另一个组件模板：</a:t>
-            </a:r>
-          </a:p>
-          <a:p>
-            <a:endParaRPr lang="zh-CN" altLang="en-US" dirty="0" smtClean="0"/>
+              <a:t>还提供了 </a:t>
+            </a:r>
+            <a:r>
+              <a:rPr lang="en-US" altLang="zh-CN" dirty="0" smtClean="0"/>
+              <a:t>v-model</a:t>
+            </a:r>
+            <a:r>
+              <a:rPr lang="zh-CN" altLang="en-US" dirty="0" smtClean="0"/>
+              <a:t> 指令，它能轻松实现表单输入和应用状态之间的双向绑定。</a:t>
+            </a:r>
           </a:p>
           <a:p>
             <a:endParaRPr lang="zh-CN" altLang="en-US" dirty="0"/>
@@ -10747,7 +11089,7 @@
             <a:fld id="{624A9BF4-B422-4A26-A5B5-57536F7ECFCE}" type="slidenum">
               <a:rPr lang="zh-CN" altLang="en-US" smtClean="0"/>
               <a:pPr/>
-              <a:t>36</a:t>
+              <a:t>35</a:t>
             </a:fld>
             <a:endParaRPr lang="zh-CN" altLang="en-US" dirty="0"/>
           </a:p>
@@ -10756,7 +11098,7 @@
     </p:spTree>
     <p:extLst>
       <p:ext uri="{BB962C8B-B14F-4D97-AF65-F5344CB8AC3E}">
-        <p14:creationId xmlns:p14="http://schemas.microsoft.com/office/powerpoint/2010/main" val="104363096"/>
+        <p14:creationId xmlns:p14="http://schemas.microsoft.com/office/powerpoint/2010/main" val="2954901748"/>
       </p:ext>
     </p:extLst>
   </p:cSld>
@@ -10812,25 +11154,97 @@
           <a:p>
             <a:r>
               <a:rPr lang="zh-CN" altLang="en-US" dirty="0" smtClean="0"/>
-              <a:t>但是这样会为每个待办项渲染同样的文本，这看起来并不炫酷，我们应该能将数据从父作用域传到子组件。</a:t>
+              <a:t>组件系统是 </a:t>
+            </a:r>
+            <a:r>
+              <a:rPr lang="en-US" altLang="zh-CN" dirty="0" err="1" smtClean="0"/>
+              <a:t>Vue</a:t>
+            </a:r>
+            <a:r>
+              <a:rPr lang="en-US" altLang="zh-CN" dirty="0" smtClean="0"/>
+              <a:t> </a:t>
+            </a:r>
+            <a:r>
+              <a:rPr lang="zh-CN" altLang="en-US" dirty="0" smtClean="0"/>
+              <a:t>的另一个重要概念，因为它是一种抽象，允许我们使用小型、自包含和通常可复用的组件</a:t>
             </a:r>
             <a:endParaRPr lang="en-US" altLang="zh-CN" dirty="0" smtClean="0"/>
           </a:p>
           <a:p>
             <a:r>
               <a:rPr lang="zh-CN" altLang="en-US" dirty="0" smtClean="0"/>
-              <a:t>让我们来修改一下组件的定义，使之能够接受一个</a:t>
-            </a:r>
-            <a:r>
-              <a:rPr lang="zh-CN" altLang="en-US" b="1" dirty="0" smtClean="0">
-                <a:hlinkClick r:id="rId3"/>
-              </a:rPr>
-              <a:t>属性</a:t>
-            </a:r>
+              <a:t>构建大型应用。仔细想想，几乎任意类型的应用界面都可以抽象为一个组件树：</a:t>
+            </a:r>
+            <a:endParaRPr lang="en-US" altLang="zh-CN" dirty="0" smtClean="0"/>
+          </a:p>
+          <a:p>
             <a:r>
               <a:rPr lang="zh-CN" altLang="en-US" dirty="0" smtClean="0"/>
-              <a:t>：</a:t>
-            </a:r>
+              <a:t>在 </a:t>
+            </a:r>
+            <a:r>
+              <a:rPr lang="en-US" altLang="zh-CN" dirty="0" err="1" smtClean="0"/>
+              <a:t>Vue</a:t>
+            </a:r>
+            <a:r>
+              <a:rPr lang="en-US" altLang="zh-CN" dirty="0" smtClean="0"/>
+              <a:t> </a:t>
+            </a:r>
+            <a:r>
+              <a:rPr lang="zh-CN" altLang="en-US" dirty="0" smtClean="0"/>
+              <a:t>里，一个组件本质上是一个拥有预定义选项的一个 </a:t>
+            </a:r>
+            <a:r>
+              <a:rPr lang="en-US" altLang="zh-CN" dirty="0" err="1" smtClean="0"/>
+              <a:t>Vue</a:t>
+            </a:r>
+            <a:r>
+              <a:rPr lang="en-US" altLang="zh-CN" dirty="0" smtClean="0"/>
+              <a:t> </a:t>
+            </a:r>
+            <a:r>
+              <a:rPr lang="zh-CN" altLang="en-US" dirty="0" smtClean="0"/>
+              <a:t>实例，在 </a:t>
+            </a:r>
+            <a:r>
+              <a:rPr lang="en-US" altLang="zh-CN" dirty="0" err="1" smtClean="0"/>
+              <a:t>Vue</a:t>
+            </a:r>
+            <a:r>
+              <a:rPr lang="en-US" altLang="zh-CN" dirty="0" smtClean="0"/>
+              <a:t> </a:t>
+            </a:r>
+            <a:r>
+              <a:rPr lang="zh-CN" altLang="en-US" dirty="0" smtClean="0"/>
+              <a:t>中注册组件很简单：</a:t>
+            </a:r>
+            <a:endParaRPr lang="en-US" altLang="zh-CN" dirty="0" smtClean="0"/>
+          </a:p>
+          <a:p>
+            <a:pPr marL="0" marR="0" indent="0" algn="l" defTabSz="914400" rtl="0" eaLnBrk="1" fontAlgn="auto" latinLnBrk="0" hangingPunct="1">
+              <a:lnSpc>
+                <a:spcPct val="100000"/>
+              </a:lnSpc>
+              <a:spcBef>
+                <a:spcPts val="0"/>
+              </a:spcBef>
+              <a:spcAft>
+                <a:spcPts val="0"/>
+              </a:spcAft>
+              <a:buClrTx/>
+              <a:buSzTx/>
+              <a:buFontTx/>
+              <a:buNone/>
+              <a:tabLst/>
+              <a:defRPr/>
+            </a:pPr>
+            <a:r>
+              <a:rPr lang="zh-CN" altLang="en-US" dirty="0" smtClean="0"/>
+              <a:t>现在你可以用它构建另一个组件模板：</a:t>
+            </a:r>
+          </a:p>
+          <a:p>
+            <a:endParaRPr lang="zh-CN" altLang="en-US" dirty="0" smtClean="0"/>
           </a:p>
           <a:p>
             <a:endParaRPr lang="zh-CN" altLang="en-US" dirty="0"/>
@@ -10855,7 +11269,7 @@
             <a:fld id="{624A9BF4-B422-4A26-A5B5-57536F7ECFCE}" type="slidenum">
               <a:rPr lang="zh-CN" altLang="en-US" smtClean="0"/>
               <a:pPr/>
-              <a:t>37</a:t>
+              <a:t>36</a:t>
             </a:fld>
             <a:endParaRPr lang="zh-CN" altLang="en-US" dirty="0"/>
           </a:p>
@@ -10864,7 +11278,7 @@
     </p:spTree>
     <p:extLst>
       <p:ext uri="{BB962C8B-B14F-4D97-AF65-F5344CB8AC3E}">
-        <p14:creationId xmlns:p14="http://schemas.microsoft.com/office/powerpoint/2010/main" val="2402660041"/>
+        <p14:creationId xmlns:p14="http://schemas.microsoft.com/office/powerpoint/2010/main" val="104363096"/>
       </p:ext>
     </p:extLst>
   </p:cSld>
@@ -10918,34 +11332,26 @@
           <a:bodyPr/>
           <a:lstStyle/>
           <a:p>
-            <a:pPr marL="0" marR="0" indent="0" algn="l" defTabSz="914400" rtl="0" eaLnBrk="1" fontAlgn="auto" latinLnBrk="0" hangingPunct="1">
-              <a:lnSpc>
-                <a:spcPct val="100000"/>
-              </a:lnSpc>
-              <a:spcBef>
-                <a:spcPts val="0"/>
-              </a:spcBef>
-              <a:spcAft>
-                <a:spcPts val="0"/>
-              </a:spcAft>
-              <a:buClrTx/>
-              <a:buSzTx/>
-              <a:buFontTx/>
-              <a:buNone/>
-              <a:tabLst/>
-              <a:defRPr/>
-            </a:pPr>
             <a:r>
               <a:rPr lang="zh-CN" altLang="en-US" dirty="0" smtClean="0"/>
-              <a:t>可以使用 </a:t>
-            </a:r>
-            <a:r>
-              <a:rPr lang="en-US" altLang="zh-CN" dirty="0" smtClean="0"/>
-              <a:t>v-bind</a:t>
-            </a:r>
+              <a:t>但是这样会为每个待办项渲染同样的文本，这看起来并不炫酷，我们应该能将数据从父作用域传到子组件。</a:t>
+            </a:r>
+            <a:endParaRPr lang="en-US" altLang="zh-CN" dirty="0" smtClean="0"/>
+          </a:p>
+          <a:p>
             <a:r>
               <a:rPr lang="zh-CN" altLang="en-US" dirty="0" smtClean="0"/>
-              <a:t> 指令将待办项传到每一个重复的组件中：</a:t>
+              <a:t>让我们来修改一下组件的定义，使之能够接受一个</a:t>
+            </a:r>
+            <a:r>
+              <a:rPr lang="zh-CN" altLang="en-US" b="1" dirty="0" smtClean="0">
+                <a:hlinkClick r:id="rId3"/>
+              </a:rPr>
+              <a:t>属性</a:t>
+            </a:r>
+            <a:r>
+              <a:rPr lang="zh-CN" altLang="en-US" dirty="0" smtClean="0"/>
+              <a:t>：</a:t>
             </a:r>
           </a:p>
           <a:p>
@@ -10971,7 +11377,7 @@
             <a:fld id="{624A9BF4-B422-4A26-A5B5-57536F7ECFCE}" type="slidenum">
               <a:rPr lang="zh-CN" altLang="en-US" smtClean="0"/>
               <a:pPr/>
-              <a:t>38</a:t>
+              <a:t>37</a:t>
             </a:fld>
             <a:endParaRPr lang="zh-CN" altLang="en-US" dirty="0"/>
           </a:p>
@@ -10980,7 +11386,7 @@
     </p:spTree>
     <p:extLst>
       <p:ext uri="{BB962C8B-B14F-4D97-AF65-F5344CB8AC3E}">
-        <p14:creationId xmlns:p14="http://schemas.microsoft.com/office/powerpoint/2010/main" val="479522578"/>
+        <p14:creationId xmlns:p14="http://schemas.microsoft.com/office/powerpoint/2010/main" val="2402660041"/>
       </p:ext>
     </p:extLst>
   </p:cSld>
@@ -11034,6 +11440,37 @@
           <a:bodyPr/>
           <a:lstStyle/>
           <a:p>
+            <a:pPr marL="0" marR="0" indent="0" algn="l" defTabSz="914400" rtl="0" eaLnBrk="1" fontAlgn="auto" latinLnBrk="0" hangingPunct="1">
+              <a:lnSpc>
+                <a:spcPct val="100000"/>
+              </a:lnSpc>
+              <a:spcBef>
+                <a:spcPts val="0"/>
+              </a:spcBef>
+              <a:spcAft>
+                <a:spcPts val="0"/>
+              </a:spcAft>
+              <a:buClrTx/>
+              <a:buSzTx/>
+              <a:buFontTx/>
+              <a:buNone/>
+              <a:tabLst/>
+              <a:defRPr/>
+            </a:pPr>
+            <a:r>
+              <a:rPr lang="zh-CN" altLang="en-US" dirty="0" smtClean="0"/>
+              <a:t>可以使用 </a:t>
+            </a:r>
+            <a:r>
+              <a:rPr lang="en-US" altLang="zh-CN" dirty="0" smtClean="0"/>
+              <a:t>v-bind</a:t>
+            </a:r>
+            <a:r>
+              <a:rPr lang="zh-CN" altLang="en-US" dirty="0" smtClean="0"/>
+              <a:t> 指令将待办项传到每一个重复的组件中：</a:t>
+            </a:r>
+          </a:p>
+          <a:p>
             <a:r>
               <a:rPr lang="zh-CN" altLang="en-US" dirty="0" smtClean="0"/>
               <a:t>这只是一个假设的例子，但是我们已经设法将应用分割成了两个更小的单元，子单元通过 </a:t>
@@ -11094,6 +11531,91 @@
               <a:t>不过这里有一个（假想的）使用了组件的应用模板是什么样的例子：</a:t>
             </a:r>
           </a:p>
+          <a:p>
+            <a:endParaRPr lang="zh-CN" altLang="en-US" dirty="0"/>
+          </a:p>
+        </p:txBody>
+      </p:sp>
+      <p:sp>
+        <p:nvSpPr>
+          <p:cNvPr id="4" name="灯片编号占位符 3"/>
+          <p:cNvSpPr>
+            <a:spLocks noGrp="1"/>
+          </p:cNvSpPr>
+          <p:nvPr>
+            <p:ph type="sldNum" sz="quarter" idx="10"/>
+          </p:nvPr>
+        </p:nvSpPr>
+        <p:spPr/>
+        <p:txBody>
+          <a:bodyPr/>
+          <a:lstStyle/>
+          <a:p>
+            <a:fld id="{624A9BF4-B422-4A26-A5B5-57536F7ECFCE}" type="slidenum">
+              <a:rPr lang="zh-CN" altLang="en-US" smtClean="0"/>
+              <a:pPr/>
+              <a:t>38</a:t>
+            </a:fld>
+            <a:endParaRPr lang="zh-CN" altLang="en-US" dirty="0"/>
+          </a:p>
+        </p:txBody>
+      </p:sp>
+    </p:spTree>
+    <p:extLst>
+      <p:ext uri="{BB962C8B-B14F-4D97-AF65-F5344CB8AC3E}">
+        <p14:creationId xmlns:p14="http://schemas.microsoft.com/office/powerpoint/2010/main" val="479522578"/>
+      </p:ext>
+    </p:extLst>
+  </p:cSld>
+  <p:clrMapOvr>
+    <a:masterClrMapping/>
+  </p:clrMapOvr>
+</p:notes>
+</file>
+
+<file path=ppt/notesSlides/notesSlide34.xml><?xml version="1.0" encoding="utf-8"?>
+<p:notes xmlns:a="http://schemas.openxmlformats.org/drawingml/2006/main" xmlns:r="http://schemas.openxmlformats.org/officeDocument/2006/relationships" xmlns:p="http://schemas.openxmlformats.org/presentationml/2006/main">
+  <p:cSld>
+    <p:spTree>
+      <p:nvGrpSpPr>
+        <p:cNvPr id="1" name=""/>
+        <p:cNvGrpSpPr/>
+        <p:nvPr/>
+      </p:nvGrpSpPr>
+      <p:grpSpPr>
+        <a:xfrm>
+          <a:off x="0" y="0"/>
+          <a:ext cx="0" cy="0"/>
+          <a:chOff x="0" y="0"/>
+          <a:chExt cx="0" cy="0"/>
+        </a:xfrm>
+      </p:grpSpPr>
+      <p:sp>
+        <p:nvSpPr>
+          <p:cNvPr id="2" name="幻灯片图像占位符 1"/>
+          <p:cNvSpPr>
+            <a:spLocks noGrp="1" noRot="1" noChangeAspect="1"/>
+          </p:cNvSpPr>
+          <p:nvPr>
+            <p:ph type="sldImg"/>
+          </p:nvPr>
+        </p:nvSpPr>
+        <p:spPr/>
+      </p:sp>
+      <p:sp>
+        <p:nvSpPr>
+          <p:cNvPr id="3" name="备注占位符 2"/>
+          <p:cNvSpPr>
+            <a:spLocks noGrp="1"/>
+          </p:cNvSpPr>
+          <p:nvPr>
+            <p:ph type="body" idx="1"/>
+          </p:nvPr>
+        </p:nvSpPr>
+        <p:spPr/>
+        <p:txBody>
+          <a:bodyPr/>
+          <a:lstStyle/>
           <a:p>
             <a:endParaRPr lang="zh-CN" altLang="en-US" dirty="0" smtClean="0"/>
           </a:p>
@@ -11139,7 +11661,7 @@
 </p:notes>
 </file>
 
-<file path=ppt/notesSlides/notesSlide34.xml><?xml version="1.0" encoding="utf-8"?>
+<file path=ppt/notesSlides/notesSlide35.xml><?xml version="1.0" encoding="utf-8"?>
 <p:notes xmlns:a="http://schemas.openxmlformats.org/drawingml/2006/main" xmlns:r="http://schemas.openxmlformats.org/officeDocument/2006/relationships" xmlns:p="http://schemas.openxmlformats.org/presentationml/2006/main">
   <p:cSld>
     <p:spTree>
@@ -12390,7 +12912,19 @@
                 <a:ea typeface="微软雅黑" panose="020B0503020204020204" pitchFamily="34" charset="-122"/>
                 <a:cs typeface="+mn-cs"/>
               </a:rPr>
-              <a:t>是数据</a:t>
+              <a:t>是数据劫持</a:t>
+            </a:r>
+            <a:r>
+              <a:rPr lang="en-US" altLang="zh-CN" sz="1200" b="0" i="0" kern="1200" dirty="0" smtClean="0">
+                <a:solidFill>
+                  <a:schemeClr val="tx1"/>
+                </a:solidFill>
+                <a:effectLst/>
+                <a:latin typeface="+mn-lt"/>
+                <a:ea typeface="微软雅黑" panose="020B0503020204020204" pitchFamily="34" charset="-122"/>
+                <a:cs typeface="+mn-cs"/>
+              </a:rPr>
+              <a:t>,</a:t>
             </a:r>
             <a:r>
               <a:rPr lang="zh-CN" altLang="en-US" sz="1200" b="0" i="0" kern="1200" dirty="0" smtClean="0">
@@ -12402,19 +12936,19 @@
                 <a:ea typeface="微软雅黑" panose="020B0503020204020204" pitchFamily="34" charset="-122"/>
                 <a:cs typeface="+mn-cs"/>
               </a:rPr>
-              <a:t>劫持</a:t>
-            </a:r>
-            <a:r>
-              <a:rPr lang="en-US" altLang="zh-CN" sz="1200" b="0" i="0" kern="1200" dirty="0" smtClean="0">
-                <a:solidFill>
-                  <a:schemeClr val="tx1"/>
-                </a:solidFill>
-                <a:effectLst/>
-                <a:latin typeface="+mn-lt"/>
-                <a:ea typeface="微软雅黑" panose="020B0503020204020204" pitchFamily="34" charset="-122"/>
-                <a:cs typeface="+mn-cs"/>
-              </a:rPr>
-              <a:t>,</a:t>
+              <a:t>虚拟</a:t>
+            </a:r>
+            <a:r>
+              <a:rPr lang="en-US" altLang="zh-CN" sz="1200" b="0" i="0" kern="1200" dirty="0" err="1" smtClean="0">
+                <a:solidFill>
+                  <a:schemeClr val="tx1"/>
+                </a:solidFill>
+                <a:effectLst/>
+                <a:latin typeface="+mn-lt"/>
+                <a:ea typeface="微软雅黑" panose="020B0503020204020204" pitchFamily="34" charset="-122"/>
+                <a:cs typeface="+mn-cs"/>
+              </a:rPr>
+              <a:t>dom</a:t>
             </a:r>
             <a:r>
               <a:rPr lang="zh-CN" altLang="en-US" sz="1200" b="0" i="0" kern="1200" dirty="0" smtClean="0">
@@ -12426,41 +12960,8 @@
                 <a:ea typeface="微软雅黑" panose="020B0503020204020204" pitchFamily="34" charset="-122"/>
                 <a:cs typeface="+mn-cs"/>
               </a:rPr>
-              <a:t>虚拟</a:t>
-            </a:r>
-            <a:r>
-              <a:rPr lang="en-US" altLang="zh-CN" sz="1200" b="0" i="0" kern="1200" dirty="0" err="1" smtClean="0">
-                <a:solidFill>
-                  <a:schemeClr val="tx1"/>
-                </a:solidFill>
-                <a:effectLst/>
-                <a:latin typeface="+mn-lt"/>
-                <a:ea typeface="微软雅黑" panose="020B0503020204020204" pitchFamily="34" charset="-122"/>
-                <a:cs typeface="+mn-cs"/>
-              </a:rPr>
-              <a:t>dom</a:t>
-            </a:r>
-            <a:r>
-              <a:rPr lang="zh-CN" altLang="en-US" sz="1200" b="0" i="0" kern="1200" dirty="0" smtClean="0">
-                <a:solidFill>
-                  <a:schemeClr val="tx1"/>
-                </a:solidFill>
-                <a:effectLst/>
-                <a:latin typeface="+mn-lt"/>
-                <a:ea typeface="微软雅黑" panose="020B0503020204020204" pitchFamily="34" charset="-122"/>
-                <a:cs typeface="+mn-cs"/>
-              </a:rPr>
               <a:t>有什么用？</a:t>
             </a:r>
-            <a:endParaRPr lang="zh-CN" altLang="en-US" sz="1200" b="0" i="0" kern="1200" dirty="0" smtClean="0">
-              <a:solidFill>
-                <a:schemeClr val="tx1"/>
-              </a:solidFill>
-              <a:effectLst/>
-              <a:latin typeface="+mn-lt"/>
-              <a:ea typeface="微软雅黑" panose="020B0503020204020204" pitchFamily="34" charset="-122"/>
-              <a:cs typeface="+mn-cs"/>
-            </a:endParaRPr>
           </a:p>
           <a:p>
             <a:endParaRPr lang="zh-CN" altLang="en-US" sz="1200" b="0" i="0" kern="1200" dirty="0" smtClean="0">
@@ -12867,6 +13368,23 @@
             </a:endParaRPr>
           </a:p>
           <a:p>
+            <a:pPr marL="0" marR="0" indent="0" algn="l" defTabSz="914400" rtl="0" eaLnBrk="1" fontAlgn="auto" latinLnBrk="0" hangingPunct="1">
+              <a:lnSpc>
+                <a:spcPct val="100000"/>
+              </a:lnSpc>
+              <a:spcBef>
+                <a:spcPts val="0"/>
+              </a:spcBef>
+              <a:spcAft>
+                <a:spcPts val="0"/>
+              </a:spcAft>
+              <a:buClrTx/>
+              <a:buSzTx/>
+              <a:buFontTx/>
+              <a:buNone/>
+              <a:tabLst/>
+              <a:defRPr/>
+            </a:pPr>
             <a:r>
               <a:rPr lang="zh-CN" altLang="en-US" sz="1200" b="0" i="0" kern="1200" baseline="0" dirty="0" smtClean="0">
                 <a:solidFill>
@@ -13081,10 +13599,8 @@
                 <a:ea typeface="微软雅黑" panose="020B0503020204020204" pitchFamily="34" charset="-122"/>
                 <a:cs typeface="+mn-cs"/>
               </a:rPr>
-              <a:t>树。</a:t>
-            </a:r>
-          </a:p>
-          <a:p>
+              <a:t>树</a:t>
+            </a:r>
             <a:r>
               <a:rPr lang="zh-CN" altLang="en-US" sz="1200" b="0" i="0" kern="1200" dirty="0" smtClean="0">
                 <a:solidFill>
@@ -13095,93 +13611,7 @@
                 <a:ea typeface="微软雅黑" panose="020B0503020204020204" pitchFamily="34" charset="-122"/>
                 <a:cs typeface="+mn-cs"/>
               </a:rPr>
-              <a:t>下面来简单说一下虚拟</a:t>
-            </a:r>
-            <a:r>
-              <a:rPr lang="en-US" altLang="zh-CN" sz="1200" b="0" i="0" kern="1200" dirty="0" err="1" smtClean="0">
-                <a:solidFill>
-                  <a:schemeClr val="tx1"/>
-                </a:solidFill>
-                <a:effectLst/>
-                <a:latin typeface="+mn-lt"/>
-                <a:ea typeface="微软雅黑" panose="020B0503020204020204" pitchFamily="34" charset="-122"/>
-                <a:cs typeface="+mn-cs"/>
-              </a:rPr>
-              <a:t>dom</a:t>
-            </a:r>
-            <a:r>
-              <a:rPr lang="zh-CN" altLang="en-US" sz="1200" b="0" i="0" kern="1200" dirty="0" smtClean="0">
-                <a:solidFill>
-                  <a:schemeClr val="tx1"/>
-                </a:solidFill>
-                <a:effectLst/>
-                <a:latin typeface="+mn-lt"/>
-                <a:ea typeface="微软雅黑" panose="020B0503020204020204" pitchFamily="34" charset="-122"/>
-                <a:cs typeface="+mn-cs"/>
-              </a:rPr>
-              <a:t>的实现原理</a:t>
-            </a:r>
-          </a:p>
-          <a:p>
-            <a:r>
-              <a:rPr lang="en-US" altLang="zh-CN" sz="1200" b="0" i="0" kern="1200" dirty="0" smtClean="0">
-                <a:solidFill>
-                  <a:schemeClr val="tx1"/>
-                </a:solidFill>
-                <a:effectLst/>
-                <a:latin typeface="+mn-lt"/>
-                <a:ea typeface="微软雅黑" panose="020B0503020204020204" pitchFamily="34" charset="-122"/>
-                <a:cs typeface="+mn-cs"/>
-              </a:rPr>
-              <a:t>1.</a:t>
-            </a:r>
-            <a:r>
-              <a:rPr lang="zh-CN" altLang="en-US" sz="1200" b="0" i="0" kern="1200" dirty="0" smtClean="0">
-                <a:solidFill>
-                  <a:schemeClr val="tx1"/>
-                </a:solidFill>
-                <a:effectLst/>
-                <a:latin typeface="+mn-lt"/>
-                <a:ea typeface="微软雅黑" panose="020B0503020204020204" pitchFamily="34" charset="-122"/>
-                <a:cs typeface="+mn-cs"/>
-              </a:rPr>
-              <a:t>用</a:t>
-            </a:r>
-            <a:r>
-              <a:rPr lang="en-US" altLang="zh-CN" sz="1200" b="0" i="0" kern="1200" dirty="0" err="1" smtClean="0">
-                <a:solidFill>
-                  <a:schemeClr val="tx1"/>
-                </a:solidFill>
-                <a:effectLst/>
-                <a:latin typeface="+mn-lt"/>
-                <a:ea typeface="微软雅黑" panose="020B0503020204020204" pitchFamily="34" charset="-122"/>
-                <a:cs typeface="+mn-cs"/>
-              </a:rPr>
-              <a:t>js</a:t>
-            </a:r>
-            <a:r>
-              <a:rPr lang="zh-CN" altLang="en-US" sz="1200" b="0" i="0" kern="1200" dirty="0" smtClean="0">
-                <a:solidFill>
-                  <a:schemeClr val="tx1"/>
-                </a:solidFill>
-                <a:effectLst/>
-                <a:latin typeface="+mn-lt"/>
-                <a:ea typeface="微软雅黑" panose="020B0503020204020204" pitchFamily="34" charset="-122"/>
-                <a:cs typeface="+mn-cs"/>
-              </a:rPr>
-              <a:t>对象结构构建一个虚拟</a:t>
-            </a:r>
-            <a:r>
-              <a:rPr lang="en-US" altLang="zh-CN" sz="1200" b="0" i="0" kern="1200" dirty="0" err="1" smtClean="0">
-                <a:solidFill>
-                  <a:schemeClr val="tx1"/>
-                </a:solidFill>
-                <a:effectLst/>
-                <a:latin typeface="+mn-lt"/>
-                <a:ea typeface="微软雅黑" panose="020B0503020204020204" pitchFamily="34" charset="-122"/>
-                <a:cs typeface="+mn-cs"/>
-              </a:rPr>
-              <a:t>dom</a:t>
+              <a:t>。</a:t>
             </a:r>
             <a:endParaRPr lang="en-US" altLang="zh-CN" sz="1200" b="0" i="0" kern="1200" dirty="0" smtClean="0">
               <a:solidFill>
@@ -13194,6 +13624,73 @@
             </a:endParaRPr>
           </a:p>
           <a:p>
+            <a:pPr marL="0" marR="0" indent="0" algn="l" defTabSz="914400" rtl="0" eaLnBrk="1" fontAlgn="auto" latinLnBrk="0" hangingPunct="1">
+              <a:lnSpc>
+                <a:spcPct val="100000"/>
+              </a:lnSpc>
+              <a:spcBef>
+                <a:spcPts val="0"/>
+              </a:spcBef>
+              <a:spcAft>
+                <a:spcPts val="0"/>
+              </a:spcAft>
+              <a:buClrTx/>
+              <a:buSzTx/>
+              <a:buFontTx/>
+              <a:buNone/>
+              <a:tabLst/>
+              <a:defRPr/>
+            </a:pPr>
+            <a:r>
+              <a:rPr lang="zh-CN" altLang="en-US" sz="1200" b="0" i="0" kern="1200" dirty="0" smtClean="0">
+                <a:solidFill>
+                  <a:schemeClr val="tx1"/>
+                </a:solidFill>
+                <a:effectLst/>
+                <a:latin typeface="+mn-lt"/>
+                <a:ea typeface="微软雅黑" panose="020B0503020204020204" pitchFamily="34" charset="-122"/>
+                <a:cs typeface="+mn-cs"/>
+              </a:rPr>
+              <a:t>下面</a:t>
+            </a:r>
+            <a:r>
+              <a:rPr lang="zh-CN" altLang="en-US" sz="1200" b="0" i="0" kern="1200" dirty="0" smtClean="0">
+                <a:solidFill>
+                  <a:schemeClr val="tx1"/>
+                </a:solidFill>
+                <a:effectLst/>
+                <a:latin typeface="+mn-lt"/>
+                <a:ea typeface="微软雅黑" panose="020B0503020204020204" pitchFamily="34" charset="-122"/>
+                <a:cs typeface="+mn-cs"/>
+              </a:rPr>
+              <a:t>来简单说一下虚拟</a:t>
+            </a:r>
+            <a:r>
+              <a:rPr lang="en-US" altLang="zh-CN" sz="1200" b="0" i="0" kern="1200" dirty="0" err="1" smtClean="0">
+                <a:solidFill>
+                  <a:schemeClr val="tx1"/>
+                </a:solidFill>
+                <a:effectLst/>
+                <a:latin typeface="+mn-lt"/>
+                <a:ea typeface="微软雅黑" panose="020B0503020204020204" pitchFamily="34" charset="-122"/>
+                <a:cs typeface="+mn-cs"/>
+              </a:rPr>
+              <a:t>dom</a:t>
+            </a:r>
+            <a:r>
+              <a:rPr lang="zh-CN" altLang="en-US" sz="1200" b="0" i="0" kern="1200" dirty="0" smtClean="0">
+                <a:solidFill>
+                  <a:schemeClr val="tx1"/>
+                </a:solidFill>
+                <a:effectLst/>
+                <a:latin typeface="+mn-lt"/>
+                <a:ea typeface="微软雅黑" panose="020B0503020204020204" pitchFamily="34" charset="-122"/>
+                <a:cs typeface="+mn-cs"/>
+              </a:rPr>
+              <a:t>的实现原理</a:t>
+            </a:r>
+          </a:p>
+          <a:p>
             <a:r>
               <a:rPr lang="en-US" altLang="zh-CN" sz="1200" b="0" i="0" kern="1200" dirty="0" smtClean="0">
                 <a:solidFill>
@@ -13204,7 +13701,7 @@
                 <a:ea typeface="微软雅黑" panose="020B0503020204020204" pitchFamily="34" charset="-122"/>
                 <a:cs typeface="+mn-cs"/>
               </a:rPr>
-              <a:t>2.</a:t>
+              <a:t>1.</a:t>
             </a:r>
             <a:r>
               <a:rPr lang="zh-CN" altLang="en-US" sz="1200" b="0" i="0" kern="1200" dirty="0" smtClean="0">
@@ -13216,7 +13713,7 @@
                 <a:ea typeface="微软雅黑" panose="020B0503020204020204" pitchFamily="34" charset="-122"/>
                 <a:cs typeface="+mn-cs"/>
               </a:rPr>
-              <a:t>根据虚拟</a:t>
+              <a:t>用</a:t>
             </a:r>
             <a:r>
               <a:rPr lang="en-US" altLang="zh-CN" sz="1200" b="0" i="0" kern="1200" dirty="0" err="1" smtClean="0">
@@ -13228,7 +13725,7 @@
                 <a:ea typeface="微软雅黑" panose="020B0503020204020204" pitchFamily="34" charset="-122"/>
                 <a:cs typeface="+mn-cs"/>
               </a:rPr>
-              <a:t>dom</a:t>
+              <a:t>js</a:t>
             </a:r>
             <a:r>
               <a:rPr lang="zh-CN" altLang="en-US" sz="1200" b="0" i="0" kern="1200" dirty="0" smtClean="0">
@@ -13240,7 +13737,7 @@
                 <a:ea typeface="微软雅黑" panose="020B0503020204020204" pitchFamily="34" charset="-122"/>
                 <a:cs typeface="+mn-cs"/>
               </a:rPr>
-              <a:t>生成真实的</a:t>
+              <a:t>对象结构构建一个虚拟</a:t>
             </a:r>
             <a:r>
               <a:rPr lang="en-US" altLang="zh-CN" sz="1200" b="0" i="0" kern="1200" dirty="0" err="1" smtClean="0">
@@ -13275,7 +13772,7 @@
                 <a:ea typeface="微软雅黑" panose="020B0503020204020204" pitchFamily="34" charset="-122"/>
                 <a:cs typeface="+mn-cs"/>
               </a:rPr>
-              <a:t>3.dom</a:t>
+              <a:t>2.</a:t>
             </a:r>
             <a:r>
               <a:rPr lang="zh-CN" altLang="en-US" sz="1200" b="0" i="0" kern="1200" dirty="0" smtClean="0">
@@ -13287,7 +13784,31 @@
                 <a:ea typeface="微软雅黑" panose="020B0503020204020204" pitchFamily="34" charset="-122"/>
                 <a:cs typeface="+mn-cs"/>
               </a:rPr>
-              <a:t>上有状态变化的时候，生成一个新的虚拟</a:t>
+              <a:t>根据虚拟</a:t>
+            </a:r>
+            <a:r>
+              <a:rPr lang="en-US" altLang="zh-CN" sz="1200" b="0" i="0" kern="1200" dirty="0" err="1" smtClean="0">
+                <a:solidFill>
+                  <a:schemeClr val="tx1"/>
+                </a:solidFill>
+                <a:effectLst/>
+                <a:latin typeface="+mn-lt"/>
+                <a:ea typeface="微软雅黑" panose="020B0503020204020204" pitchFamily="34" charset="-122"/>
+                <a:cs typeface="+mn-cs"/>
+              </a:rPr>
+              <a:t>dom</a:t>
+            </a:r>
+            <a:r>
+              <a:rPr lang="zh-CN" altLang="en-US" sz="1200" b="0" i="0" kern="1200" dirty="0" smtClean="0">
+                <a:solidFill>
+                  <a:schemeClr val="tx1"/>
+                </a:solidFill>
+                <a:effectLst/>
+                <a:latin typeface="+mn-lt"/>
+                <a:ea typeface="微软雅黑" panose="020B0503020204020204" pitchFamily="34" charset="-122"/>
+                <a:cs typeface="+mn-cs"/>
+              </a:rPr>
+              <a:t>生成真实的</a:t>
             </a:r>
             <a:r>
               <a:rPr lang="en-US" altLang="zh-CN" sz="1200" b="0" i="0" kern="1200" dirty="0" err="1" smtClean="0">
@@ -13322,6 +13843,70 @@
                 <a:ea typeface="微软雅黑" panose="020B0503020204020204" pitchFamily="34" charset="-122"/>
                 <a:cs typeface="+mn-cs"/>
               </a:rPr>
+              <a:t>3.dom</a:t>
+            </a:r>
+            <a:r>
+              <a:rPr lang="zh-CN" altLang="en-US" sz="1200" b="0" i="0" kern="1200" dirty="0" smtClean="0">
+                <a:solidFill>
+                  <a:schemeClr val="tx1"/>
+                </a:solidFill>
+                <a:effectLst/>
+                <a:latin typeface="+mn-lt"/>
+                <a:ea typeface="微软雅黑" panose="020B0503020204020204" pitchFamily="34" charset="-122"/>
+                <a:cs typeface="+mn-cs"/>
+              </a:rPr>
+              <a:t>上有状态变化的时候，生成一个新的虚拟</a:t>
+            </a:r>
+            <a:r>
+              <a:rPr lang="en-US" altLang="zh-CN" sz="1200" b="0" i="0" kern="1200" dirty="0" err="1" smtClean="0">
+                <a:solidFill>
+                  <a:schemeClr val="tx1"/>
+                </a:solidFill>
+                <a:effectLst/>
+                <a:latin typeface="+mn-lt"/>
+                <a:ea typeface="微软雅黑" panose="020B0503020204020204" pitchFamily="34" charset="-122"/>
+                <a:cs typeface="+mn-cs"/>
+              </a:rPr>
+              <a:t>dom</a:t>
+            </a:r>
+            <a:endParaRPr lang="en-US" altLang="zh-CN" sz="1200" b="0" i="0" kern="1200" dirty="0" smtClean="0">
+              <a:solidFill>
+                <a:schemeClr val="tx1"/>
+              </a:solidFill>
+              <a:effectLst/>
+              <a:latin typeface="+mn-lt"/>
+              <a:ea typeface="微软雅黑" panose="020B0503020204020204" pitchFamily="34" charset="-122"/>
+              <a:cs typeface="+mn-cs"/>
+            </a:endParaRPr>
+          </a:p>
+          <a:p>
+            <a:pPr marL="0" marR="0" indent="0" algn="l" defTabSz="914400" rtl="0" eaLnBrk="1" fontAlgn="auto" latinLnBrk="0" hangingPunct="1">
+              <a:lnSpc>
+                <a:spcPct val="100000"/>
+              </a:lnSpc>
+              <a:spcBef>
+                <a:spcPts val="0"/>
+              </a:spcBef>
+              <a:spcAft>
+                <a:spcPts val="0"/>
+              </a:spcAft>
+              <a:buClrTx/>
+              <a:buSzTx/>
+              <a:buFontTx/>
+              <a:buNone/>
+              <a:tabLst/>
+              <a:defRPr/>
+            </a:pPr>
+            <a:r>
+              <a:rPr lang="en-US" altLang="zh-CN" sz="1200" b="0" i="0" kern="1200" dirty="0" smtClean="0">
+                <a:solidFill>
+                  <a:schemeClr val="tx1"/>
+                </a:solidFill>
+                <a:effectLst/>
+                <a:latin typeface="+mn-lt"/>
+                <a:ea typeface="微软雅黑" panose="020B0503020204020204" pitchFamily="34" charset="-122"/>
+                <a:cs typeface="+mn-cs"/>
+              </a:rPr>
               <a:t>4.</a:t>
             </a:r>
             <a:r>
@@ -13358,8 +13943,77 @@
                 <a:ea typeface="微软雅黑" panose="020B0503020204020204" pitchFamily="34" charset="-122"/>
                 <a:cs typeface="+mn-cs"/>
               </a:rPr>
-              <a:t>的差异</a:t>
-            </a:r>
+              <a:t>的</a:t>
+            </a:r>
+            <a:r>
+              <a:rPr lang="zh-CN" altLang="en-US" sz="1200" b="0" i="0" kern="1200" dirty="0" smtClean="0">
+                <a:solidFill>
+                  <a:schemeClr val="tx1"/>
+                </a:solidFill>
+                <a:effectLst/>
+                <a:latin typeface="+mn-lt"/>
+                <a:ea typeface="微软雅黑" panose="020B0503020204020204" pitchFamily="34" charset="-122"/>
+                <a:cs typeface="+mn-cs"/>
+              </a:rPr>
+              <a:t>差异。在</a:t>
+            </a:r>
+            <a:r>
+              <a:rPr lang="en-US" altLang="zh-CN" sz="1200" b="0" i="0" kern="1200" dirty="0" smtClean="0">
+                <a:solidFill>
+                  <a:schemeClr val="tx1"/>
+                </a:solidFill>
+                <a:effectLst/>
+                <a:latin typeface="+mn-lt"/>
+                <a:ea typeface="微软雅黑" panose="020B0503020204020204" pitchFamily="34" charset="-122"/>
+                <a:cs typeface="+mn-cs"/>
+              </a:rPr>
+              <a:t>React</a:t>
+            </a:r>
+            <a:r>
+              <a:rPr lang="zh-CN" altLang="en-US" sz="1200" b="0" i="0" kern="1200" dirty="0" smtClean="0">
+                <a:solidFill>
+                  <a:schemeClr val="tx1"/>
+                </a:solidFill>
+                <a:effectLst/>
+                <a:latin typeface="+mn-lt"/>
+                <a:ea typeface="微软雅黑" panose="020B0503020204020204" pitchFamily="34" charset="-122"/>
+                <a:cs typeface="+mn-cs"/>
+              </a:rPr>
+              <a:t>内部有一套</a:t>
+            </a:r>
+            <a:r>
+              <a:rPr lang="en-US" altLang="zh-CN" sz="1200" b="0" i="0" kern="1200" dirty="0" smtClean="0">
+                <a:solidFill>
+                  <a:schemeClr val="tx1"/>
+                </a:solidFill>
+                <a:effectLst/>
+                <a:latin typeface="+mn-lt"/>
+                <a:ea typeface="微软雅黑" panose="020B0503020204020204" pitchFamily="34" charset="-122"/>
+                <a:cs typeface="+mn-cs"/>
+              </a:rPr>
+              <a:t>diff</a:t>
+            </a:r>
+            <a:r>
+              <a:rPr lang="zh-CN" altLang="en-US" sz="1200" b="0" i="0" kern="1200" dirty="0" smtClean="0">
+                <a:solidFill>
+                  <a:schemeClr val="tx1"/>
+                </a:solidFill>
+                <a:effectLst/>
+                <a:latin typeface="+mn-lt"/>
+                <a:ea typeface="微软雅黑" panose="020B0503020204020204" pitchFamily="34" charset="-122"/>
+                <a:cs typeface="+mn-cs"/>
+              </a:rPr>
+              <a:t>算法可以快速的计算出整体需要改动的位置，从而做到快速局部刷新；举个栗子：删除一个列表再插入个新表，计算后会比较出不同然后插进去</a:t>
+            </a:r>
+            <a:endParaRPr lang="zh-CN" altLang="en-US" sz="1200" b="0" i="0" kern="1200" dirty="0" smtClean="0">
+              <a:solidFill>
+                <a:schemeClr val="tx1"/>
+              </a:solidFill>
+              <a:effectLst/>
+              <a:latin typeface="+mn-lt"/>
+              <a:ea typeface="微软雅黑" panose="020B0503020204020204" pitchFamily="34" charset="-122"/>
+              <a:cs typeface="+mn-cs"/>
+            </a:endParaRPr>
           </a:p>
           <a:p>
             <a:r>
@@ -14655,15 +15309,6 @@
               </a:rPr>
               <a:t>代码的方法</a:t>
             </a:r>
-            <a:endParaRPr lang="zh-CN" altLang="en-US" sz="1200" b="0" i="0" kern="1200" dirty="0" smtClean="0">
-              <a:solidFill>
-                <a:schemeClr val="tx1"/>
-              </a:solidFill>
-              <a:effectLst/>
-              <a:latin typeface="+mn-lt"/>
-              <a:ea typeface="微软雅黑" panose="020B0503020204020204" pitchFamily="34" charset="-122"/>
-              <a:cs typeface="+mn-cs"/>
-            </a:endParaRPr>
           </a:p>
         </p:txBody>
       </p:sp>
@@ -15032,15 +15677,6 @@
               </a:rPr>
               <a:t>。</a:t>
             </a:r>
-            <a:endParaRPr lang="zh-CN" altLang="en-US" sz="1200" b="0" i="0" kern="1200" dirty="0" smtClean="0">
-              <a:solidFill>
-                <a:schemeClr val="tx1"/>
-              </a:solidFill>
-              <a:effectLst/>
-              <a:latin typeface="+mn-lt"/>
-              <a:ea typeface="微软雅黑" panose="020B0503020204020204" pitchFamily="34" charset="-122"/>
-              <a:cs typeface="+mn-cs"/>
-            </a:endParaRPr>
           </a:p>
         </p:txBody>
       </p:sp>
@@ -20885,84 +21521,6 @@
       </p:grpSpPr>
       <p:pic>
         <p:nvPicPr>
-          <p:cNvPr id="5" name="Picture 2" descr="C:\Users\yepanmeng\Desktop\logo.png"/>
-          <p:cNvPicPr>
-            <a:picLocks noChangeAspect="1" noChangeArrowheads="1"/>
-          </p:cNvPicPr>
-          <p:nvPr/>
-        </p:nvPicPr>
-        <p:blipFill>
-          <a:blip r:embed="rId3" cstate="print">
-            <a:extLst>
-              <a:ext uri="{28A0092B-C50C-407E-A947-70E740481C1C}">
-                <a14:useLocalDpi xmlns:a14="http://schemas.microsoft.com/office/drawing/2010/main" val="0"/>
-              </a:ext>
-            </a:extLst>
-          </a:blip>
-          <a:srcRect/>
-          <a:stretch>
-            <a:fillRect/>
-          </a:stretch>
-        </p:blipFill>
-        <p:spPr bwMode="auto">
-          <a:xfrm rot="16200000">
-            <a:off x="-47617" y="373486"/>
-            <a:ext cx="592429" cy="592429"/>
-          </a:xfrm>
-          <a:prstGeom prst="rect">
-            <a:avLst/>
-          </a:prstGeom>
-          <a:noFill/>
-          <a:extLst>
-            <a:ext uri="{909E8E84-426E-40DD-AFC4-6F175D3DCCD1}">
-              <a14:hiddenFill xmlns:a14="http://schemas.microsoft.com/office/drawing/2010/main">
-                <a:solidFill>
-                  <a:srgbClr val="FFFFFF"/>
-                </a:solidFill>
-              </a14:hiddenFill>
-            </a:ext>
-          </a:extLst>
-        </p:spPr>
-      </p:pic>
-      <p:cxnSp>
-        <p:nvCxnSpPr>
-          <p:cNvPr id="6" name="直接连接符 5"/>
-          <p:cNvCxnSpPr/>
-          <p:nvPr/>
-        </p:nvCxnSpPr>
-        <p:spPr>
-          <a:xfrm>
-            <a:off x="637091" y="669700"/>
-            <a:ext cx="2827562" cy="0"/>
-          </a:xfrm>
-          <a:prstGeom prst="line">
-            <a:avLst/>
-          </a:prstGeom>
-          <a:ln>
-            <a:solidFill>
-              <a:schemeClr val="bg1">
-                <a:lumMod val="85000"/>
-              </a:schemeClr>
-            </a:solidFill>
-          </a:ln>
-        </p:spPr>
-        <p:style>
-          <a:lnRef idx="1">
-            <a:schemeClr val="accent4"/>
-          </a:lnRef>
-          <a:fillRef idx="0">
-            <a:schemeClr val="accent4"/>
-          </a:fillRef>
-          <a:effectRef idx="0">
-            <a:schemeClr val="accent4"/>
-          </a:effectRef>
-          <a:fontRef idx="minor">
-            <a:schemeClr val="tx1"/>
-          </a:fontRef>
-        </p:style>
-      </p:cxnSp>
-      <p:pic>
-        <p:nvPicPr>
           <p:cNvPr id="3074" name="Picture 2"/>
           <p:cNvPicPr>
             <a:picLocks noChangeAspect="1" noChangeArrowheads="1"/>
@@ -20970,7 +21528,7 @@
           <p:nvPr/>
         </p:nvPicPr>
         <p:blipFill>
-          <a:blip r:embed="rId4">
+          <a:blip r:embed="rId3">
             <a:extLst>
               <a:ext uri="{28A0092B-C50C-407E-A947-70E740481C1C}">
                 <a14:useLocalDpi xmlns:a14="http://schemas.microsoft.com/office/drawing/2010/main" val="0"/>
@@ -21024,7 +21582,7 @@
           <p:nvPr/>
         </p:nvPicPr>
         <p:blipFill>
-          <a:blip r:embed="rId5">
+          <a:blip r:embed="rId4">
             <a:extLst>
               <a:ext uri="{28A0092B-C50C-407E-A947-70E740481C1C}">
                 <a14:useLocalDpi xmlns:a14="http://schemas.microsoft.com/office/drawing/2010/main" val="0"/>
@@ -21078,7 +21636,7 @@
           <p:nvPr/>
         </p:nvPicPr>
         <p:blipFill>
-          <a:blip r:embed="rId6">
+          <a:blip r:embed="rId5">
             <a:extLst>
               <a:ext uri="{28A0092B-C50C-407E-A947-70E740481C1C}">
                 <a14:useLocalDpi xmlns:a14="http://schemas.microsoft.com/office/drawing/2010/main" val="0"/>
@@ -21132,12 +21690,16 @@
         <p:spPr>
           <a:xfrm>
             <a:off x="544812" y="300368"/>
-            <a:ext cx="3422709" cy="369332"/>
+            <a:ext cx="1180079" cy="369332"/>
           </a:xfrm>
           <a:prstGeom prst="rect">
             <a:avLst/>
           </a:prstGeom>
-          <a:noFill/>
+          <a:solidFill>
+            <a:schemeClr val="accent5">
+              <a:lumMod val="75000"/>
+            </a:schemeClr>
+          </a:solidFill>
         </p:spPr>
         <p:txBody>
           <a:bodyPr wrap="square" rtlCol="0">
@@ -21148,23 +21710,19 @@
             <a:r>
               <a:rPr lang="zh-CN" altLang="en-US" dirty="0" smtClean="0">
                 <a:solidFill>
-                  <a:schemeClr val="bg1">
-                    <a:lumMod val="50000"/>
-                  </a:schemeClr>
-                </a:solidFill>
-                <a:latin typeface="微软雅黑" panose="020B0503020204020204" pitchFamily="34" charset="-122"/>
-                <a:ea typeface="微软雅黑" panose="020B0503020204020204" pitchFamily="34" charset="-122"/>
+                  <a:schemeClr val="bg1"/>
+                </a:solidFill>
+                <a:latin typeface="+mj-ea"/>
+                <a:ea typeface="+mj-ea"/>
               </a:rPr>
               <a:t>前端发展</a:t>
             </a:r>
             <a:endParaRPr lang="zh-CN" altLang="en-US" dirty="0">
               <a:solidFill>
-                <a:schemeClr val="bg1">
-                  <a:lumMod val="50000"/>
-                </a:schemeClr>
+                <a:schemeClr val="bg1"/>
               </a:solidFill>
-              <a:latin typeface="微软雅黑" panose="020B0503020204020204" pitchFamily="34" charset="-122"/>
-              <a:ea typeface="微软雅黑" panose="020B0503020204020204" pitchFamily="34" charset="-122"/>
+              <a:latin typeface="+mj-ea"/>
+              <a:ea typeface="+mj-ea"/>
             </a:endParaRPr>
           </a:p>
         </p:txBody>
@@ -21609,84 +22167,6 @@
           <a:chExt cx="0" cy="0"/>
         </a:xfrm>
       </p:grpSpPr>
-      <p:pic>
-        <p:nvPicPr>
-          <p:cNvPr id="5" name="Picture 2" descr="C:\Users\yepanmeng\Desktop\logo.png"/>
-          <p:cNvPicPr>
-            <a:picLocks noChangeAspect="1" noChangeArrowheads="1"/>
-          </p:cNvPicPr>
-          <p:nvPr/>
-        </p:nvPicPr>
-        <p:blipFill>
-          <a:blip r:embed="rId3" cstate="print">
-            <a:extLst>
-              <a:ext uri="{28A0092B-C50C-407E-A947-70E740481C1C}">
-                <a14:useLocalDpi xmlns:a14="http://schemas.microsoft.com/office/drawing/2010/main" val="0"/>
-              </a:ext>
-            </a:extLst>
-          </a:blip>
-          <a:srcRect/>
-          <a:stretch>
-            <a:fillRect/>
-          </a:stretch>
-        </p:blipFill>
-        <p:spPr bwMode="auto">
-          <a:xfrm rot="16200000">
-            <a:off x="-47617" y="373486"/>
-            <a:ext cx="592429" cy="592429"/>
-          </a:xfrm>
-          <a:prstGeom prst="rect">
-            <a:avLst/>
-          </a:prstGeom>
-          <a:noFill/>
-          <a:extLst>
-            <a:ext uri="{909E8E84-426E-40DD-AFC4-6F175D3DCCD1}">
-              <a14:hiddenFill xmlns:a14="http://schemas.microsoft.com/office/drawing/2010/main">
-                <a:solidFill>
-                  <a:srgbClr val="FFFFFF"/>
-                </a:solidFill>
-              </a14:hiddenFill>
-            </a:ext>
-          </a:extLst>
-        </p:spPr>
-      </p:pic>
-      <p:cxnSp>
-        <p:nvCxnSpPr>
-          <p:cNvPr id="6" name="直接连接符 5"/>
-          <p:cNvCxnSpPr/>
-          <p:nvPr/>
-        </p:nvCxnSpPr>
-        <p:spPr>
-          <a:xfrm>
-            <a:off x="637091" y="669700"/>
-            <a:ext cx="2827562" cy="0"/>
-          </a:xfrm>
-          <a:prstGeom prst="line">
-            <a:avLst/>
-          </a:prstGeom>
-          <a:ln>
-            <a:solidFill>
-              <a:schemeClr val="bg1">
-                <a:lumMod val="85000"/>
-              </a:schemeClr>
-            </a:solidFill>
-          </a:ln>
-        </p:spPr>
-        <p:style>
-          <a:lnRef idx="1">
-            <a:schemeClr val="accent4"/>
-          </a:lnRef>
-          <a:fillRef idx="0">
-            <a:schemeClr val="accent4"/>
-          </a:fillRef>
-          <a:effectRef idx="0">
-            <a:schemeClr val="accent4"/>
-          </a:effectRef>
-          <a:fontRef idx="minor">
-            <a:schemeClr val="tx1"/>
-          </a:fontRef>
-        </p:style>
-      </p:cxnSp>
       <p:sp>
         <p:nvSpPr>
           <p:cNvPr id="2" name="TextBox 1"/>
@@ -21695,7 +22175,7 @@
         </p:nvSpPr>
         <p:spPr>
           <a:xfrm>
-            <a:off x="698740" y="965915"/>
+            <a:off x="1793249" y="942703"/>
             <a:ext cx="2031325" cy="369332"/>
           </a:xfrm>
           <a:prstGeom prst="rect">
@@ -21725,7 +22205,7 @@
         </p:nvSpPr>
         <p:spPr>
           <a:xfrm>
-            <a:off x="974338" y="1673525"/>
+            <a:off x="822472" y="949185"/>
             <a:ext cx="614271" cy="369332"/>
           </a:xfrm>
           <a:prstGeom prst="rect">
@@ -21755,13 +22235,17 @@
         </p:nvSpPr>
         <p:spPr>
           <a:xfrm>
-            <a:off x="544812" y="300368"/>
-            <a:ext cx="3422709" cy="369332"/>
+            <a:off x="544813" y="300368"/>
+            <a:ext cx="1169590" cy="369332"/>
           </a:xfrm>
           <a:prstGeom prst="rect">
             <a:avLst/>
           </a:prstGeom>
-          <a:noFill/>
+          <a:solidFill>
+            <a:schemeClr val="accent5">
+              <a:lumMod val="75000"/>
+            </a:schemeClr>
+          </a:solidFill>
         </p:spPr>
         <p:txBody>
           <a:bodyPr wrap="square" rtlCol="0">
@@ -21772,9 +22256,7 @@
             <a:r>
               <a:rPr lang="zh-CN" altLang="en-US" dirty="0" smtClean="0">
                 <a:solidFill>
-                  <a:schemeClr val="bg1">
-                    <a:lumMod val="50000"/>
-                  </a:schemeClr>
+                  <a:schemeClr val="bg1"/>
                 </a:solidFill>
                 <a:latin typeface="微软雅黑" panose="020B0503020204020204" pitchFamily="34" charset="-122"/>
                 <a:ea typeface="微软雅黑" panose="020B0503020204020204" pitchFamily="34" charset="-122"/>
@@ -21783,9 +22265,7 @@
             </a:r>
             <a:endParaRPr lang="zh-CN" altLang="en-US" dirty="0">
               <a:solidFill>
-                <a:schemeClr val="bg1">
-                  <a:lumMod val="50000"/>
-                </a:schemeClr>
+                <a:schemeClr val="bg1"/>
               </a:solidFill>
               <a:latin typeface="微软雅黑" panose="020B0503020204020204" pitchFamily="34" charset="-122"/>
               <a:ea typeface="微软雅黑" panose="020B0503020204020204" pitchFamily="34" charset="-122"/>
@@ -21802,7 +22282,7 @@
           <p:nvPr/>
         </p:nvPicPr>
         <p:blipFill>
-          <a:blip r:embed="rId4">
+          <a:blip r:embed="rId3">
             <a:extLst>
               <a:ext uri="{28A0092B-C50C-407E-A947-70E740481C1C}">
                 <a14:useLocalDpi xmlns:a14="http://schemas.microsoft.com/office/drawing/2010/main" val="0"/>
@@ -21847,6 +22327,45 @@
           </a:extLst>
         </p:spPr>
       </p:pic>
+      <p:cxnSp>
+        <p:nvCxnSpPr>
+          <p:cNvPr id="9" name="直接箭头连接符 8"/>
+          <p:cNvCxnSpPr>
+            <a:stCxn id="3" idx="3"/>
+            <a:endCxn id="2" idx="1"/>
+          </p:cNvCxnSpPr>
+          <p:nvPr/>
+        </p:nvCxnSpPr>
+        <p:spPr>
+          <a:xfrm flipV="1">
+            <a:off x="1436743" y="1127369"/>
+            <a:ext cx="356506" cy="6482"/>
+          </a:xfrm>
+          <a:prstGeom prst="straightConnector1">
+            <a:avLst/>
+          </a:prstGeom>
+          <a:ln>
+            <a:solidFill>
+              <a:schemeClr val="tx1"/>
+            </a:solidFill>
+            <a:tailEnd type="arrow"/>
+          </a:ln>
+        </p:spPr>
+        <p:style>
+          <a:lnRef idx="1">
+            <a:schemeClr val="accent1"/>
+          </a:lnRef>
+          <a:fillRef idx="0">
+            <a:schemeClr val="accent1"/>
+          </a:fillRef>
+          <a:effectRef idx="0">
+            <a:schemeClr val="accent1"/>
+          </a:effectRef>
+          <a:fontRef idx="minor">
+            <a:schemeClr val="tx1"/>
+          </a:fontRef>
+        </p:style>
+      </p:cxnSp>
     </p:spTree>
     <p:extLst>
       <p:ext uri="{BB962C8B-B14F-4D97-AF65-F5344CB8AC3E}">
@@ -21884,47 +22403,6 @@
           <a:chExt cx="0" cy="0"/>
         </a:xfrm>
       </p:grpSpPr>
-      <p:pic>
-        <p:nvPicPr>
-          <p:cNvPr id="4" name="Picture 2" descr="C:\Users\yepanmeng\Desktop\logo.png"/>
-          <p:cNvPicPr>
-            <a:picLocks noChangeAspect="1" noChangeArrowheads="1"/>
-          </p:cNvPicPr>
-          <p:nvPr/>
-        </p:nvPicPr>
-        <p:blipFill>
-          <a:blip r:embed="rId3" cstate="print">
-            <a:extLst>
-              <a:ext uri="{28A0092B-C50C-407E-A947-70E740481C1C}">
-                <a14:useLocalDpi xmlns:a14="http://schemas.microsoft.com/office/drawing/2010/main" val="0"/>
-              </a:ext>
-            </a:extLst>
-          </a:blip>
-          <a:srcRect/>
-          <a:stretch>
-            <a:fillRect/>
-          </a:stretch>
-        </p:blipFill>
-        <p:spPr bwMode="auto">
-          <a:xfrm rot="16200000">
-            <a:off x="-47617" y="373486"/>
-            <a:ext cx="592429" cy="592429"/>
-          </a:xfrm>
-          <a:prstGeom prst="rect">
-            <a:avLst/>
-          </a:prstGeom>
-          <a:noFill/>
-          <a:extLst>
-            <a:ext uri="{909E8E84-426E-40DD-AFC4-6F175D3DCCD1}">
-              <a14:hiddenFill xmlns:a14="http://schemas.microsoft.com/office/drawing/2010/main">
-                <a:solidFill>
-                  <a:srgbClr val="FFFFFF"/>
-                </a:solidFill>
-              </a14:hiddenFill>
-            </a:ext>
-          </a:extLst>
-        </p:spPr>
-      </p:pic>
       <p:sp>
         <p:nvSpPr>
           <p:cNvPr id="5" name="等腰三角形 4"/>
@@ -22744,13 +23222,17 @@
         </p:nvSpPr>
         <p:spPr>
           <a:xfrm>
-            <a:off x="544812" y="300368"/>
-            <a:ext cx="3422709" cy="369332"/>
+            <a:off x="544813" y="300368"/>
+            <a:ext cx="1166224" cy="369332"/>
           </a:xfrm>
           <a:prstGeom prst="rect">
             <a:avLst/>
           </a:prstGeom>
-          <a:noFill/>
+          <a:solidFill>
+            <a:schemeClr val="accent5">
+              <a:lumMod val="75000"/>
+            </a:schemeClr>
+          </a:solidFill>
         </p:spPr>
         <p:txBody>
           <a:bodyPr wrap="square" rtlCol="0">
@@ -22761,9 +23243,7 @@
             <a:r>
               <a:rPr lang="zh-CN" altLang="en-US" dirty="0" smtClean="0">
                 <a:solidFill>
-                  <a:schemeClr val="bg1">
-                    <a:lumMod val="50000"/>
-                  </a:schemeClr>
+                  <a:schemeClr val="bg1"/>
                 </a:solidFill>
                 <a:latin typeface="微软雅黑" panose="020B0503020204020204" pitchFamily="34" charset="-122"/>
                 <a:ea typeface="微软雅黑" panose="020B0503020204020204" pitchFamily="34" charset="-122"/>
@@ -22772,9 +23252,7 @@
             </a:r>
             <a:endParaRPr lang="zh-CN" altLang="en-US" dirty="0">
               <a:solidFill>
-                <a:schemeClr val="bg1">
-                  <a:lumMod val="50000"/>
-                </a:schemeClr>
+                <a:schemeClr val="bg1"/>
               </a:solidFill>
               <a:latin typeface="微软雅黑" panose="020B0503020204020204" pitchFamily="34" charset="-122"/>
               <a:ea typeface="微软雅黑" panose="020B0503020204020204" pitchFamily="34" charset="-122"/>
@@ -22782,43 +23260,6 @@
           </a:p>
         </p:txBody>
       </p:sp>
-      <p:cxnSp>
-        <p:nvCxnSpPr>
-          <p:cNvPr id="65" name="直接连接符 64"/>
-          <p:cNvCxnSpPr/>
-          <p:nvPr/>
-        </p:nvCxnSpPr>
-        <p:spPr>
-          <a:xfrm>
-            <a:off x="637091" y="669700"/>
-            <a:ext cx="2827562" cy="0"/>
-          </a:xfrm>
-          <a:prstGeom prst="line">
-            <a:avLst/>
-          </a:prstGeom>
-          <a:ln>
-            <a:solidFill>
-              <a:schemeClr val="bg1">
-                <a:lumMod val="85000"/>
-              </a:schemeClr>
-            </a:solidFill>
-          </a:ln>
-        </p:spPr>
-        <p:style>
-          <a:lnRef idx="1">
-            <a:schemeClr val="accent4"/>
-          </a:lnRef>
-          <a:fillRef idx="0">
-            <a:schemeClr val="accent4"/>
-          </a:fillRef>
-          <a:effectRef idx="0">
-            <a:schemeClr val="accent4"/>
-          </a:effectRef>
-          <a:fontRef idx="minor">
-            <a:schemeClr val="tx1"/>
-          </a:fontRef>
-        </p:style>
-      </p:cxnSp>
       <p:pic>
         <p:nvPicPr>
           <p:cNvPr id="66" name="Picture 2" descr="C:\Users\yepanmeng\Desktop\logo.png"/>
@@ -22828,7 +23269,7 @@
           <p:nvPr/>
         </p:nvPicPr>
         <p:blipFill>
-          <a:blip r:embed="rId4" cstate="print">
+          <a:blip r:embed="rId3" cstate="print">
             <a:extLst>
               <a:ext uri="{28A0092B-C50C-407E-A947-70E740481C1C}">
                 <a14:useLocalDpi xmlns:a14="http://schemas.microsoft.com/office/drawing/2010/main" val="0"/>
@@ -22963,7 +23404,7 @@
         </p:nvSpPr>
         <p:spPr>
           <a:xfrm>
-            <a:off x="782789" y="1082333"/>
+            <a:off x="637091" y="1109621"/>
             <a:ext cx="2280048" cy="400110"/>
           </a:xfrm>
           <a:prstGeom prst="rect">
@@ -23349,99 +23790,25 @@
           <a:chExt cx="0" cy="0"/>
         </a:xfrm>
       </p:grpSpPr>
-      <p:pic>
-        <p:nvPicPr>
-          <p:cNvPr id="5" name="Picture 2" descr="C:\Users\yepanmeng\Desktop\logo.png"/>
-          <p:cNvPicPr>
-            <a:picLocks noChangeAspect="1" noChangeArrowheads="1"/>
-          </p:cNvPicPr>
+      <p:sp>
+        <p:nvSpPr>
+          <p:cNvPr id="12" name="TextBox 11"/>
+          <p:cNvSpPr txBox="1"/>
           <p:nvPr/>
-        </p:nvPicPr>
-        <p:blipFill>
-          <a:blip r:embed="rId3" cstate="print">
-            <a:extLst>
-              <a:ext uri="{28A0092B-C50C-407E-A947-70E740481C1C}">
-                <a14:useLocalDpi xmlns:a14="http://schemas.microsoft.com/office/drawing/2010/main" val="0"/>
-              </a:ext>
-            </a:extLst>
-          </a:blip>
-          <a:srcRect/>
-          <a:stretch>
-            <a:fillRect/>
-          </a:stretch>
-        </p:blipFill>
-        <p:spPr bwMode="auto">
-          <a:xfrm rot="16200000">
-            <a:off x="-47617" y="373486"/>
-            <a:ext cx="592429" cy="592429"/>
+        </p:nvSpPr>
+        <p:spPr>
+          <a:xfrm>
+            <a:off x="544812" y="300368"/>
+            <a:ext cx="1214715" cy="369332"/>
           </a:xfrm>
           <a:prstGeom prst="rect">
             <a:avLst/>
           </a:prstGeom>
-          <a:noFill/>
-          <a:extLst>
-            <a:ext uri="{909E8E84-426E-40DD-AFC4-6F175D3DCCD1}">
-              <a14:hiddenFill xmlns:a14="http://schemas.microsoft.com/office/drawing/2010/main">
-                <a:solidFill>
-                  <a:srgbClr val="FFFFFF"/>
-                </a:solidFill>
-              </a14:hiddenFill>
-            </a:ext>
-          </a:extLst>
-        </p:spPr>
-      </p:pic>
-      <p:cxnSp>
-        <p:nvCxnSpPr>
-          <p:cNvPr id="6" name="直接连接符 5"/>
-          <p:cNvCxnSpPr/>
-          <p:nvPr/>
-        </p:nvCxnSpPr>
-        <p:spPr>
-          <a:xfrm>
-            <a:off x="637091" y="669700"/>
-            <a:ext cx="2827562" cy="0"/>
-          </a:xfrm>
-          <a:prstGeom prst="line">
-            <a:avLst/>
-          </a:prstGeom>
-          <a:ln>
-            <a:solidFill>
-              <a:schemeClr val="bg1">
-                <a:lumMod val="85000"/>
-              </a:schemeClr>
-            </a:solidFill>
-          </a:ln>
-        </p:spPr>
-        <p:style>
-          <a:lnRef idx="1">
-            <a:schemeClr val="accent4"/>
-          </a:lnRef>
-          <a:fillRef idx="0">
-            <a:schemeClr val="accent4"/>
-          </a:fillRef>
-          <a:effectRef idx="0">
-            <a:schemeClr val="accent4"/>
-          </a:effectRef>
-          <a:fontRef idx="minor">
-            <a:schemeClr val="tx1"/>
-          </a:fontRef>
-        </p:style>
-      </p:cxnSp>
-      <p:sp>
-        <p:nvSpPr>
-          <p:cNvPr id="12" name="TextBox 11"/>
-          <p:cNvSpPr txBox="1"/>
-          <p:nvPr/>
-        </p:nvSpPr>
-        <p:spPr>
-          <a:xfrm>
-            <a:off x="544812" y="300368"/>
-            <a:ext cx="3422709" cy="369332"/>
-          </a:xfrm>
-          <a:prstGeom prst="rect">
-            <a:avLst/>
-          </a:prstGeom>
-          <a:noFill/>
+          <a:solidFill>
+            <a:schemeClr val="accent5">
+              <a:lumMod val="75000"/>
+            </a:schemeClr>
+          </a:solidFill>
         </p:spPr>
         <p:txBody>
           <a:bodyPr wrap="square" rtlCol="0">
@@ -23452,9 +23819,7 @@
             <a:r>
               <a:rPr lang="zh-CN" altLang="en-US" dirty="0" smtClean="0">
                 <a:solidFill>
-                  <a:schemeClr val="bg1">
-                    <a:lumMod val="50000"/>
-                  </a:schemeClr>
+                  <a:schemeClr val="bg1"/>
                 </a:solidFill>
                 <a:latin typeface="微软雅黑" panose="020B0503020204020204" pitchFamily="34" charset="-122"/>
                 <a:ea typeface="微软雅黑" panose="020B0503020204020204" pitchFamily="34" charset="-122"/>
@@ -23463,9 +23828,7 @@
             </a:r>
             <a:endParaRPr lang="zh-CN" altLang="en-US" dirty="0">
               <a:solidFill>
-                <a:schemeClr val="bg1">
-                  <a:lumMod val="50000"/>
-                </a:schemeClr>
+                <a:schemeClr val="bg1"/>
               </a:solidFill>
               <a:latin typeface="微软雅黑" panose="020B0503020204020204" pitchFamily="34" charset="-122"/>
               <a:ea typeface="微软雅黑" panose="020B0503020204020204" pitchFamily="34" charset="-122"/>
@@ -23482,7 +23845,7 @@
           <p:nvPr/>
         </p:nvPicPr>
         <p:blipFill>
-          <a:blip r:embed="rId4">
+          <a:blip r:embed="rId3">
             <a:extLst>
               <a:ext uri="{28A0092B-C50C-407E-A947-70E740481C1C}">
                 <a14:useLocalDpi xmlns:a14="http://schemas.microsoft.com/office/drawing/2010/main" val="0"/>
@@ -23536,7 +23899,7 @@
           <p:nvPr/>
         </p:nvPicPr>
         <p:blipFill>
-          <a:blip r:embed="rId5">
+          <a:blip r:embed="rId4">
             <a:extLst>
               <a:ext uri="{28A0092B-C50C-407E-A947-70E740481C1C}">
                 <a14:useLocalDpi xmlns:a14="http://schemas.microsoft.com/office/drawing/2010/main" val="0"/>
@@ -23550,7 +23913,7 @@
         </p:blipFill>
         <p:spPr bwMode="auto">
           <a:xfrm>
-            <a:off x="3001362" y="2061469"/>
+            <a:off x="544812" y="2830396"/>
             <a:ext cx="7953375" cy="4705350"/>
           </a:xfrm>
           <a:prstGeom prst="rect">
@@ -23686,99 +24049,25 @@
           <a:chExt cx="0" cy="0"/>
         </a:xfrm>
       </p:grpSpPr>
-      <p:pic>
-        <p:nvPicPr>
-          <p:cNvPr id="5" name="Picture 2" descr="C:\Users\yepanmeng\Desktop\logo.png"/>
-          <p:cNvPicPr>
-            <a:picLocks noChangeAspect="1" noChangeArrowheads="1"/>
-          </p:cNvPicPr>
+      <p:sp>
+        <p:nvSpPr>
+          <p:cNvPr id="12" name="TextBox 11"/>
+          <p:cNvSpPr txBox="1"/>
           <p:nvPr/>
-        </p:nvPicPr>
-        <p:blipFill>
-          <a:blip r:embed="rId3" cstate="print">
-            <a:extLst>
-              <a:ext uri="{28A0092B-C50C-407E-A947-70E740481C1C}">
-                <a14:useLocalDpi xmlns:a14="http://schemas.microsoft.com/office/drawing/2010/main" val="0"/>
-              </a:ext>
-            </a:extLst>
-          </a:blip>
-          <a:srcRect/>
-          <a:stretch>
-            <a:fillRect/>
-          </a:stretch>
-        </p:blipFill>
-        <p:spPr bwMode="auto">
-          <a:xfrm rot="16200000">
-            <a:off x="-47617" y="373486"/>
-            <a:ext cx="592429" cy="592429"/>
+        </p:nvSpPr>
+        <p:spPr>
+          <a:xfrm>
+            <a:off x="544812" y="300368"/>
+            <a:ext cx="1214715" cy="369332"/>
           </a:xfrm>
           <a:prstGeom prst="rect">
             <a:avLst/>
           </a:prstGeom>
-          <a:noFill/>
-          <a:extLst>
-            <a:ext uri="{909E8E84-426E-40DD-AFC4-6F175D3DCCD1}">
-              <a14:hiddenFill xmlns:a14="http://schemas.microsoft.com/office/drawing/2010/main">
-                <a:solidFill>
-                  <a:srgbClr val="FFFFFF"/>
-                </a:solidFill>
-              </a14:hiddenFill>
-            </a:ext>
-          </a:extLst>
-        </p:spPr>
-      </p:pic>
-      <p:cxnSp>
-        <p:nvCxnSpPr>
-          <p:cNvPr id="6" name="直接连接符 5"/>
-          <p:cNvCxnSpPr/>
-          <p:nvPr/>
-        </p:nvCxnSpPr>
-        <p:spPr>
-          <a:xfrm>
-            <a:off x="637091" y="669700"/>
-            <a:ext cx="2827562" cy="0"/>
-          </a:xfrm>
-          <a:prstGeom prst="line">
-            <a:avLst/>
-          </a:prstGeom>
-          <a:ln>
-            <a:solidFill>
-              <a:schemeClr val="bg1">
-                <a:lumMod val="85000"/>
-              </a:schemeClr>
-            </a:solidFill>
-          </a:ln>
-        </p:spPr>
-        <p:style>
-          <a:lnRef idx="1">
-            <a:schemeClr val="accent4"/>
-          </a:lnRef>
-          <a:fillRef idx="0">
-            <a:schemeClr val="accent4"/>
-          </a:fillRef>
-          <a:effectRef idx="0">
-            <a:schemeClr val="accent4"/>
-          </a:effectRef>
-          <a:fontRef idx="minor">
-            <a:schemeClr val="tx1"/>
-          </a:fontRef>
-        </p:style>
-      </p:cxnSp>
-      <p:sp>
-        <p:nvSpPr>
-          <p:cNvPr id="12" name="TextBox 11"/>
-          <p:cNvSpPr txBox="1"/>
-          <p:nvPr/>
-        </p:nvSpPr>
-        <p:spPr>
-          <a:xfrm>
-            <a:off x="544812" y="300368"/>
-            <a:ext cx="3422709" cy="369332"/>
-          </a:xfrm>
-          <a:prstGeom prst="rect">
-            <a:avLst/>
-          </a:prstGeom>
-          <a:noFill/>
+          <a:solidFill>
+            <a:schemeClr val="accent5">
+              <a:lumMod val="75000"/>
+            </a:schemeClr>
+          </a:solidFill>
         </p:spPr>
         <p:txBody>
           <a:bodyPr wrap="square" rtlCol="0">
@@ -23789,9 +24078,7 @@
             <a:r>
               <a:rPr lang="zh-CN" altLang="en-US" dirty="0" smtClean="0">
                 <a:solidFill>
-                  <a:schemeClr val="bg1">
-                    <a:lumMod val="50000"/>
-                  </a:schemeClr>
+                  <a:schemeClr val="bg1"/>
                 </a:solidFill>
                 <a:latin typeface="微软雅黑" panose="020B0503020204020204" pitchFamily="34" charset="-122"/>
                 <a:ea typeface="微软雅黑" panose="020B0503020204020204" pitchFamily="34" charset="-122"/>
@@ -23800,9 +24087,7 @@
             </a:r>
             <a:endParaRPr lang="zh-CN" altLang="en-US" dirty="0">
               <a:solidFill>
-                <a:schemeClr val="bg1">
-                  <a:lumMod val="50000"/>
-                </a:schemeClr>
+                <a:schemeClr val="bg1"/>
               </a:solidFill>
               <a:latin typeface="微软雅黑" panose="020B0503020204020204" pitchFamily="34" charset="-122"/>
               <a:ea typeface="微软雅黑" panose="020B0503020204020204" pitchFamily="34" charset="-122"/>
@@ -23818,7 +24103,7 @@
         </p:nvSpPr>
         <p:spPr>
           <a:xfrm>
-            <a:off x="800822" y="799367"/>
+            <a:off x="800822" y="965982"/>
             <a:ext cx="554960" cy="369332"/>
           </a:xfrm>
           <a:prstGeom prst="rect">
@@ -23849,7 +24134,7 @@
           <p:nvPr/>
         </p:nvPicPr>
         <p:blipFill>
-          <a:blip r:embed="rId4">
+          <a:blip r:embed="rId3">
             <a:extLst>
               <a:ext uri="{28A0092B-C50C-407E-A947-70E740481C1C}">
                 <a14:useLocalDpi xmlns:a14="http://schemas.microsoft.com/office/drawing/2010/main" val="0"/>
@@ -23902,7 +24187,7 @@
         </p:nvSpPr>
         <p:spPr>
           <a:xfrm>
-            <a:off x="1093668" y="1425698"/>
+            <a:off x="544812" y="1586292"/>
             <a:ext cx="1162498" cy="369332"/>
           </a:xfrm>
           <a:prstGeom prst="rect">
@@ -23937,7 +24222,7 @@
           <p:nvPr/>
         </p:nvPicPr>
         <p:blipFill>
-          <a:blip r:embed="rId5">
+          <a:blip r:embed="rId4">
             <a:extLst>
               <a:ext uri="{28A0092B-C50C-407E-A947-70E740481C1C}">
                 <a14:useLocalDpi xmlns:a14="http://schemas.microsoft.com/office/drawing/2010/main" val="0"/>
@@ -24219,47 +24504,6 @@
           <a:chExt cx="0" cy="0"/>
         </a:xfrm>
       </p:grpSpPr>
-      <p:pic>
-        <p:nvPicPr>
-          <p:cNvPr id="4" name="Picture 2" descr="C:\Users\yepanmeng\Desktop\logo.png"/>
-          <p:cNvPicPr>
-            <a:picLocks noChangeAspect="1" noChangeArrowheads="1"/>
-          </p:cNvPicPr>
-          <p:nvPr/>
-        </p:nvPicPr>
-        <p:blipFill>
-          <a:blip r:embed="rId3" cstate="print">
-            <a:extLst>
-              <a:ext uri="{28A0092B-C50C-407E-A947-70E740481C1C}">
-                <a14:useLocalDpi xmlns:a14="http://schemas.microsoft.com/office/drawing/2010/main" val="0"/>
-              </a:ext>
-            </a:extLst>
-          </a:blip>
-          <a:srcRect/>
-          <a:stretch>
-            <a:fillRect/>
-          </a:stretch>
-        </p:blipFill>
-        <p:spPr bwMode="auto">
-          <a:xfrm rot="16200000">
-            <a:off x="-47617" y="373486"/>
-            <a:ext cx="592429" cy="592429"/>
-          </a:xfrm>
-          <a:prstGeom prst="rect">
-            <a:avLst/>
-          </a:prstGeom>
-          <a:noFill/>
-          <a:extLst>
-            <a:ext uri="{909E8E84-426E-40DD-AFC4-6F175D3DCCD1}">
-              <a14:hiddenFill xmlns:a14="http://schemas.microsoft.com/office/drawing/2010/main">
-                <a:solidFill>
-                  <a:srgbClr val="FFFFFF"/>
-                </a:solidFill>
-              </a14:hiddenFill>
-            </a:ext>
-          </a:extLst>
-        </p:spPr>
-      </p:pic>
       <p:sp>
         <p:nvSpPr>
           <p:cNvPr id="5" name="等腰三角形 4"/>
@@ -25071,43 +25315,6 @@
           </a:p>
         </p:txBody>
       </p:sp>
-      <p:cxnSp>
-        <p:nvCxnSpPr>
-          <p:cNvPr id="65" name="直接连接符 64"/>
-          <p:cNvCxnSpPr/>
-          <p:nvPr/>
-        </p:nvCxnSpPr>
-        <p:spPr>
-          <a:xfrm>
-            <a:off x="637091" y="669700"/>
-            <a:ext cx="2827562" cy="0"/>
-          </a:xfrm>
-          <a:prstGeom prst="line">
-            <a:avLst/>
-          </a:prstGeom>
-          <a:ln>
-            <a:solidFill>
-              <a:schemeClr val="bg1">
-                <a:lumMod val="85000"/>
-              </a:schemeClr>
-            </a:solidFill>
-          </a:ln>
-        </p:spPr>
-        <p:style>
-          <a:lnRef idx="1">
-            <a:schemeClr val="accent4"/>
-          </a:lnRef>
-          <a:fillRef idx="0">
-            <a:schemeClr val="accent4"/>
-          </a:fillRef>
-          <a:effectRef idx="0">
-            <a:schemeClr val="accent4"/>
-          </a:effectRef>
-          <a:fontRef idx="minor">
-            <a:schemeClr val="tx1"/>
-          </a:fontRef>
-        </p:style>
-      </p:cxnSp>
       <p:pic>
         <p:nvPicPr>
           <p:cNvPr id="66" name="Picture 2" descr="C:\Users\yepanmeng\Desktop\logo.png"/>
@@ -25117,7 +25324,7 @@
           <p:nvPr/>
         </p:nvPicPr>
         <p:blipFill>
-          <a:blip r:embed="rId4" cstate="print">
+          <a:blip r:embed="rId3" cstate="print">
             <a:extLst>
               <a:ext uri="{28A0092B-C50C-407E-A947-70E740481C1C}">
                 <a14:useLocalDpi xmlns:a14="http://schemas.microsoft.com/office/drawing/2010/main" val="0"/>
@@ -25241,7 +25448,7 @@
           <p:nvPr/>
         </p:nvPicPr>
         <p:blipFill>
-          <a:blip r:embed="rId5">
+          <a:blip r:embed="rId4">
             <a:extLst>
               <a:ext uri="{28A0092B-C50C-407E-A947-70E740481C1C}">
                 <a14:useLocalDpi xmlns:a14="http://schemas.microsoft.com/office/drawing/2010/main" val="0"/>
@@ -25254,7 +25461,7 @@
         </p:blipFill>
         <p:spPr>
           <a:xfrm>
-            <a:off x="3238500" y="2414587"/>
+            <a:off x="2864428" y="1333933"/>
             <a:ext cx="5715000" cy="2028825"/>
           </a:xfrm>
           <a:prstGeom prst="rect">
@@ -25276,7 +25483,11 @@
           <a:prstGeom prst="rect">
             <a:avLst/>
           </a:prstGeom>
-          <a:noFill/>
+          <a:solidFill>
+            <a:schemeClr val="accent5">
+              <a:lumMod val="75000"/>
+            </a:schemeClr>
+          </a:solidFill>
         </p:spPr>
         <p:txBody>
           <a:bodyPr wrap="none" rtlCol="0">
@@ -25285,7 +25496,11 @@
           <a:lstStyle/>
           <a:p>
             <a:r>
-              <a:rPr lang="zh-CN" altLang="en-US" dirty="0"/>
+              <a:rPr lang="zh-CN" altLang="en-US" dirty="0">
+                <a:solidFill>
+                  <a:schemeClr val="bg1"/>
+                </a:solidFill>
+              </a:rPr>
               <a:t>发展</a:t>
             </a:r>
           </a:p>
@@ -25776,7 +25991,11 @@
           <a:prstGeom prst="rect">
             <a:avLst/>
           </a:prstGeom>
-          <a:noFill/>
+          <a:solidFill>
+            <a:schemeClr val="accent5">
+              <a:lumMod val="75000"/>
+            </a:schemeClr>
+          </a:solidFill>
         </p:spPr>
         <p:txBody>
           <a:bodyPr wrap="none" rtlCol="0">
@@ -25785,14 +26004,26 @@
           <a:lstStyle/>
           <a:p>
             <a:r>
-              <a:rPr lang="en-US" altLang="zh-CN" dirty="0" smtClean="0"/>
+              <a:rPr lang="en-US" altLang="zh-CN" dirty="0" smtClean="0">
+                <a:solidFill>
+                  <a:schemeClr val="bg1"/>
+                </a:solidFill>
+              </a:rPr>
               <a:t>React</a:t>
             </a:r>
             <a:r>
-              <a:rPr lang="zh-CN" altLang="en-US" dirty="0" smtClean="0"/>
+              <a:rPr lang="zh-CN" altLang="en-US" dirty="0" smtClean="0">
+                <a:solidFill>
+                  <a:schemeClr val="bg1"/>
+                </a:solidFill>
+              </a:rPr>
               <a:t>开发</a:t>
             </a:r>
-            <a:endParaRPr lang="zh-CN" altLang="en-US" dirty="0"/>
+            <a:endParaRPr lang="zh-CN" altLang="en-US" dirty="0">
+              <a:solidFill>
+                <a:schemeClr val="bg1"/>
+              </a:solidFill>
+            </a:endParaRPr>
           </a:p>
         </p:txBody>
       </p:sp>
@@ -26684,7 +26915,11 @@
           <a:prstGeom prst="rect">
             <a:avLst/>
           </a:prstGeom>
-          <a:noFill/>
+          <a:solidFill>
+            <a:schemeClr val="accent5">
+              <a:lumMod val="75000"/>
+            </a:schemeClr>
+          </a:solidFill>
         </p:spPr>
         <p:txBody>
           <a:bodyPr wrap="none" rtlCol="0">
@@ -26693,10 +26928,18 @@
           <a:lstStyle/>
           <a:p>
             <a:r>
-              <a:rPr lang="zh-CN" altLang="en-US" dirty="0" smtClean="0"/>
+              <a:rPr lang="zh-CN" altLang="en-US" dirty="0" smtClean="0">
+                <a:solidFill>
+                  <a:schemeClr val="bg1"/>
+                </a:solidFill>
+              </a:rPr>
               <a:t>自我介绍</a:t>
             </a:r>
-            <a:endParaRPr lang="zh-CN" altLang="en-US" dirty="0"/>
+            <a:endParaRPr lang="zh-CN" altLang="en-US" dirty="0">
+              <a:solidFill>
+                <a:schemeClr val="bg1"/>
+              </a:solidFill>
+            </a:endParaRPr>
           </a:p>
         </p:txBody>
       </p:sp>
@@ -27022,7 +27265,11 @@
           <a:prstGeom prst="rect">
             <a:avLst/>
           </a:prstGeom>
-          <a:noFill/>
+          <a:solidFill>
+            <a:schemeClr val="accent5">
+              <a:lumMod val="75000"/>
+            </a:schemeClr>
+          </a:solidFill>
         </p:spPr>
         <p:txBody>
           <a:bodyPr wrap="none" rtlCol="0">
@@ -27030,15 +27277,28 @@
           </a:bodyPr>
           <a:lstStyle/>
           <a:p>
-            <a:r>
-              <a:rPr lang="en-US" altLang="zh-CN" dirty="0" smtClean="0"/>
+            <a:pPr algn="r"/>
+            <a:r>
+              <a:rPr lang="en-US" altLang="zh-CN" dirty="0" smtClean="0">
+                <a:solidFill>
+                  <a:schemeClr val="bg1"/>
+                </a:solidFill>
+              </a:rPr>
               <a:t>Angular</a:t>
             </a:r>
             <a:r>
-              <a:rPr lang="zh-CN" altLang="en-US" dirty="0" smtClean="0"/>
+              <a:rPr lang="zh-CN" altLang="en-US" dirty="0" smtClean="0">
+                <a:solidFill>
+                  <a:schemeClr val="bg1"/>
+                </a:solidFill>
+              </a:rPr>
               <a:t>开发</a:t>
             </a:r>
-            <a:endParaRPr lang="zh-CN" altLang="en-US" dirty="0"/>
+            <a:endParaRPr lang="zh-CN" altLang="en-US" dirty="0">
+              <a:solidFill>
+                <a:schemeClr val="bg1"/>
+              </a:solidFill>
+            </a:endParaRPr>
           </a:p>
         </p:txBody>
       </p:sp>
@@ -27051,11 +27311,17 @@
         <p:spPr>
           <a:xfrm>
             <a:off x="759123" y="1156265"/>
-            <a:ext cx="8712679" cy="4247317"/>
+            <a:ext cx="8897495" cy="4247317"/>
           </a:xfrm>
           <a:prstGeom prst="rect">
             <a:avLst/>
           </a:prstGeom>
+          <a:solidFill>
+            <a:schemeClr val="accent6">
+              <a:lumMod val="20000"/>
+              <a:lumOff val="80000"/>
+            </a:schemeClr>
+          </a:solidFill>
         </p:spPr>
         <p:txBody>
           <a:bodyPr wrap="square">
@@ -27324,7 +27590,7 @@
       </p:par>
     </p:tnLst>
     <p:bldLst>
-      <p:bldP spid="3" grpId="0"/>
+      <p:bldP spid="3" grpId="0" animBg="1"/>
     </p:bldLst>
   </p:timing>
 </p:sld>
@@ -27682,7 +27948,7 @@
           <p:nvPr>
             <p:extLst>
               <p:ext uri="{D42A27DB-BD31-4B8C-83A1-F6EECF244321}">
-                <p14:modId xmlns:p14="http://schemas.microsoft.com/office/powerpoint/2010/main" val="2010564506"/>
+                <p14:modId xmlns:p14="http://schemas.microsoft.com/office/powerpoint/2010/main" val="4274969058"/>
               </p:ext>
             </p:extLst>
           </p:nvPr>
@@ -27818,8 +28084,8 @@
                     </a:lnB>
                     <a:solidFill>
                       <a:schemeClr val="accent6">
-                        <a:lumMod val="40000"/>
-                        <a:lumOff val="60000"/>
+                        <a:lumMod val="20000"/>
+                        <a:lumOff val="80000"/>
                       </a:schemeClr>
                     </a:solidFill>
                   </a:tcPr>
@@ -27845,8 +28111,8 @@
           </a:prstGeom>
           <a:solidFill>
             <a:schemeClr val="accent6">
-              <a:lumMod val="40000"/>
-              <a:lumOff val="60000"/>
+              <a:lumMod val="20000"/>
+              <a:lumOff val="80000"/>
             </a:schemeClr>
           </a:solidFill>
         </p:spPr>
@@ -31875,7 +32141,12 @@
           <a:prstGeom prst="rect">
             <a:avLst/>
           </a:prstGeom>
-          <a:noFill/>
+          <a:solidFill>
+            <a:schemeClr val="accent6">
+              <a:lumMod val="20000"/>
+              <a:lumOff val="80000"/>
+            </a:schemeClr>
+          </a:solidFill>
         </p:spPr>
         <p:txBody>
           <a:bodyPr wrap="none" rtlCol="0">
@@ -33071,7 +33342,7 @@
               <a:t> </a:t>
             </a:r>
             <a:r>
-              <a:rPr lang="zh-CN" altLang="en-US" sz="1600" dirty="0" smtClean="0">
+              <a:rPr lang="zh-CN" altLang="en-US" sz="1600" dirty="0">
                 <a:solidFill>
                   <a:schemeClr val="tx1">
                     <a:lumMod val="65000"/>
@@ -33162,8 +33433,8 @@
         </p:nvSpPr>
         <p:spPr>
           <a:xfrm>
-            <a:off x="2566614" y="1086426"/>
-            <a:ext cx="2928879" cy="646331"/>
+            <a:off x="706011" y="1471164"/>
+            <a:ext cx="2926379" cy="369332"/>
           </a:xfrm>
           <a:prstGeom prst="rect">
             <a:avLst/>
@@ -33177,33 +33448,12 @@
           <a:lstStyle/>
           <a:p>
             <a:r>
-              <a:rPr lang="en-US" altLang="zh-CN" b="1" dirty="0" err="1">
-                <a:hlinkClick r:id="rId5"/>
-              </a:rPr>
-              <a:t>JSFiddle</a:t>
-            </a:r>
-            <a:r>
-              <a:rPr lang="en-US" altLang="zh-CN" b="1" dirty="0">
-                <a:hlinkClick r:id="rId5"/>
-              </a:rPr>
-              <a:t> Hello World </a:t>
-            </a:r>
-            <a:r>
-              <a:rPr lang="zh-CN" altLang="en-US" b="1" dirty="0">
-                <a:hlinkClick r:id="rId5"/>
-              </a:rPr>
-              <a:t>例子</a:t>
-            </a:r>
-            <a:r>
-              <a:rPr lang="zh-CN" altLang="en-US" dirty="0" smtClean="0"/>
-              <a:t>。</a:t>
-            </a:r>
-            <a:endParaRPr lang="en-US" altLang="zh-CN" b="1" dirty="0" smtClean="0"/>
-          </a:p>
-          <a:p>
-            <a:r>
               <a:rPr lang="zh-CN" altLang="en-US" b="1" dirty="0" smtClean="0"/>
-              <a:t>通过如下方式引入 </a:t>
+              <a:t>通过</a:t>
+            </a:r>
+            <a:r>
+              <a:rPr lang="zh-CN" altLang="en-US" b="1" dirty="0" smtClean="0"/>
+              <a:t>如下方式引入 </a:t>
             </a:r>
             <a:r>
               <a:rPr lang="en-US" altLang="zh-CN" b="1" dirty="0" err="1" smtClean="0"/>
@@ -33321,7 +33571,7 @@
             </a:r>
             <a:r>
               <a:rPr lang="en-US" altLang="zh-CN" b="1" dirty="0">
-                <a:hlinkClick r:id="rId6"/>
+                <a:hlinkClick r:id="rId5"/>
               </a:rPr>
               <a:t>https://unpkg.com/vue</a:t>
             </a:r>
@@ -33362,7 +33612,7 @@
             </a:r>
             <a:r>
               <a:rPr lang="en-US" altLang="zh-CN" b="1" dirty="0">
-                <a:hlinkClick r:id="rId7"/>
+                <a:hlinkClick r:id="rId6"/>
               </a:rPr>
               <a:t>https://unpkg.com/vue/</a:t>
             </a:r>
@@ -33390,7 +33640,7 @@
             </a:r>
             <a:r>
               <a:rPr lang="en-US" altLang="zh-CN" b="1" dirty="0" err="1">
-                <a:hlinkClick r:id="rId8"/>
+                <a:hlinkClick r:id="rId7"/>
               </a:rPr>
               <a:t>jsDelivr</a:t>
             </a:r>
@@ -33400,7 +33650,7 @@
             </a:r>
             <a:r>
               <a:rPr lang="en-US" altLang="zh-CN" b="1" dirty="0" err="1">
-                <a:hlinkClick r:id="rId9"/>
+                <a:hlinkClick r:id="rId8"/>
               </a:rPr>
               <a:t>cdnjs</a:t>
             </a:r>
@@ -33422,7 +33672,7 @@
         </p:nvSpPr>
         <p:spPr>
           <a:xfrm>
-            <a:off x="706011" y="3978989"/>
+            <a:off x="706011" y="4290716"/>
             <a:ext cx="824265" cy="369332"/>
           </a:xfrm>
           <a:prstGeom prst="rect">
@@ -33499,7 +33749,7 @@
           <a:p>
             <a:r>
               <a:rPr lang="en-US" altLang="zh-CN" b="1" dirty="0" err="1" smtClean="0">
-                <a:hlinkClick r:id="rId10"/>
+                <a:hlinkClick r:id="rId9"/>
               </a:rPr>
               <a:t>Webpack</a:t>
             </a:r>
@@ -33509,7 +33759,7 @@
             </a:r>
             <a:r>
               <a:rPr lang="en-US" altLang="zh-CN" b="1" dirty="0" err="1">
-                <a:hlinkClick r:id="rId11"/>
+                <a:hlinkClick r:id="rId10"/>
               </a:rPr>
               <a:t>Browserify</a:t>
             </a:r>
@@ -33527,7 +33777,7 @@
             </a:r>
             <a:r>
               <a:rPr lang="zh-CN" altLang="en-US" b="1" dirty="0">
-                <a:hlinkClick r:id="rId12"/>
+                <a:hlinkClick r:id="rId11"/>
               </a:rPr>
               <a:t>单文件组件</a:t>
             </a:r>
@@ -34640,7 +34890,11 @@
           <a:prstGeom prst="rect">
             <a:avLst/>
           </a:prstGeom>
-          <a:noFill/>
+          <a:solidFill>
+            <a:schemeClr val="accent5">
+              <a:lumMod val="75000"/>
+            </a:schemeClr>
+          </a:solidFill>
         </p:spPr>
         <p:txBody>
           <a:bodyPr wrap="none" rtlCol="0">
@@ -34649,10 +34903,18 @@
           <a:lstStyle/>
           <a:p>
             <a:r>
-              <a:rPr lang="zh-CN" altLang="en-US" dirty="0" smtClean="0"/>
+              <a:rPr lang="zh-CN" altLang="en-US" dirty="0" smtClean="0">
+                <a:solidFill>
+                  <a:schemeClr val="bg1"/>
+                </a:solidFill>
+              </a:rPr>
               <a:t>课程目的</a:t>
             </a:r>
-            <a:endParaRPr lang="zh-CN" altLang="en-US" dirty="0"/>
+            <a:endParaRPr lang="zh-CN" altLang="en-US" dirty="0">
+              <a:solidFill>
+                <a:schemeClr val="bg1"/>
+              </a:solidFill>
+            </a:endParaRPr>
           </a:p>
         </p:txBody>
       </p:sp>
@@ -34664,8 +34926,8 @@
         </p:nvSpPr>
         <p:spPr>
           <a:xfrm>
-            <a:off x="871268" y="1656272"/>
-            <a:ext cx="10652019" cy="923330"/>
+            <a:off x="664233" y="1656271"/>
+            <a:ext cx="10105652" cy="923330"/>
           </a:xfrm>
           <a:prstGeom prst="rect">
             <a:avLst/>
@@ -34692,7 +34954,15 @@
             </a:r>
             <a:r>
               <a:rPr lang="zh-CN" altLang="en-US" dirty="0" smtClean="0"/>
-              <a:t>前端框架的含义，类库和框架的区别，重点介绍</a:t>
+              <a:t>前端</a:t>
+            </a:r>
+            <a:r>
+              <a:rPr lang="zh-CN" altLang="en-US" dirty="0" smtClean="0"/>
+              <a:t>框架，</a:t>
+            </a:r>
+            <a:r>
+              <a:rPr lang="zh-CN" altLang="en-US" dirty="0" smtClean="0"/>
+              <a:t>类库和框架的区别，重点介绍</a:t>
             </a:r>
             <a:r>
               <a:rPr lang="en-US" altLang="zh-CN" dirty="0" smtClean="0"/>
@@ -34723,15 +34993,15 @@
           <a:p>
             <a:r>
               <a:rPr lang="zh-CN" altLang="en-US" dirty="0" smtClean="0"/>
-              <a:t>特性等以及对比，还会介绍一下</a:t>
-            </a:r>
-            <a:r>
-              <a:rPr lang="en-US" altLang="zh-CN" dirty="0" smtClean="0"/>
-              <a:t>spa</a:t>
+              <a:t>特性等以及对比，还会介绍</a:t>
             </a:r>
             <a:r>
               <a:rPr lang="zh-CN" altLang="en-US" dirty="0" smtClean="0"/>
-              <a:t>，前端的发展，</a:t>
+              <a:t>一下前端</a:t>
+            </a:r>
+            <a:r>
+              <a:rPr lang="zh-CN" altLang="en-US" dirty="0" smtClean="0"/>
+              <a:t>的发展，</a:t>
             </a:r>
             <a:r>
               <a:rPr lang="en-US" altLang="zh-CN" dirty="0" err="1" smtClean="0"/>
@@ -34739,7 +35009,15 @@
             </a:r>
             <a:r>
               <a:rPr lang="zh-CN" altLang="en-US" dirty="0" smtClean="0"/>
-              <a:t>的理念和起步，希望大家能学习到框架和类库是</a:t>
+              <a:t>的理念和起步，希望大家</a:t>
+            </a:r>
+            <a:r>
+              <a:rPr lang="zh-CN" altLang="en-US" dirty="0" smtClean="0"/>
+              <a:t>能认识到</a:t>
+            </a:r>
+            <a:r>
+              <a:rPr lang="zh-CN" altLang="en-US" dirty="0" smtClean="0"/>
+              <a:t>框架和类库是</a:t>
             </a:r>
             <a:endParaRPr lang="en-US" altLang="zh-CN" dirty="0" smtClean="0"/>
           </a:p>
@@ -50586,7 +50864,11 @@
           <a:prstGeom prst="rect">
             <a:avLst/>
           </a:prstGeom>
-          <a:noFill/>
+          <a:solidFill>
+            <a:schemeClr val="accent5">
+              <a:lumMod val="75000"/>
+            </a:schemeClr>
+          </a:solidFill>
         </p:spPr>
         <p:txBody>
           <a:bodyPr wrap="none" rtlCol="0">
@@ -50595,10 +50877,18 @@
           <a:lstStyle/>
           <a:p>
             <a:r>
-              <a:rPr lang="en-US" altLang="zh-CN" dirty="0" err="1" smtClean="0"/>
+              <a:rPr lang="en-US" altLang="zh-CN" dirty="0" err="1" smtClean="0">
+                <a:solidFill>
+                  <a:schemeClr val="bg1"/>
+                </a:solidFill>
+              </a:rPr>
               <a:t>jquery</a:t>
             </a:r>
-            <a:endParaRPr lang="zh-CN" altLang="en-US" dirty="0"/>
+            <a:endParaRPr lang="zh-CN" altLang="en-US" dirty="0">
+              <a:solidFill>
+                <a:schemeClr val="bg1"/>
+              </a:solidFill>
+            </a:endParaRPr>
           </a:p>
         </p:txBody>
       </p:sp>
@@ -50759,7 +51049,7 @@
         </p:nvSpPr>
         <p:spPr>
           <a:xfrm>
-            <a:off x="1313672" y="2560441"/>
+            <a:off x="1173191" y="2560441"/>
             <a:ext cx="3884857" cy="369332"/>
           </a:xfrm>
           <a:prstGeom prst="rect">
@@ -51522,7 +51812,7 @@
         </p:blipFill>
         <p:spPr>
           <a:xfrm>
-            <a:off x="6116504" y="1153987"/>
+            <a:off x="6130358" y="856115"/>
             <a:ext cx="5885715" cy="3047619"/>
           </a:xfrm>
           <a:prstGeom prst="rect">
@@ -51544,7 +51834,11 @@
           <a:prstGeom prst="rect">
             <a:avLst/>
           </a:prstGeom>
-          <a:noFill/>
+          <a:solidFill>
+            <a:schemeClr val="accent5">
+              <a:lumMod val="75000"/>
+            </a:schemeClr>
+          </a:solidFill>
         </p:spPr>
         <p:txBody>
           <a:bodyPr wrap="none" rtlCol="0">
@@ -51553,10 +51847,18 @@
           <a:lstStyle/>
           <a:p>
             <a:r>
-              <a:rPr lang="en-US" altLang="zh-CN" dirty="0" smtClean="0"/>
+              <a:rPr lang="en-US" altLang="zh-CN" dirty="0" smtClean="0">
+                <a:solidFill>
+                  <a:schemeClr val="bg1"/>
+                </a:solidFill>
+              </a:rPr>
               <a:t>MVC</a:t>
             </a:r>
-            <a:endParaRPr lang="zh-CN" altLang="en-US" dirty="0"/>
+            <a:endParaRPr lang="zh-CN" altLang="en-US" dirty="0">
+              <a:solidFill>
+                <a:schemeClr val="bg1"/>
+              </a:solidFill>
+            </a:endParaRPr>
           </a:p>
         </p:txBody>
       </p:sp>
@@ -51778,7 +52080,11 @@
           <a:prstGeom prst="rect">
             <a:avLst/>
           </a:prstGeom>
-          <a:noFill/>
+          <a:solidFill>
+            <a:schemeClr val="accent5">
+              <a:lumMod val="75000"/>
+            </a:schemeClr>
+          </a:solidFill>
         </p:spPr>
         <p:txBody>
           <a:bodyPr wrap="none" rtlCol="0">
@@ -51787,10 +52093,18 @@
           <a:lstStyle/>
           <a:p>
             <a:r>
-              <a:rPr lang="en-US" altLang="zh-CN" dirty="0" smtClean="0"/>
+              <a:rPr lang="en-US" altLang="zh-CN" dirty="0" smtClean="0">
+                <a:solidFill>
+                  <a:schemeClr val="bg1"/>
+                </a:solidFill>
+              </a:rPr>
               <a:t>MVVM</a:t>
             </a:r>
-            <a:endParaRPr lang="zh-CN" altLang="en-US" dirty="0"/>
+            <a:endParaRPr lang="zh-CN" altLang="en-US" dirty="0">
+              <a:solidFill>
+                <a:schemeClr val="bg1"/>
+              </a:solidFill>
+            </a:endParaRPr>
           </a:p>
         </p:txBody>
       </p:sp>
@@ -51951,7 +52265,11 @@
           <a:prstGeom prst="rect">
             <a:avLst/>
           </a:prstGeom>
-          <a:noFill/>
+          <a:solidFill>
+            <a:schemeClr val="accent5">
+              <a:lumMod val="75000"/>
+            </a:schemeClr>
+          </a:solidFill>
         </p:spPr>
         <p:txBody>
           <a:bodyPr wrap="none" rtlCol="0">
@@ -51960,18 +52278,34 @@
           <a:lstStyle/>
           <a:p>
             <a:r>
-              <a:rPr lang="zh-CN" altLang="en-US" dirty="0" smtClean="0"/>
+              <a:rPr lang="zh-CN" altLang="en-US" dirty="0" smtClean="0">
+                <a:solidFill>
+                  <a:schemeClr val="bg1"/>
+                </a:solidFill>
+              </a:rPr>
               <a:t>虚拟</a:t>
             </a:r>
             <a:r>
-              <a:rPr lang="en-US" altLang="zh-CN" dirty="0" err="1" smtClean="0"/>
+              <a:rPr lang="en-US" altLang="zh-CN" dirty="0" err="1" smtClean="0">
+                <a:solidFill>
+                  <a:schemeClr val="bg1"/>
+                </a:solidFill>
+              </a:rPr>
               <a:t>dom</a:t>
             </a:r>
             <a:r>
-              <a:rPr lang="zh-CN" altLang="en-US" dirty="0" smtClean="0"/>
+              <a:rPr lang="zh-CN" altLang="en-US" dirty="0" smtClean="0">
+                <a:solidFill>
+                  <a:schemeClr val="bg1"/>
+                </a:solidFill>
+              </a:rPr>
               <a:t>？</a:t>
             </a:r>
-            <a:endParaRPr lang="zh-CN" altLang="en-US" dirty="0"/>
+            <a:endParaRPr lang="zh-CN" altLang="en-US" dirty="0">
+              <a:solidFill>
+                <a:schemeClr val="bg1"/>
+              </a:solidFill>
+            </a:endParaRPr>
           </a:p>
         </p:txBody>
       </p:sp>
@@ -52301,7 +52635,11 @@
           <a:prstGeom prst="rect">
             <a:avLst/>
           </a:prstGeom>
-          <a:noFill/>
+          <a:solidFill>
+            <a:schemeClr val="accent5">
+              <a:lumMod val="75000"/>
+            </a:schemeClr>
+          </a:solidFill>
         </p:spPr>
         <p:txBody>
           <a:bodyPr wrap="none" rtlCol="0">
@@ -52310,10 +52648,18 @@
           <a:lstStyle/>
           <a:p>
             <a:r>
-              <a:rPr lang="zh-CN" altLang="en-US" dirty="0" smtClean="0"/>
+              <a:rPr lang="zh-CN" altLang="en-US" dirty="0" smtClean="0">
+                <a:solidFill>
+                  <a:schemeClr val="bg1"/>
+                </a:solidFill>
+              </a:rPr>
               <a:t>数据双向绑定</a:t>
             </a:r>
-            <a:endParaRPr lang="zh-CN" altLang="en-US" dirty="0"/>
+            <a:endParaRPr lang="zh-CN" altLang="en-US" dirty="0">
+              <a:solidFill>
+                <a:schemeClr val="bg1"/>
+              </a:solidFill>
+            </a:endParaRPr>
           </a:p>
         </p:txBody>
       </p:sp>
@@ -52762,17 +53108,17 @@
         <a:srgbClr val="800080"/>
       </a:folHlink>
     </a:clrScheme>
-    <a:fontScheme name="行云流水">
+    <a:fontScheme name="暗香扑面">
       <a:majorFont>
-        <a:latin typeface="Cambria"/>
+        <a:latin typeface="Franklin Gothic Medium"/>
         <a:ea typeface=""/>
         <a:cs typeface=""/>
-        <a:font script="Jpan" typeface="ＭＳ Ｐゴシック"/>
-        <a:font script="Hang" typeface="맑은 고딕"/>
-        <a:font script="Hans" typeface="华文行楷"/>
+        <a:font script="Jpan" typeface="HG創英角ｺﾞｼｯｸUB"/>
+        <a:font script="Hang" typeface="HY견고딕"/>
+        <a:font script="Hans" typeface="微软雅黑"/>
         <a:font script="Hant" typeface="微軟正黑體"/>
-        <a:font script="Arab" typeface="Arial"/>
-        <a:font script="Hebr" typeface="Arial"/>
+        <a:font script="Arab" typeface="Arial Bold"/>
+        <a:font script="Hebr" typeface="Arial Bold"/>
         <a:font script="Thai" typeface="Cordia New"/>
         <a:font script="Ethi" typeface="Nyala"/>
         <a:font script="Beng" typeface="Vrinda"/>
@@ -52794,21 +53140,21 @@
         <a:font script="Laoo" typeface="DokChampa"/>
         <a:font script="Sinh" typeface="Iskoola Pota"/>
         <a:font script="Mong" typeface="Mongolian Baiti"/>
-        <a:font script="Viet" typeface="Arial"/>
+        <a:font script="Viet" typeface="Arial Bold"/>
         <a:font script="Uigh" typeface="Microsoft Uighur"/>
         <a:font script="Geor" typeface="Sylfaen"/>
       </a:majorFont>
       <a:minorFont>
-        <a:latin typeface="Calibri"/>
+        <a:latin typeface="Franklin Gothic Book"/>
         <a:ea typeface=""/>
         <a:cs typeface=""/>
-        <a:font script="Jpan" typeface="ＭＳ Ｐ明朝"/>
-        <a:font script="Hang" typeface="HY견명조"/>
-        <a:font script="Hans" typeface="华文行楷"/>
+        <a:font script="Jpan" typeface="HG創英角ｺﾞｼｯｸUB"/>
+        <a:font script="Hang" typeface="맑은 고딕"/>
+        <a:font script="Hans" typeface="黑体"/>
         <a:font script="Hant" typeface="新細明體"/>
-        <a:font script="Arab" typeface="Times New Roman"/>
-        <a:font script="Hebr" typeface="Times New Roman"/>
-        <a:font script="Thai" typeface="Angsana New"/>
+        <a:font script="Arab" typeface="Arial"/>
+        <a:font script="Hebr" typeface="Arial"/>
+        <a:font script="Thai" typeface="Cordian New"/>
         <a:font script="Ethi" typeface="Nyala"/>
         <a:font script="Beng" typeface="Vrinda"/>
         <a:font script="Gujr" typeface="Shruti"/>
@@ -52829,7 +53175,7 @@
         <a:font script="Laoo" typeface="DokChampa"/>
         <a:font script="Sinh" typeface="Iskoola Pota"/>
         <a:font script="Mong" typeface="Mongolian Baiti"/>
-        <a:font script="Viet" typeface="Times New Roman"/>
+        <a:font script="Viet" typeface="Arial"/>
         <a:font script="Uigh" typeface="Microsoft Uighur"/>
         <a:font script="Geor" typeface="Sylfaen"/>
       </a:minorFont>
@@ -53049,7 +53395,7 @@
     </a:clrScheme>
     <a:fontScheme name="Office">
       <a:majorFont>
-        <a:latin typeface="Calibri Light" panose="020F0302020204030204"/>
+        <a:latin typeface="Calibri Light"/>
         <a:ea typeface=""/>
         <a:cs typeface=""/>
         <a:font script="Jpan" typeface="ＭＳ Ｐゴシック"/>
@@ -53084,7 +53430,7 @@
         <a:font script="Geor" typeface="Sylfaen"/>
       </a:majorFont>
       <a:minorFont>
-        <a:latin typeface="Calibri" panose="020F0502020204030204"/>
+        <a:latin typeface="Calibri"/>
         <a:ea typeface=""/>
         <a:cs typeface=""/>
         <a:font script="Jpan" typeface="ＭＳ Ｐゴシック"/>
@@ -53261,7 +53607,7 @@
   <a:extraClrSchemeLst/>
   <a:extLst>
     <a:ext uri="{05A4C25C-085E-4340-85A3-A5531E510DB2}">
-      <thm15:themeFamily xmlns="" xmlns:thm15="http://schemas.microsoft.com/office/thememl/2012/main" name="Office Theme" id="{62F939B6-93AF-4DB8-9C6B-D6C7DFDC589F}" vid="{4A3C46E8-61CC-4603-A589-7422A47A8E4A}"/>
+      <thm15:themeFamily xmlns:thm15="http://schemas.microsoft.com/office/thememl/2012/main" xmlns="" name="Office Theme" id="{62F939B6-93AF-4DB8-9C6B-D6C7DFDC589F}" vid="{4A3C46E8-61CC-4603-A589-7422A47A8E4A}"/>
     </a:ext>
   </a:extLst>
 </a:theme>
@@ -53310,7 +53656,7 @@
     </a:clrScheme>
     <a:fontScheme name="Office">
       <a:majorFont>
-        <a:latin typeface="Calibri Light" panose="020F0302020204030204"/>
+        <a:latin typeface="Calibri Light"/>
         <a:ea typeface=""/>
         <a:cs typeface=""/>
         <a:font script="Jpan" typeface="ＭＳ Ｐゴシック"/>
@@ -53345,7 +53691,7 @@
         <a:font script="Geor" typeface="Sylfaen"/>
       </a:majorFont>
       <a:minorFont>
-        <a:latin typeface="Calibri" panose="020F0502020204030204"/>
+        <a:latin typeface="Calibri"/>
         <a:ea typeface=""/>
         <a:cs typeface=""/>
         <a:font script="Jpan" typeface="ＭＳ Ｐゴシック"/>
@@ -53522,7 +53868,7 @@
   <a:extraClrSchemeLst/>
   <a:extLst>
     <a:ext uri="{05A4C25C-085E-4340-85A3-A5531E510DB2}">
-      <thm15:themeFamily xmlns="" xmlns:thm15="http://schemas.microsoft.com/office/thememl/2012/main" name="Office Theme" id="{62F939B6-93AF-4DB8-9C6B-D6C7DFDC589F}" vid="{4A3C46E8-61CC-4603-A589-7422A47A8E4A}"/>
+      <thm15:themeFamily xmlns:thm15="http://schemas.microsoft.com/office/thememl/2012/main" xmlns="" name="Office Theme" id="{62F939B6-93AF-4DB8-9C6B-D6C7DFDC589F}" vid="{4A3C46E8-61CC-4603-A589-7422A47A8E4A}"/>
     </a:ext>
   </a:extLst>
 </a:theme>

--- a/class1/Web前端框架介绍0.pptx
+++ b/class1/Web前端框架介绍0.pptx
@@ -152,7 +152,7 @@
   </p:defaultTextStyle>
   <p:extLst>
     <p:ext uri="{EFAFB233-063F-42B5-8137-9DF3F51BA10A}">
-      <p15:sldGuideLst xmlns:p15="http://schemas.microsoft.com/office/powerpoint/2012/main" xmlns="">
+      <p15:sldGuideLst xmlns="" xmlns:p15="http://schemas.microsoft.com/office/powerpoint/2012/main">
         <p15:guide id="1" pos="3840" userDrawn="1">
           <p15:clr>
             <a:srgbClr val="A4A3A4"/>
@@ -166,7 +166,7 @@
       </p15:sldGuideLst>
     </p:ext>
     <p:ext uri="{2D200454-40CA-4A62-9FC3-DE9A4176ACB9}">
-      <p15:notesGuideLst xmlns:p15="http://schemas.microsoft.com/office/powerpoint/2012/main" xmlns=""/>
+      <p15:notesGuideLst xmlns="" xmlns:p15="http://schemas.microsoft.com/office/powerpoint/2012/main"/>
     </p:ext>
   </p:extLst>
 </p:presentation>
@@ -4463,7 +4463,91 @@
                 <a:ea typeface="微软雅黑" panose="020B0503020204020204" pitchFamily="34" charset="-122"/>
                 <a:cs typeface="+mn-cs"/>
               </a:rPr>
-              <a:t>月开源了。</a:t>
+              <a:t>月开源了</a:t>
+            </a:r>
+            <a:r>
+              <a:rPr lang="zh-CN" altLang="en-US" sz="1200" b="0" i="0" kern="1200" dirty="0" smtClean="0">
+                <a:solidFill>
+                  <a:schemeClr val="tx1"/>
+                </a:solidFill>
+                <a:effectLst/>
+                <a:latin typeface="+mn-lt"/>
+                <a:ea typeface="微软雅黑" panose="020B0503020204020204" pitchFamily="34" charset="-122"/>
+                <a:cs typeface="+mn-cs"/>
+              </a:rPr>
+              <a:t>。最新版本是</a:t>
+            </a:r>
+            <a:r>
+              <a:rPr lang="en-US" altLang="zh-CN" sz="1200" b="0" i="0" kern="1200" dirty="0" smtClean="0">
+                <a:solidFill>
+                  <a:schemeClr val="tx1"/>
+                </a:solidFill>
+                <a:effectLst/>
+                <a:latin typeface="+mn-lt"/>
+                <a:ea typeface="微软雅黑" panose="020B0503020204020204" pitchFamily="34" charset="-122"/>
+                <a:cs typeface="+mn-cs"/>
+              </a:rPr>
+              <a:t>v16.0.0beta3</a:t>
+            </a:r>
+            <a:r>
+              <a:rPr lang="zh-CN" altLang="en-US" sz="1200" b="0" i="0" kern="1200" dirty="0" smtClean="0">
+                <a:solidFill>
+                  <a:schemeClr val="tx1"/>
+                </a:solidFill>
+                <a:effectLst/>
+                <a:latin typeface="+mn-lt"/>
+                <a:ea typeface="微软雅黑" panose="020B0503020204020204" pitchFamily="34" charset="-122"/>
+                <a:cs typeface="+mn-cs"/>
+              </a:rPr>
+              <a:t>，公共测试版，收集意见用的</a:t>
+            </a:r>
+            <a:r>
+              <a:rPr lang="en-US" altLang="zh-CN" sz="1200" b="0" i="0" kern="1200" dirty="0" smtClean="0">
+                <a:solidFill>
+                  <a:schemeClr val="tx1"/>
+                </a:solidFill>
+                <a:effectLst/>
+                <a:latin typeface="+mn-lt"/>
+                <a:ea typeface="微软雅黑" panose="020B0503020204020204" pitchFamily="34" charset="-122"/>
+                <a:cs typeface="+mn-cs"/>
+              </a:rPr>
+              <a:t>,</a:t>
+            </a:r>
+            <a:r>
+              <a:rPr lang="zh-CN" altLang="en-US" sz="1200" b="0" i="0" kern="1200" dirty="0" smtClean="0">
+                <a:solidFill>
+                  <a:schemeClr val="tx1"/>
+                </a:solidFill>
+                <a:effectLst/>
+                <a:latin typeface="+mn-lt"/>
+                <a:ea typeface="微软雅黑" panose="020B0503020204020204" pitchFamily="34" charset="-122"/>
+                <a:cs typeface="+mn-cs"/>
+              </a:rPr>
+              <a:t>半年前发布的，具体的可以去</a:t>
+            </a:r>
+            <a:r>
+              <a:rPr lang="en-US" altLang="zh-CN" sz="1200" b="0" i="0" kern="1200" dirty="0" err="1" smtClean="0">
+                <a:solidFill>
+                  <a:schemeClr val="tx1"/>
+                </a:solidFill>
+                <a:effectLst/>
+                <a:latin typeface="+mn-lt"/>
+                <a:ea typeface="微软雅黑" panose="020B0503020204020204" pitchFamily="34" charset="-122"/>
+                <a:cs typeface="+mn-cs"/>
+              </a:rPr>
+              <a:t>github</a:t>
+            </a:r>
+            <a:r>
+              <a:rPr lang="zh-CN" altLang="en-US" sz="1200" b="0" i="0" kern="1200" dirty="0" smtClean="0">
+                <a:solidFill>
+                  <a:schemeClr val="tx1"/>
+                </a:solidFill>
+                <a:effectLst/>
+                <a:latin typeface="+mn-lt"/>
+                <a:ea typeface="微软雅黑" panose="020B0503020204020204" pitchFamily="34" charset="-122"/>
+                <a:cs typeface="+mn-cs"/>
+              </a:rPr>
+              <a:t>上看</a:t>
             </a:r>
             <a:endParaRPr lang="en-US" altLang="zh-CN" sz="1200" b="0" i="0" kern="1200" dirty="0" smtClean="0">
               <a:solidFill>
@@ -4667,19 +4751,7 @@
                 <a:ea typeface="微软雅黑" panose="020B0503020204020204" pitchFamily="34" charset="-122"/>
                 <a:cs typeface="+mn-cs"/>
               </a:rPr>
-              <a:t>的交互</a:t>
-            </a:r>
-            <a:r>
-              <a:rPr lang="zh-CN" altLang="en-US" sz="1200" b="0" i="0" kern="1200" dirty="0" smtClean="0">
-                <a:solidFill>
-                  <a:schemeClr val="tx1"/>
-                </a:solidFill>
-                <a:effectLst/>
-                <a:latin typeface="+mn-lt"/>
-                <a:ea typeface="微软雅黑" panose="020B0503020204020204" pitchFamily="34" charset="-122"/>
-                <a:cs typeface="+mn-cs"/>
-              </a:rPr>
-              <a:t>。在</a:t>
+              <a:t>的交互。在</a:t>
             </a:r>
             <a:r>
               <a:rPr lang="en-US" altLang="zh-CN" sz="1200" b="0" i="0" kern="1200" dirty="0" smtClean="0">
@@ -6238,6 +6310,30 @@
               <a:t>的重视，公司也开始资助其团队全职从事开发</a:t>
             </a:r>
             <a:r>
+              <a:rPr lang="en-US" altLang="zh-CN" sz="1200" b="0" i="0" kern="1200" dirty="0" err="1" smtClean="0">
+                <a:solidFill>
+                  <a:schemeClr val="tx1"/>
+                </a:solidFill>
+                <a:effectLst/>
+                <a:latin typeface="+mn-lt"/>
+                <a:ea typeface="微软雅黑" panose="020B0503020204020204" pitchFamily="34" charset="-122"/>
+                <a:cs typeface="+mn-cs"/>
+              </a:rPr>
+              <a:t>AngularJS</a:t>
+            </a:r>
+            <a:r>
+              <a:rPr lang="zh-CN" altLang="en-US" sz="1200" b="0" i="0" kern="1200" dirty="0" smtClean="0">
+                <a:solidFill>
+                  <a:schemeClr val="tx1"/>
+                </a:solidFill>
+                <a:effectLst/>
+                <a:latin typeface="+mn-lt"/>
+                <a:ea typeface="微软雅黑" panose="020B0503020204020204" pitchFamily="34" charset="-122"/>
+                <a:cs typeface="+mn-cs"/>
+              </a:rPr>
+              <a:t>。最新版本是</a:t>
+            </a:r>
+            <a:r>
               <a:rPr lang="en-US" altLang="zh-CN" sz="1200" b="0" i="0" kern="1200" dirty="0" smtClean="0">
                 <a:solidFill>
                   <a:schemeClr val="tx1"/>
@@ -6247,19 +6343,31 @@
                 <a:ea typeface="微软雅黑" panose="020B0503020204020204" pitchFamily="34" charset="-122"/>
                 <a:cs typeface="+mn-cs"/>
               </a:rPr>
-              <a:t>AngularJS</a:t>
-            </a:r>
-            <a:r>
-              <a:rPr lang="zh-CN" altLang="en-US" sz="1200" b="0" i="0" kern="1200" dirty="0" smtClean="0">
-                <a:solidFill>
-                  <a:schemeClr val="tx1"/>
-                </a:solidFill>
-                <a:effectLst/>
-                <a:latin typeface="+mn-lt"/>
-                <a:ea typeface="微软雅黑" panose="020B0503020204020204" pitchFamily="34" charset="-122"/>
-                <a:cs typeface="+mn-cs"/>
-              </a:rPr>
-              <a:t>。</a:t>
+              <a:t>5.0.0</a:t>
+            </a:r>
+            <a:r>
+              <a:rPr lang="en-US" altLang="zh-CN" sz="1200" b="0" i="0" kern="1200" baseline="0" dirty="0" smtClean="0">
+                <a:solidFill>
+                  <a:schemeClr val="tx1"/>
+                </a:solidFill>
+                <a:effectLst/>
+                <a:latin typeface="+mn-lt"/>
+                <a:ea typeface="微软雅黑" panose="020B0503020204020204" pitchFamily="34" charset="-122"/>
+                <a:cs typeface="+mn-cs"/>
+              </a:rPr>
+              <a:t> beta3</a:t>
+            </a:r>
+            <a:r>
+              <a:rPr lang="zh-CN" altLang="en-US" sz="1200" b="0" i="0" kern="1200" baseline="0" dirty="0" smtClean="0">
+                <a:solidFill>
+                  <a:schemeClr val="tx1"/>
+                </a:solidFill>
+                <a:effectLst/>
+                <a:latin typeface="+mn-lt"/>
+                <a:ea typeface="微软雅黑" panose="020B0503020204020204" pitchFamily="34" charset="-122"/>
+                <a:cs typeface="+mn-cs"/>
+              </a:rPr>
+              <a:t>，几个月前就有了，不过看提交记录，现在还有人更新。</a:t>
             </a:r>
             <a:endParaRPr lang="en-US" altLang="zh-CN" sz="1200" b="0" i="0" kern="1200" dirty="0" smtClean="0">
               <a:solidFill>
@@ -7045,7 +7153,19 @@
             </a:r>
             <a:r>
               <a:rPr lang="zh-CN" altLang="en-US" dirty="0" smtClean="0"/>
-              <a:t>开发的并开源的</a:t>
+              <a:t>开发的并开源</a:t>
+            </a:r>
+            <a:r>
+              <a:rPr lang="zh-CN" altLang="en-US" dirty="0" smtClean="0"/>
+              <a:t>的，现在最新版本是</a:t>
+            </a:r>
+            <a:r>
+              <a:rPr lang="en-US" altLang="zh-CN" dirty="0" smtClean="0"/>
+              <a:t>2.4.2</a:t>
+            </a:r>
+            <a:r>
+              <a:rPr lang="zh-CN" altLang="en-US" smtClean="0"/>
+              <a:t>，已经是稳定版本了</a:t>
             </a:r>
             <a:endParaRPr lang="zh-CN" altLang="en-US" dirty="0"/>
           </a:p>
@@ -7744,19 +7864,7 @@
                 <a:ea typeface="微软雅黑" panose="020B0503020204020204" pitchFamily="34" charset="-122"/>
                 <a:cs typeface="+mn-cs"/>
               </a:rPr>
-              <a:t>的解耦，把复杂的耦合关系由经常变化的业务代码转移到不经常变化的框架内部消化。是面向一个领域来提供一套解决方案，提高开发效率，如果我们选择了使用某框架，就应该遵循该框架所规定的</a:t>
-            </a:r>
-            <a:r>
-              <a:rPr lang="zh-CN" altLang="en-US" sz="1200" b="0" i="0" kern="1200" dirty="0" smtClean="0">
-                <a:solidFill>
-                  <a:schemeClr val="tx1"/>
-                </a:solidFill>
-                <a:effectLst/>
-                <a:latin typeface="+mn-lt"/>
-                <a:ea typeface="微软雅黑" panose="020B0503020204020204" pitchFamily="34" charset="-122"/>
-                <a:cs typeface="+mn-cs"/>
-              </a:rPr>
-              <a:t>规则。</a:t>
+              <a:t>的解耦，把复杂的耦合关系由经常变化的业务代码转移到不经常变化的框架内部消化。是面向一个领域来提供一套解决方案，提高开发效率，如果我们选择了使用某框架，就应该遵循该框架所规定的规则。</a:t>
             </a:r>
             <a:endParaRPr lang="en-US" altLang="zh-CN" sz="1200" b="0" i="0" kern="1200" dirty="0" smtClean="0">
               <a:solidFill>
@@ -7899,7 +8007,19 @@
                 <a:ea typeface="微软雅黑" panose="020B0503020204020204" pitchFamily="34" charset="-122"/>
                 <a:cs typeface="+mn-cs"/>
               </a:rPr>
-              <a:t>操作是附加的。所以，以模型为中心最终达到的目的是带来一整套工作流程的变更</a:t>
+              <a:t>操作是附加的。所以，以模型为中心最终达到的目的是带来一整套工作流程的变更，</a:t>
+            </a:r>
+            <a:r>
+              <a:rPr lang="en-US" altLang="zh-CN" sz="1200" b="0" i="0" kern="1200" dirty="0" smtClean="0">
+                <a:solidFill>
+                  <a:schemeClr val="tx1"/>
+                </a:solidFill>
+                <a:effectLst/>
+                <a:latin typeface="+mn-lt"/>
+                <a:ea typeface="微软雅黑" panose="020B0503020204020204" pitchFamily="34" charset="-122"/>
+                <a:cs typeface="+mn-cs"/>
+              </a:rPr>
+              <a:t>UI</a:t>
             </a:r>
             <a:r>
               <a:rPr lang="zh-CN" altLang="en-US" sz="1200" b="0" i="0" kern="1200" dirty="0" smtClean="0">
@@ -7911,7 +8031,7 @@
                 <a:ea typeface="微软雅黑" panose="020B0503020204020204" pitchFamily="34" charset="-122"/>
                 <a:cs typeface="+mn-cs"/>
               </a:rPr>
-              <a:t>，</a:t>
+              <a:t>设计师可以专注、无障碍的处理</a:t>
             </a:r>
             <a:r>
               <a:rPr lang="en-US" altLang="zh-CN" sz="1200" b="0" i="0" kern="1200" dirty="0" smtClean="0">
@@ -7923,7 +8043,7 @@
                 <a:ea typeface="微软雅黑" panose="020B0503020204020204" pitchFamily="34" charset="-122"/>
                 <a:cs typeface="+mn-cs"/>
               </a:rPr>
-              <a:t>UI</a:t>
+              <a:t>HTML</a:t>
             </a:r>
             <a:r>
               <a:rPr lang="zh-CN" altLang="en-US" sz="1200" b="0" i="0" kern="1200" dirty="0" smtClean="0">
@@ -7935,55 +8055,7 @@
                 <a:ea typeface="微软雅黑" panose="020B0503020204020204" pitchFamily="34" charset="-122"/>
                 <a:cs typeface="+mn-cs"/>
               </a:rPr>
-              <a:t>设计师</a:t>
-            </a:r>
-            <a:r>
-              <a:rPr lang="zh-CN" altLang="en-US" sz="1200" b="0" i="0" kern="1200" dirty="0" smtClean="0">
-                <a:solidFill>
-                  <a:schemeClr val="tx1"/>
-                </a:solidFill>
-                <a:effectLst/>
-                <a:latin typeface="+mn-lt"/>
-                <a:ea typeface="微软雅黑" panose="020B0503020204020204" pitchFamily="34" charset="-122"/>
-                <a:cs typeface="+mn-cs"/>
-              </a:rPr>
-              <a:t>可以专注、无障碍的处理</a:t>
-            </a:r>
-            <a:r>
-              <a:rPr lang="en-US" altLang="zh-CN" sz="1200" b="0" i="0" kern="1200" dirty="0" smtClean="0">
-                <a:solidFill>
-                  <a:schemeClr val="tx1"/>
-                </a:solidFill>
-                <a:effectLst/>
-                <a:latin typeface="+mn-lt"/>
-                <a:ea typeface="微软雅黑" panose="020B0503020204020204" pitchFamily="34" charset="-122"/>
-                <a:cs typeface="+mn-cs"/>
-              </a:rPr>
-              <a:t>HTML</a:t>
-            </a:r>
-            <a:r>
-              <a:rPr lang="zh-CN" altLang="en-US" sz="1200" b="0" i="0" kern="1200" dirty="0" smtClean="0">
-                <a:solidFill>
-                  <a:schemeClr val="tx1"/>
-                </a:solidFill>
-                <a:effectLst/>
-                <a:latin typeface="+mn-lt"/>
-                <a:ea typeface="微软雅黑" panose="020B0503020204020204" pitchFamily="34" charset="-122"/>
-                <a:cs typeface="+mn-cs"/>
-              </a:rPr>
-              <a:t>源码。</a:t>
-            </a:r>
-            <a:r>
-              <a:rPr lang="zh-CN" altLang="en-US" sz="1200" b="0" i="0" kern="1200" dirty="0" smtClean="0">
-                <a:solidFill>
-                  <a:schemeClr val="tx1"/>
-                </a:solidFill>
-                <a:effectLst/>
-                <a:latin typeface="+mn-lt"/>
-                <a:ea typeface="微软雅黑" panose="020B0503020204020204" pitchFamily="34" charset="-122"/>
-                <a:cs typeface="+mn-cs"/>
-              </a:rPr>
-              <a:t>这一整套协作机制能大大提高开发效率。使用</a:t>
+              <a:t>源码。这一整套协作机制能大大提高开发效率。使用</a:t>
             </a:r>
             <a:r>
               <a:rPr lang="en-US" altLang="zh-CN" sz="1200" b="0" i="0" kern="1200" dirty="0" smtClean="0">
@@ -13599,19 +13671,7 @@
                 <a:ea typeface="微软雅黑" panose="020B0503020204020204" pitchFamily="34" charset="-122"/>
                 <a:cs typeface="+mn-cs"/>
               </a:rPr>
-              <a:t>树</a:t>
-            </a:r>
-            <a:r>
-              <a:rPr lang="zh-CN" altLang="en-US" sz="1200" b="0" i="0" kern="1200" dirty="0" smtClean="0">
-                <a:solidFill>
-                  <a:schemeClr val="tx1"/>
-                </a:solidFill>
-                <a:effectLst/>
-                <a:latin typeface="+mn-lt"/>
-                <a:ea typeface="微软雅黑" panose="020B0503020204020204" pitchFamily="34" charset="-122"/>
-                <a:cs typeface="+mn-cs"/>
-              </a:rPr>
-              <a:t>。</a:t>
+              <a:t>树。</a:t>
             </a:r>
             <a:endParaRPr lang="en-US" altLang="zh-CN" sz="1200" b="0" i="0" kern="1200" dirty="0" smtClean="0">
               <a:solidFill>
@@ -13651,19 +13711,7 @@
                 <a:ea typeface="微软雅黑" panose="020B0503020204020204" pitchFamily="34" charset="-122"/>
                 <a:cs typeface="+mn-cs"/>
               </a:rPr>
-              <a:t>下面</a:t>
-            </a:r>
-            <a:r>
-              <a:rPr lang="zh-CN" altLang="en-US" sz="1200" b="0" i="0" kern="1200" dirty="0" smtClean="0">
-                <a:solidFill>
-                  <a:schemeClr val="tx1"/>
-                </a:solidFill>
-                <a:effectLst/>
-                <a:latin typeface="+mn-lt"/>
-                <a:ea typeface="微软雅黑" panose="020B0503020204020204" pitchFamily="34" charset="-122"/>
-                <a:cs typeface="+mn-cs"/>
-              </a:rPr>
-              <a:t>来简单说一下虚拟</a:t>
+              <a:t>下面来简单说一下虚拟</a:t>
             </a:r>
             <a:r>
               <a:rPr lang="en-US" altLang="zh-CN" sz="1200" b="0" i="0" kern="1200" dirty="0" err="1" smtClean="0">
@@ -13943,7 +13991,19 @@
                 <a:ea typeface="微软雅黑" panose="020B0503020204020204" pitchFamily="34" charset="-122"/>
                 <a:cs typeface="+mn-cs"/>
               </a:rPr>
-              <a:t>的</a:t>
+              <a:t>的差异。在</a:t>
+            </a:r>
+            <a:r>
+              <a:rPr lang="en-US" altLang="zh-CN" sz="1200" b="0" i="0" kern="1200" dirty="0" smtClean="0">
+                <a:solidFill>
+                  <a:schemeClr val="tx1"/>
+                </a:solidFill>
+                <a:effectLst/>
+                <a:latin typeface="+mn-lt"/>
+                <a:ea typeface="微软雅黑" panose="020B0503020204020204" pitchFamily="34" charset="-122"/>
+                <a:cs typeface="+mn-cs"/>
+              </a:rPr>
+              <a:t>React</a:t>
             </a:r>
             <a:r>
               <a:rPr lang="zh-CN" altLang="en-US" sz="1200" b="0" i="0" kern="1200" dirty="0" smtClean="0">
@@ -13955,7 +14015,7 @@
                 <a:ea typeface="微软雅黑" panose="020B0503020204020204" pitchFamily="34" charset="-122"/>
                 <a:cs typeface="+mn-cs"/>
               </a:rPr>
-              <a:t>差异。在</a:t>
+              <a:t>内部有一套</a:t>
             </a:r>
             <a:r>
               <a:rPr lang="en-US" altLang="zh-CN" sz="1200" b="0" i="0" kern="1200" dirty="0" smtClean="0">
@@ -13967,7 +14027,7 @@
                 <a:ea typeface="微软雅黑" panose="020B0503020204020204" pitchFamily="34" charset="-122"/>
                 <a:cs typeface="+mn-cs"/>
               </a:rPr>
-              <a:t>React</a:t>
+              <a:t>diff</a:t>
             </a:r>
             <a:r>
               <a:rPr lang="zh-CN" altLang="en-US" sz="1200" b="0" i="0" kern="1200" dirty="0" smtClean="0">
@@ -13979,41 +14039,8 @@
                 <a:ea typeface="微软雅黑" panose="020B0503020204020204" pitchFamily="34" charset="-122"/>
                 <a:cs typeface="+mn-cs"/>
               </a:rPr>
-              <a:t>内部有一套</a:t>
-            </a:r>
-            <a:r>
-              <a:rPr lang="en-US" altLang="zh-CN" sz="1200" b="0" i="0" kern="1200" dirty="0" smtClean="0">
-                <a:solidFill>
-                  <a:schemeClr val="tx1"/>
-                </a:solidFill>
-                <a:effectLst/>
-                <a:latin typeface="+mn-lt"/>
-                <a:ea typeface="微软雅黑" panose="020B0503020204020204" pitchFamily="34" charset="-122"/>
-                <a:cs typeface="+mn-cs"/>
-              </a:rPr>
-              <a:t>diff</a:t>
-            </a:r>
-            <a:r>
-              <a:rPr lang="zh-CN" altLang="en-US" sz="1200" b="0" i="0" kern="1200" dirty="0" smtClean="0">
-                <a:solidFill>
-                  <a:schemeClr val="tx1"/>
-                </a:solidFill>
-                <a:effectLst/>
-                <a:latin typeface="+mn-lt"/>
-                <a:ea typeface="微软雅黑" panose="020B0503020204020204" pitchFamily="34" charset="-122"/>
-                <a:cs typeface="+mn-cs"/>
-              </a:rPr>
               <a:t>算法可以快速的计算出整体需要改动的位置，从而做到快速局部刷新；举个栗子：删除一个列表再插入个新表，计算后会比较出不同然后插进去</a:t>
             </a:r>
-            <a:endParaRPr lang="zh-CN" altLang="en-US" sz="1200" b="0" i="0" kern="1200" dirty="0" smtClean="0">
-              <a:solidFill>
-                <a:schemeClr val="tx1"/>
-              </a:solidFill>
-              <a:effectLst/>
-              <a:latin typeface="+mn-lt"/>
-              <a:ea typeface="微软雅黑" panose="020B0503020204020204" pitchFamily="34" charset="-122"/>
-              <a:cs typeface="+mn-cs"/>
-            </a:endParaRPr>
           </a:p>
           <a:p>
             <a:r>
@@ -33354,16 +33381,6 @@
               </a:rPr>
               <a:t>起步</a:t>
             </a:r>
-            <a:endParaRPr lang="zh-CN" altLang="en-US" sz="1600" dirty="0">
-              <a:solidFill>
-                <a:schemeClr val="tx1">
-                  <a:lumMod val="65000"/>
-                  <a:lumOff val="35000"/>
-                </a:schemeClr>
-              </a:solidFill>
-              <a:latin typeface="微软雅黑" panose="020B0503020204020204" pitchFamily="34" charset="-122"/>
-              <a:ea typeface="微软雅黑" panose="020B0503020204020204" pitchFamily="34" charset="-122"/>
-            </a:endParaRPr>
           </a:p>
         </p:txBody>
       </p:sp>
@@ -33449,11 +33466,7 @@
           <a:p>
             <a:r>
               <a:rPr lang="zh-CN" altLang="en-US" b="1" dirty="0" smtClean="0"/>
-              <a:t>通过</a:t>
-            </a:r>
-            <a:r>
-              <a:rPr lang="zh-CN" altLang="en-US" b="1" dirty="0" smtClean="0"/>
-              <a:t>如下方式引入 </a:t>
+              <a:t>通过如下方式引入 </a:t>
             </a:r>
             <a:r>
               <a:rPr lang="en-US" altLang="zh-CN" b="1" dirty="0" err="1" smtClean="0"/>
@@ -34954,15 +34967,7 @@
             </a:r>
             <a:r>
               <a:rPr lang="zh-CN" altLang="en-US" dirty="0" smtClean="0"/>
-              <a:t>前端</a:t>
-            </a:r>
-            <a:r>
-              <a:rPr lang="zh-CN" altLang="en-US" dirty="0" smtClean="0"/>
-              <a:t>框架，</a:t>
-            </a:r>
-            <a:r>
-              <a:rPr lang="zh-CN" altLang="en-US" dirty="0" smtClean="0"/>
-              <a:t>类库和框架的区别，重点介绍</a:t>
+              <a:t>前端框架，类库和框架的区别，重点介绍</a:t>
             </a:r>
             <a:r>
               <a:rPr lang="en-US" altLang="zh-CN" dirty="0" smtClean="0"/>
@@ -34993,15 +34998,7 @@
           <a:p>
             <a:r>
               <a:rPr lang="zh-CN" altLang="en-US" dirty="0" smtClean="0"/>
-              <a:t>特性等以及对比，还会介绍</a:t>
-            </a:r>
-            <a:r>
-              <a:rPr lang="zh-CN" altLang="en-US" dirty="0" smtClean="0"/>
-              <a:t>一下前端</a:t>
-            </a:r>
-            <a:r>
-              <a:rPr lang="zh-CN" altLang="en-US" dirty="0" smtClean="0"/>
-              <a:t>的发展，</a:t>
+              <a:t>特性等以及对比，还会介绍一下前端的发展，</a:t>
             </a:r>
             <a:r>
               <a:rPr lang="en-US" altLang="zh-CN" dirty="0" err="1" smtClean="0"/>
@@ -35009,15 +35006,7 @@
             </a:r>
             <a:r>
               <a:rPr lang="zh-CN" altLang="en-US" dirty="0" smtClean="0"/>
-              <a:t>的理念和起步，希望大家</a:t>
-            </a:r>
-            <a:r>
-              <a:rPr lang="zh-CN" altLang="en-US" dirty="0" smtClean="0"/>
-              <a:t>能认识到</a:t>
-            </a:r>
-            <a:r>
-              <a:rPr lang="zh-CN" altLang="en-US" dirty="0" smtClean="0"/>
-              <a:t>框架和类库是</a:t>
+              <a:t>的理念和起步，希望大家能认识到框架和类库是</a:t>
             </a:r>
             <a:endParaRPr lang="en-US" altLang="zh-CN" dirty="0" smtClean="0"/>
           </a:p>
@@ -53607,7 +53596,7 @@
   <a:extraClrSchemeLst/>
   <a:extLst>
     <a:ext uri="{05A4C25C-085E-4340-85A3-A5531E510DB2}">
-      <thm15:themeFamily xmlns:thm15="http://schemas.microsoft.com/office/thememl/2012/main" xmlns="" name="Office Theme" id="{62F939B6-93AF-4DB8-9C6B-D6C7DFDC589F}" vid="{4A3C46E8-61CC-4603-A589-7422A47A8E4A}"/>
+      <thm15:themeFamily xmlns="" xmlns:thm15="http://schemas.microsoft.com/office/thememl/2012/main" name="Office Theme" id="{62F939B6-93AF-4DB8-9C6B-D6C7DFDC589F}" vid="{4A3C46E8-61CC-4603-A589-7422A47A8E4A}"/>
     </a:ext>
   </a:extLst>
 </a:theme>
@@ -53868,7 +53857,7 @@
   <a:extraClrSchemeLst/>
   <a:extLst>
     <a:ext uri="{05A4C25C-085E-4340-85A3-A5531E510DB2}">
-      <thm15:themeFamily xmlns:thm15="http://schemas.microsoft.com/office/thememl/2012/main" xmlns="" name="Office Theme" id="{62F939B6-93AF-4DB8-9C6B-D6C7DFDC589F}" vid="{4A3C46E8-61CC-4603-A589-7422A47A8E4A}"/>
+      <thm15:themeFamily xmlns="" xmlns:thm15="http://schemas.microsoft.com/office/thememl/2012/main" name="Office Theme" id="{62F939B6-93AF-4DB8-9C6B-D6C7DFDC589F}" vid="{4A3C46E8-61CC-4603-A589-7422A47A8E4A}"/>
     </a:ext>
   </a:extLst>
 </a:theme>
